--- a/AI_2_Presentation.pptx
+++ b/AI_2_Presentation.pptx
@@ -5,7 +5,7 @@
     <p:sldMasterId id="2147483660" r:id="rId1"/>
   </p:sldMasterIdLst>
   <p:notesMasterIdLst>
-    <p:notesMasterId r:id="rId14"/>
+    <p:notesMasterId r:id="rId15"/>
   </p:notesMasterIdLst>
   <p:sldIdLst>
     <p:sldId id="256" r:id="rId2"/>
@@ -17,9 +17,10 @@
     <p:sldId id="262" r:id="rId8"/>
     <p:sldId id="263" r:id="rId9"/>
     <p:sldId id="264" r:id="rId10"/>
-    <p:sldId id="265" r:id="rId11"/>
-    <p:sldId id="266" r:id="rId12"/>
-    <p:sldId id="267" r:id="rId13"/>
+    <p:sldId id="268" r:id="rId11"/>
+    <p:sldId id="265" r:id="rId12"/>
+    <p:sldId id="266" r:id="rId13"/>
+    <p:sldId id="267" r:id="rId14"/>
   </p:sldIdLst>
   <p:sldSz cx="12192000" cy="6858000"/>
   <p:notesSz cx="6858000" cy="9144000"/>
@@ -127,6 +128,632 @@
 </file>
 
 <file path=ppt/charts/chart1.xml><?xml version="1.0" encoding="utf-8"?>
+<c:chartSpace xmlns:c="http://schemas.openxmlformats.org/drawingml/2006/chart" xmlns:a="http://schemas.openxmlformats.org/drawingml/2006/main" xmlns:r="http://schemas.openxmlformats.org/officeDocument/2006/relationships">
+  <c:date1904 val="0"/>
+  <c:lang val="en-US"/>
+  <c:roundedCorners val="0"/>
+  <mc:AlternateContent xmlns:mc="http://schemas.openxmlformats.org/markup-compatibility/2006">
+    <mc:Choice xmlns:c14="http://schemas.microsoft.com/office/drawing/2007/8/2/chart" Requires="c14">
+      <c14:style val="102"/>
+    </mc:Choice>
+    <mc:Fallback>
+      <c:style val="2"/>
+    </mc:Fallback>
+  </mc:AlternateContent>
+  <c:chart>
+    <c:title>
+      <c:layout/>
+      <c:overlay val="0"/>
+      <c:spPr>
+        <a:noFill/>
+        <a:ln>
+          <a:noFill/>
+        </a:ln>
+        <a:effectLst/>
+      </c:spPr>
+      <c:txPr>
+        <a:bodyPr rot="0" spcFirstLastPara="1" vertOverflow="ellipsis" vert="horz" wrap="square" anchor="ctr" anchorCtr="1"/>
+        <a:lstStyle/>
+        <a:p>
+          <a:pPr>
+            <a:defRPr sz="1400" b="0" i="0" u="none" strike="noStrike" kern="1200" spc="0" baseline="0">
+              <a:solidFill>
+                <a:schemeClr val="tx1">
+                  <a:lumMod val="65000"/>
+                  <a:lumOff val="35000"/>
+                </a:schemeClr>
+              </a:solidFill>
+              <a:latin typeface="+mn-lt"/>
+              <a:ea typeface="+mn-ea"/>
+              <a:cs typeface="+mn-cs"/>
+            </a:defRPr>
+          </a:pPr>
+          <a:endParaRPr lang="en-US"/>
+        </a:p>
+      </c:txPr>
+    </c:title>
+    <c:autoTitleDeleted val="0"/>
+    <c:plotArea>
+      <c:layout/>
+      <c:lineChart>
+        <c:grouping val="standard"/>
+        <c:varyColors val="0"/>
+        <c:ser>
+          <c:idx val="0"/>
+          <c:order val="0"/>
+          <c:tx>
+            <c:strRef>
+              <c:f>Sheet1!$B$1</c:f>
+              <c:strCache>
+                <c:ptCount val="1"/>
+                <c:pt idx="0">
+                  <c:v>C-Values</c:v>
+                </c:pt>
+              </c:strCache>
+            </c:strRef>
+          </c:tx>
+          <c:spPr>
+            <a:ln w="28575" cap="rnd">
+              <a:solidFill>
+                <a:schemeClr val="accent1"/>
+              </a:solidFill>
+              <a:round/>
+            </a:ln>
+            <a:effectLst/>
+          </c:spPr>
+          <c:marker>
+            <c:symbol val="none"/>
+          </c:marker>
+          <c:cat>
+            <c:numRef>
+              <c:f>Sheet1!$A$2:$A$6</c:f>
+              <c:numCache>
+                <c:formatCode>General</c:formatCode>
+                <c:ptCount val="5"/>
+                <c:pt idx="0">
+                  <c:v>64</c:v>
+                </c:pt>
+                <c:pt idx="1">
+                  <c:v>128</c:v>
+                </c:pt>
+                <c:pt idx="2">
+                  <c:v>256</c:v>
+                </c:pt>
+                <c:pt idx="3">
+                  <c:v>512</c:v>
+                </c:pt>
+                <c:pt idx="4">
+                  <c:v>1024</c:v>
+                </c:pt>
+              </c:numCache>
+            </c:numRef>
+          </c:cat>
+          <c:val>
+            <c:numRef>
+              <c:f>Sheet1!$B$2:$B$6</c:f>
+              <c:numCache>
+                <c:formatCode>General</c:formatCode>
+                <c:ptCount val="5"/>
+                <c:pt idx="0">
+                  <c:v>1</c:v>
+                </c:pt>
+                <c:pt idx="1">
+                  <c:v>2</c:v>
+                </c:pt>
+                <c:pt idx="2">
+                  <c:v>3.5</c:v>
+                </c:pt>
+                <c:pt idx="3">
+                  <c:v>2</c:v>
+                </c:pt>
+                <c:pt idx="4">
+                  <c:v>4.5</c:v>
+                </c:pt>
+              </c:numCache>
+            </c:numRef>
+          </c:val>
+          <c:smooth val="0"/>
+        </c:ser>
+        <c:dLbls>
+          <c:showLegendKey val="0"/>
+          <c:showVal val="0"/>
+          <c:showCatName val="0"/>
+          <c:showSerName val="0"/>
+          <c:showPercent val="0"/>
+          <c:showBubbleSize val="0"/>
+        </c:dLbls>
+        <c:smooth val="0"/>
+        <c:axId val="354568808"/>
+        <c:axId val="354562144"/>
+      </c:lineChart>
+      <c:catAx>
+        <c:axId val="354568808"/>
+        <c:scaling>
+          <c:orientation val="minMax"/>
+        </c:scaling>
+        <c:delete val="0"/>
+        <c:axPos val="b"/>
+        <c:numFmt formatCode="General" sourceLinked="1"/>
+        <c:majorTickMark val="none"/>
+        <c:minorTickMark val="none"/>
+        <c:tickLblPos val="nextTo"/>
+        <c:spPr>
+          <a:noFill/>
+          <a:ln w="9525" cap="flat" cmpd="sng" algn="ctr">
+            <a:solidFill>
+              <a:schemeClr val="tx1">
+                <a:lumMod val="15000"/>
+                <a:lumOff val="85000"/>
+              </a:schemeClr>
+            </a:solidFill>
+            <a:round/>
+          </a:ln>
+          <a:effectLst/>
+        </c:spPr>
+        <c:txPr>
+          <a:bodyPr rot="-60000000" spcFirstLastPara="1" vertOverflow="ellipsis" vert="horz" wrap="square" anchor="ctr" anchorCtr="1"/>
+          <a:lstStyle/>
+          <a:p>
+            <a:pPr>
+              <a:defRPr sz="900" b="0" i="0" u="none" strike="noStrike" kern="1200" baseline="0">
+                <a:solidFill>
+                  <a:schemeClr val="tx1">
+                    <a:lumMod val="65000"/>
+                    <a:lumOff val="35000"/>
+                  </a:schemeClr>
+                </a:solidFill>
+                <a:latin typeface="+mn-lt"/>
+                <a:ea typeface="+mn-ea"/>
+                <a:cs typeface="+mn-cs"/>
+              </a:defRPr>
+            </a:pPr>
+            <a:endParaRPr lang="en-US"/>
+          </a:p>
+        </c:txPr>
+        <c:crossAx val="354562144"/>
+        <c:crosses val="autoZero"/>
+        <c:auto val="1"/>
+        <c:lblAlgn val="ctr"/>
+        <c:lblOffset val="100"/>
+        <c:noMultiLvlLbl val="0"/>
+      </c:catAx>
+      <c:valAx>
+        <c:axId val="354562144"/>
+        <c:scaling>
+          <c:orientation val="minMax"/>
+        </c:scaling>
+        <c:delete val="0"/>
+        <c:axPos val="l"/>
+        <c:majorGridlines>
+          <c:spPr>
+            <a:ln w="9525" cap="flat" cmpd="sng" algn="ctr">
+              <a:solidFill>
+                <a:schemeClr val="tx1">
+                  <a:lumMod val="15000"/>
+                  <a:lumOff val="85000"/>
+                </a:schemeClr>
+              </a:solidFill>
+              <a:round/>
+            </a:ln>
+            <a:effectLst/>
+          </c:spPr>
+        </c:majorGridlines>
+        <c:numFmt formatCode="General" sourceLinked="1"/>
+        <c:majorTickMark val="none"/>
+        <c:minorTickMark val="none"/>
+        <c:tickLblPos val="nextTo"/>
+        <c:spPr>
+          <a:noFill/>
+          <a:ln>
+            <a:noFill/>
+          </a:ln>
+          <a:effectLst/>
+        </c:spPr>
+        <c:txPr>
+          <a:bodyPr rot="-60000000" spcFirstLastPara="1" vertOverflow="ellipsis" vert="horz" wrap="square" anchor="ctr" anchorCtr="1"/>
+          <a:lstStyle/>
+          <a:p>
+            <a:pPr>
+              <a:defRPr sz="900" b="0" i="0" u="none" strike="noStrike" kern="1200" baseline="0">
+                <a:solidFill>
+                  <a:schemeClr val="tx1">
+                    <a:lumMod val="65000"/>
+                    <a:lumOff val="35000"/>
+                  </a:schemeClr>
+                </a:solidFill>
+                <a:latin typeface="+mn-lt"/>
+                <a:ea typeface="+mn-ea"/>
+                <a:cs typeface="+mn-cs"/>
+              </a:defRPr>
+            </a:pPr>
+            <a:endParaRPr lang="en-US"/>
+          </a:p>
+        </c:txPr>
+        <c:crossAx val="354568808"/>
+        <c:crosses val="autoZero"/>
+        <c:crossBetween val="between"/>
+      </c:valAx>
+      <c:spPr>
+        <a:noFill/>
+        <a:ln>
+          <a:noFill/>
+        </a:ln>
+        <a:effectLst/>
+      </c:spPr>
+    </c:plotArea>
+    <c:legend>
+      <c:legendPos val="b"/>
+      <c:layout/>
+      <c:overlay val="0"/>
+      <c:spPr>
+        <a:noFill/>
+        <a:ln>
+          <a:noFill/>
+        </a:ln>
+        <a:effectLst/>
+      </c:spPr>
+      <c:txPr>
+        <a:bodyPr rot="0" spcFirstLastPara="1" vertOverflow="ellipsis" vert="horz" wrap="square" anchor="ctr" anchorCtr="1"/>
+        <a:lstStyle/>
+        <a:p>
+          <a:pPr>
+            <a:defRPr sz="900" b="0" i="0" u="none" strike="noStrike" kern="1200" baseline="0">
+              <a:solidFill>
+                <a:schemeClr val="tx1">
+                  <a:lumMod val="65000"/>
+                  <a:lumOff val="35000"/>
+                </a:schemeClr>
+              </a:solidFill>
+              <a:latin typeface="+mn-lt"/>
+              <a:ea typeface="+mn-ea"/>
+              <a:cs typeface="+mn-cs"/>
+            </a:defRPr>
+          </a:pPr>
+          <a:endParaRPr lang="en-US"/>
+        </a:p>
+      </c:txPr>
+    </c:legend>
+    <c:plotVisOnly val="1"/>
+    <c:dispBlanksAs val="gap"/>
+    <c:showDLblsOverMax val="0"/>
+  </c:chart>
+  <c:spPr>
+    <a:noFill/>
+    <a:ln>
+      <a:noFill/>
+    </a:ln>
+    <a:effectLst/>
+  </c:spPr>
+  <c:txPr>
+    <a:bodyPr/>
+    <a:lstStyle/>
+    <a:p>
+      <a:pPr>
+        <a:defRPr/>
+      </a:pPr>
+      <a:endParaRPr lang="en-US"/>
+    </a:p>
+  </c:txPr>
+  <c:externalData r:id="rId3">
+    <c:autoUpdate val="0"/>
+  </c:externalData>
+</c:chartSpace>
+</file>
+
+<file path=ppt/charts/chart2.xml><?xml version="1.0" encoding="utf-8"?>
+<c:chartSpace xmlns:c="http://schemas.openxmlformats.org/drawingml/2006/chart" xmlns:a="http://schemas.openxmlformats.org/drawingml/2006/main" xmlns:r="http://schemas.openxmlformats.org/officeDocument/2006/relationships">
+  <c:date1904 val="0"/>
+  <c:lang val="en-US"/>
+  <c:roundedCorners val="0"/>
+  <mc:AlternateContent xmlns:mc="http://schemas.openxmlformats.org/markup-compatibility/2006">
+    <mc:Choice xmlns:c14="http://schemas.microsoft.com/office/drawing/2007/8/2/chart" Requires="c14">
+      <c14:style val="102"/>
+    </mc:Choice>
+    <mc:Fallback>
+      <c:style val="2"/>
+    </mc:Fallback>
+  </mc:AlternateContent>
+  <c:chart>
+    <c:title>
+      <c:layout/>
+      <c:overlay val="0"/>
+      <c:spPr>
+        <a:noFill/>
+        <a:ln>
+          <a:noFill/>
+        </a:ln>
+        <a:effectLst/>
+      </c:spPr>
+      <c:txPr>
+        <a:bodyPr rot="0" spcFirstLastPara="1" vertOverflow="ellipsis" vert="horz" wrap="square" anchor="ctr" anchorCtr="1"/>
+        <a:lstStyle/>
+        <a:p>
+          <a:pPr>
+            <a:defRPr sz="1400" b="0" i="0" u="none" strike="noStrike" kern="1200" spc="0" baseline="0">
+              <a:solidFill>
+                <a:schemeClr val="tx1">
+                  <a:lumMod val="65000"/>
+                  <a:lumOff val="35000"/>
+                </a:schemeClr>
+              </a:solidFill>
+              <a:latin typeface="+mn-lt"/>
+              <a:ea typeface="+mn-ea"/>
+              <a:cs typeface="+mn-cs"/>
+            </a:defRPr>
+          </a:pPr>
+          <a:endParaRPr lang="en-US"/>
+        </a:p>
+      </c:txPr>
+    </c:title>
+    <c:autoTitleDeleted val="0"/>
+    <c:plotArea>
+      <c:layout/>
+      <c:lineChart>
+        <c:grouping val="standard"/>
+        <c:varyColors val="0"/>
+        <c:ser>
+          <c:idx val="0"/>
+          <c:order val="0"/>
+          <c:tx>
+            <c:strRef>
+              <c:f>Sheet1!$B$1</c:f>
+              <c:strCache>
+                <c:ptCount val="1"/>
+                <c:pt idx="0">
+                  <c:v>Gamma</c:v>
+                </c:pt>
+              </c:strCache>
+            </c:strRef>
+          </c:tx>
+          <c:spPr>
+            <a:ln w="28575" cap="rnd">
+              <a:solidFill>
+                <a:schemeClr val="accent1"/>
+              </a:solidFill>
+              <a:round/>
+            </a:ln>
+            <a:effectLst/>
+          </c:spPr>
+          <c:marker>
+            <c:symbol val="none"/>
+          </c:marker>
+          <c:cat>
+            <c:numRef>
+              <c:f>Sheet1!$A$2:$A$6</c:f>
+              <c:numCache>
+                <c:formatCode>General</c:formatCode>
+                <c:ptCount val="5"/>
+                <c:pt idx="0">
+                  <c:v>64</c:v>
+                </c:pt>
+                <c:pt idx="1">
+                  <c:v>128</c:v>
+                </c:pt>
+                <c:pt idx="2">
+                  <c:v>256</c:v>
+                </c:pt>
+                <c:pt idx="3">
+                  <c:v>512</c:v>
+                </c:pt>
+                <c:pt idx="4">
+                  <c:v>1024</c:v>
+                </c:pt>
+              </c:numCache>
+            </c:numRef>
+          </c:cat>
+          <c:val>
+            <c:numRef>
+              <c:f>Sheet1!$B$2:$B$6</c:f>
+              <c:numCache>
+                <c:formatCode>General</c:formatCode>
+                <c:ptCount val="5"/>
+                <c:pt idx="0">
+                  <c:v>2E-3</c:v>
+                </c:pt>
+                <c:pt idx="1">
+                  <c:v>1.1999999999999999E-3</c:v>
+                </c:pt>
+                <c:pt idx="2">
+                  <c:v>6.9999999999999999E-4</c:v>
+                </c:pt>
+                <c:pt idx="3">
+                  <c:v>8.9999999999999998E-4</c:v>
+                </c:pt>
+                <c:pt idx="4">
+                  <c:v>5.0000000000000001E-4</c:v>
+                </c:pt>
+              </c:numCache>
+            </c:numRef>
+          </c:val>
+          <c:smooth val="0"/>
+        </c:ser>
+        <c:dLbls>
+          <c:showLegendKey val="0"/>
+          <c:showVal val="0"/>
+          <c:showCatName val="0"/>
+          <c:showSerName val="0"/>
+          <c:showPercent val="0"/>
+          <c:showBubbleSize val="0"/>
+        </c:dLbls>
+        <c:smooth val="0"/>
+        <c:axId val="389660216"/>
+        <c:axId val="520683912"/>
+      </c:lineChart>
+      <c:catAx>
+        <c:axId val="389660216"/>
+        <c:scaling>
+          <c:orientation val="minMax"/>
+        </c:scaling>
+        <c:delete val="0"/>
+        <c:axPos val="b"/>
+        <c:numFmt formatCode="General" sourceLinked="1"/>
+        <c:majorTickMark val="none"/>
+        <c:minorTickMark val="none"/>
+        <c:tickLblPos val="nextTo"/>
+        <c:spPr>
+          <a:noFill/>
+          <a:ln w="9525" cap="flat" cmpd="sng" algn="ctr">
+            <a:solidFill>
+              <a:schemeClr val="tx1">
+                <a:lumMod val="15000"/>
+                <a:lumOff val="85000"/>
+              </a:schemeClr>
+            </a:solidFill>
+            <a:round/>
+          </a:ln>
+          <a:effectLst/>
+        </c:spPr>
+        <c:txPr>
+          <a:bodyPr rot="-60000000" spcFirstLastPara="1" vertOverflow="ellipsis" vert="horz" wrap="square" anchor="ctr" anchorCtr="1"/>
+          <a:lstStyle/>
+          <a:p>
+            <a:pPr>
+              <a:defRPr sz="900" b="0" i="0" u="none" strike="noStrike" kern="1200" baseline="0">
+                <a:solidFill>
+                  <a:schemeClr val="tx1">
+                    <a:lumMod val="65000"/>
+                    <a:lumOff val="35000"/>
+                  </a:schemeClr>
+                </a:solidFill>
+                <a:latin typeface="+mn-lt"/>
+                <a:ea typeface="+mn-ea"/>
+                <a:cs typeface="+mn-cs"/>
+              </a:defRPr>
+            </a:pPr>
+            <a:endParaRPr lang="en-US"/>
+          </a:p>
+        </c:txPr>
+        <c:crossAx val="520683912"/>
+        <c:crosses val="autoZero"/>
+        <c:auto val="1"/>
+        <c:lblAlgn val="ctr"/>
+        <c:lblOffset val="100"/>
+        <c:noMultiLvlLbl val="0"/>
+      </c:catAx>
+      <c:valAx>
+        <c:axId val="520683912"/>
+        <c:scaling>
+          <c:orientation val="minMax"/>
+        </c:scaling>
+        <c:delete val="0"/>
+        <c:axPos val="l"/>
+        <c:majorGridlines>
+          <c:spPr>
+            <a:ln w="9525" cap="flat" cmpd="sng" algn="ctr">
+              <a:solidFill>
+                <a:schemeClr val="tx1">
+                  <a:lumMod val="15000"/>
+                  <a:lumOff val="85000"/>
+                </a:schemeClr>
+              </a:solidFill>
+              <a:round/>
+            </a:ln>
+            <a:effectLst/>
+          </c:spPr>
+        </c:majorGridlines>
+        <c:numFmt formatCode="General" sourceLinked="1"/>
+        <c:majorTickMark val="none"/>
+        <c:minorTickMark val="none"/>
+        <c:tickLblPos val="nextTo"/>
+        <c:spPr>
+          <a:noFill/>
+          <a:ln>
+            <a:noFill/>
+          </a:ln>
+          <a:effectLst/>
+        </c:spPr>
+        <c:txPr>
+          <a:bodyPr rot="-60000000" spcFirstLastPara="1" vertOverflow="ellipsis" vert="horz" wrap="square" anchor="ctr" anchorCtr="1"/>
+          <a:lstStyle/>
+          <a:p>
+            <a:pPr>
+              <a:defRPr sz="900" b="0" i="0" u="none" strike="noStrike" kern="1200" baseline="0">
+                <a:solidFill>
+                  <a:schemeClr val="tx1">
+                    <a:lumMod val="65000"/>
+                    <a:lumOff val="35000"/>
+                  </a:schemeClr>
+                </a:solidFill>
+                <a:latin typeface="+mn-lt"/>
+                <a:ea typeface="+mn-ea"/>
+                <a:cs typeface="+mn-cs"/>
+              </a:defRPr>
+            </a:pPr>
+            <a:endParaRPr lang="en-US"/>
+          </a:p>
+        </c:txPr>
+        <c:crossAx val="389660216"/>
+        <c:crosses val="autoZero"/>
+        <c:crossBetween val="between"/>
+      </c:valAx>
+      <c:spPr>
+        <a:noFill/>
+        <a:ln>
+          <a:noFill/>
+        </a:ln>
+        <a:effectLst/>
+      </c:spPr>
+    </c:plotArea>
+    <c:legend>
+      <c:legendPos val="b"/>
+      <c:layout/>
+      <c:overlay val="0"/>
+      <c:spPr>
+        <a:noFill/>
+        <a:ln>
+          <a:noFill/>
+        </a:ln>
+        <a:effectLst/>
+      </c:spPr>
+      <c:txPr>
+        <a:bodyPr rot="0" spcFirstLastPara="1" vertOverflow="ellipsis" vert="horz" wrap="square" anchor="ctr" anchorCtr="1"/>
+        <a:lstStyle/>
+        <a:p>
+          <a:pPr>
+            <a:defRPr sz="900" b="0" i="0" u="none" strike="noStrike" kern="1200" baseline="0">
+              <a:solidFill>
+                <a:schemeClr val="tx1">
+                  <a:lumMod val="65000"/>
+                  <a:lumOff val="35000"/>
+                </a:schemeClr>
+              </a:solidFill>
+              <a:latin typeface="+mn-lt"/>
+              <a:ea typeface="+mn-ea"/>
+              <a:cs typeface="+mn-cs"/>
+            </a:defRPr>
+          </a:pPr>
+          <a:endParaRPr lang="en-US"/>
+        </a:p>
+      </c:txPr>
+    </c:legend>
+    <c:plotVisOnly val="1"/>
+    <c:dispBlanksAs val="gap"/>
+    <c:showDLblsOverMax val="0"/>
+  </c:chart>
+  <c:spPr>
+    <a:noFill/>
+    <a:ln>
+      <a:noFill/>
+    </a:ln>
+    <a:effectLst/>
+  </c:spPr>
+  <c:txPr>
+    <a:bodyPr/>
+    <a:lstStyle/>
+    <a:p>
+      <a:pPr>
+        <a:defRPr/>
+      </a:pPr>
+      <a:endParaRPr lang="en-US"/>
+    </a:p>
+  </c:txPr>
+  <c:externalData r:id="rId3">
+    <c:autoUpdate val="0"/>
+  </c:externalData>
+</c:chartSpace>
+</file>
+
+<file path=ppt/charts/chart3.xml><?xml version="1.0" encoding="utf-8"?>
 <c:chartSpace xmlns:c="http://schemas.openxmlformats.org/drawingml/2006/chart" xmlns:a="http://schemas.openxmlformats.org/drawingml/2006/main" xmlns:r="http://schemas.openxmlformats.org/officeDocument/2006/relationships">
   <c:date1904 val="0"/>
   <c:lang val="en-US"/>
@@ -454,11 +1081,11 @@
           <c:showBubbleSize val="0"/>
         </c:dLbls>
         <c:smooth val="0"/>
-        <c:axId val="340871368"/>
-        <c:axId val="340872544"/>
+        <c:axId val="388736016"/>
+        <c:axId val="388732096"/>
       </c:lineChart>
       <c:catAx>
-        <c:axId val="340871368"/>
+        <c:axId val="388736016"/>
         <c:scaling>
           <c:orientation val="minMax"/>
         </c:scaling>
@@ -501,7 +1128,7 @@
             <a:endParaRPr lang="en-US"/>
           </a:p>
         </c:txPr>
-        <c:crossAx val="340872544"/>
+        <c:crossAx val="388732096"/>
         <c:crosses val="autoZero"/>
         <c:auto val="1"/>
         <c:lblAlgn val="ctr"/>
@@ -509,7 +1136,7 @@
         <c:noMultiLvlLbl val="0"/>
       </c:catAx>
       <c:valAx>
-        <c:axId val="340872544"/>
+        <c:axId val="388732096"/>
         <c:scaling>
           <c:orientation val="minMax"/>
         </c:scaling>
@@ -560,7 +1187,7 @@
             <a:endParaRPr lang="en-US"/>
           </a:p>
         </c:txPr>
-        <c:crossAx val="340871368"/>
+        <c:crossAx val="388736016"/>
         <c:crosses val="autoZero"/>
         <c:crossBetween val="between"/>
       </c:valAx>
@@ -632,6 +1259,86 @@
 </file>
 
 <file path=ppt/charts/colors1.xml><?xml version="1.0" encoding="utf-8"?>
+<cs:colorStyle xmlns:cs="http://schemas.microsoft.com/office/drawing/2012/chartStyle" xmlns:a="http://schemas.openxmlformats.org/drawingml/2006/main" meth="cycle" id="10">
+  <a:schemeClr val="accent1"/>
+  <a:schemeClr val="accent2"/>
+  <a:schemeClr val="accent3"/>
+  <a:schemeClr val="accent4"/>
+  <a:schemeClr val="accent5"/>
+  <a:schemeClr val="accent6"/>
+  <cs:variation/>
+  <cs:variation>
+    <a:lumMod val="60000"/>
+  </cs:variation>
+  <cs:variation>
+    <a:lumMod val="80000"/>
+    <a:lumOff val="20000"/>
+  </cs:variation>
+  <cs:variation>
+    <a:lumMod val="80000"/>
+  </cs:variation>
+  <cs:variation>
+    <a:lumMod val="60000"/>
+    <a:lumOff val="40000"/>
+  </cs:variation>
+  <cs:variation>
+    <a:lumMod val="50000"/>
+  </cs:variation>
+  <cs:variation>
+    <a:lumMod val="70000"/>
+    <a:lumOff val="30000"/>
+  </cs:variation>
+  <cs:variation>
+    <a:lumMod val="70000"/>
+  </cs:variation>
+  <cs:variation>
+    <a:lumMod val="50000"/>
+    <a:lumOff val="50000"/>
+  </cs:variation>
+</cs:colorStyle>
+</file>
+
+<file path=ppt/charts/colors2.xml><?xml version="1.0" encoding="utf-8"?>
+<cs:colorStyle xmlns:cs="http://schemas.microsoft.com/office/drawing/2012/chartStyle" xmlns:a="http://schemas.openxmlformats.org/drawingml/2006/main" meth="cycle" id="10">
+  <a:schemeClr val="accent1"/>
+  <a:schemeClr val="accent2"/>
+  <a:schemeClr val="accent3"/>
+  <a:schemeClr val="accent4"/>
+  <a:schemeClr val="accent5"/>
+  <a:schemeClr val="accent6"/>
+  <cs:variation/>
+  <cs:variation>
+    <a:lumMod val="60000"/>
+  </cs:variation>
+  <cs:variation>
+    <a:lumMod val="80000"/>
+    <a:lumOff val="20000"/>
+  </cs:variation>
+  <cs:variation>
+    <a:lumMod val="80000"/>
+  </cs:variation>
+  <cs:variation>
+    <a:lumMod val="60000"/>
+    <a:lumOff val="40000"/>
+  </cs:variation>
+  <cs:variation>
+    <a:lumMod val="50000"/>
+  </cs:variation>
+  <cs:variation>
+    <a:lumMod val="70000"/>
+    <a:lumOff val="30000"/>
+  </cs:variation>
+  <cs:variation>
+    <a:lumMod val="70000"/>
+  </cs:variation>
+  <cs:variation>
+    <a:lumMod val="50000"/>
+    <a:lumOff val="50000"/>
+  </cs:variation>
+</cs:colorStyle>
+</file>
+
+<file path=ppt/charts/colors3.xml><?xml version="1.0" encoding="utf-8"?>
 <cs:colorStyle xmlns:cs="http://schemas.microsoft.com/office/drawing/2012/chartStyle" xmlns:a="http://schemas.openxmlformats.org/drawingml/2006/main" meth="cycle" id="10">
   <a:schemeClr val="accent1"/>
   <a:schemeClr val="accent2"/>
@@ -1187,6 +1894,1038 @@
 </cs:chartStyle>
 </file>
 
+<file path=ppt/charts/style2.xml><?xml version="1.0" encoding="utf-8"?>
+<cs:chartStyle xmlns:cs="http://schemas.microsoft.com/office/drawing/2012/chartStyle" xmlns:a="http://schemas.openxmlformats.org/drawingml/2006/main" id="227">
+  <cs:axisTitle>
+    <cs:lnRef idx="0"/>
+    <cs:fillRef idx="0"/>
+    <cs:effectRef idx="0"/>
+    <cs:fontRef idx="minor">
+      <a:schemeClr val="tx1">
+        <a:lumMod val="65000"/>
+        <a:lumOff val="35000"/>
+      </a:schemeClr>
+    </cs:fontRef>
+    <cs:defRPr sz="1000" kern="1200"/>
+  </cs:axisTitle>
+  <cs:categoryAxis>
+    <cs:lnRef idx="0"/>
+    <cs:fillRef idx="0"/>
+    <cs:effectRef idx="0"/>
+    <cs:fontRef idx="minor">
+      <a:schemeClr val="tx1">
+        <a:lumMod val="65000"/>
+        <a:lumOff val="35000"/>
+      </a:schemeClr>
+    </cs:fontRef>
+    <cs:spPr>
+      <a:ln w="9525" cap="flat" cmpd="sng" algn="ctr">
+        <a:solidFill>
+          <a:schemeClr val="tx1">
+            <a:lumMod val="15000"/>
+            <a:lumOff val="85000"/>
+          </a:schemeClr>
+        </a:solidFill>
+        <a:round/>
+      </a:ln>
+    </cs:spPr>
+    <cs:defRPr sz="900" kern="1200"/>
+  </cs:categoryAxis>
+  <cs:chartArea mods="allowNoFillOverride allowNoLineOverride">
+    <cs:lnRef idx="0"/>
+    <cs:fillRef idx="0"/>
+    <cs:effectRef idx="0"/>
+    <cs:fontRef idx="minor">
+      <a:schemeClr val="tx1"/>
+    </cs:fontRef>
+    <cs:spPr>
+      <a:solidFill>
+        <a:schemeClr val="bg1"/>
+      </a:solidFill>
+      <a:ln w="9525" cap="flat" cmpd="sng" algn="ctr">
+        <a:solidFill>
+          <a:schemeClr val="tx1">
+            <a:lumMod val="15000"/>
+            <a:lumOff val="85000"/>
+          </a:schemeClr>
+        </a:solidFill>
+        <a:round/>
+      </a:ln>
+    </cs:spPr>
+    <cs:defRPr sz="1000" kern="1200"/>
+  </cs:chartArea>
+  <cs:dataLabel>
+    <cs:lnRef idx="0"/>
+    <cs:fillRef idx="0"/>
+    <cs:effectRef idx="0"/>
+    <cs:fontRef idx="minor">
+      <a:schemeClr val="tx1">
+        <a:lumMod val="75000"/>
+        <a:lumOff val="25000"/>
+      </a:schemeClr>
+    </cs:fontRef>
+    <cs:defRPr sz="900" kern="1200"/>
+  </cs:dataLabel>
+  <cs:dataLabelCallout>
+    <cs:lnRef idx="0"/>
+    <cs:fillRef idx="0"/>
+    <cs:effectRef idx="0"/>
+    <cs:fontRef idx="minor">
+      <a:schemeClr val="dk1">
+        <a:lumMod val="65000"/>
+        <a:lumOff val="35000"/>
+      </a:schemeClr>
+    </cs:fontRef>
+    <cs:spPr>
+      <a:solidFill>
+        <a:schemeClr val="lt1"/>
+      </a:solidFill>
+      <a:ln>
+        <a:solidFill>
+          <a:schemeClr val="dk1">
+            <a:lumMod val="25000"/>
+            <a:lumOff val="75000"/>
+          </a:schemeClr>
+        </a:solidFill>
+      </a:ln>
+    </cs:spPr>
+    <cs:defRPr sz="900" kern="1200"/>
+    <cs:bodyPr rot="0" spcFirstLastPara="1" vertOverflow="clip" horzOverflow="clip" vert="horz" wrap="square" lIns="36576" tIns="18288" rIns="36576" bIns="18288" anchor="ctr" anchorCtr="1">
+      <a:spAutoFit/>
+    </cs:bodyPr>
+  </cs:dataLabelCallout>
+  <cs:dataPoint>
+    <cs:lnRef idx="0"/>
+    <cs:fillRef idx="1">
+      <cs:styleClr val="auto"/>
+    </cs:fillRef>
+    <cs:effectRef idx="0"/>
+    <cs:fontRef idx="minor">
+      <a:schemeClr val="tx1"/>
+    </cs:fontRef>
+    <cs:spPr>
+      <a:solidFill>
+        <a:schemeClr val="phClr"/>
+      </a:solidFill>
+    </cs:spPr>
+  </cs:dataPoint>
+  <cs:dataPoint3D>
+    <cs:lnRef idx="0"/>
+    <cs:fillRef idx="1">
+      <cs:styleClr val="auto"/>
+    </cs:fillRef>
+    <cs:effectRef idx="0"/>
+    <cs:fontRef idx="minor">
+      <a:schemeClr val="tx1"/>
+    </cs:fontRef>
+    <cs:spPr>
+      <a:solidFill>
+        <a:schemeClr val="phClr"/>
+      </a:solidFill>
+    </cs:spPr>
+  </cs:dataPoint3D>
+  <cs:dataPointLine>
+    <cs:lnRef idx="0">
+      <cs:styleClr val="auto"/>
+    </cs:lnRef>
+    <cs:fillRef idx="1"/>
+    <cs:effectRef idx="0"/>
+    <cs:fontRef idx="minor">
+      <a:schemeClr val="tx1"/>
+    </cs:fontRef>
+    <cs:spPr>
+      <a:ln w="28575" cap="rnd">
+        <a:solidFill>
+          <a:schemeClr val="phClr"/>
+        </a:solidFill>
+        <a:round/>
+      </a:ln>
+    </cs:spPr>
+  </cs:dataPointLine>
+  <cs:dataPointMarker>
+    <cs:lnRef idx="0">
+      <cs:styleClr val="auto"/>
+    </cs:lnRef>
+    <cs:fillRef idx="1">
+      <cs:styleClr val="auto"/>
+    </cs:fillRef>
+    <cs:effectRef idx="0"/>
+    <cs:fontRef idx="minor">
+      <a:schemeClr val="tx1"/>
+    </cs:fontRef>
+    <cs:spPr>
+      <a:solidFill>
+        <a:schemeClr val="phClr"/>
+      </a:solidFill>
+      <a:ln w="9525">
+        <a:solidFill>
+          <a:schemeClr val="phClr"/>
+        </a:solidFill>
+      </a:ln>
+    </cs:spPr>
+  </cs:dataPointMarker>
+  <cs:dataPointMarkerLayout symbol="circle" size="5"/>
+  <cs:dataPointWireframe>
+    <cs:lnRef idx="0">
+      <cs:styleClr val="auto"/>
+    </cs:lnRef>
+    <cs:fillRef idx="1"/>
+    <cs:effectRef idx="0"/>
+    <cs:fontRef idx="minor">
+      <a:schemeClr val="tx1"/>
+    </cs:fontRef>
+    <cs:spPr>
+      <a:ln w="9525" cap="rnd">
+        <a:solidFill>
+          <a:schemeClr val="phClr"/>
+        </a:solidFill>
+        <a:round/>
+      </a:ln>
+    </cs:spPr>
+  </cs:dataPointWireframe>
+  <cs:dataTable>
+    <cs:lnRef idx="0"/>
+    <cs:fillRef idx="0"/>
+    <cs:effectRef idx="0"/>
+    <cs:fontRef idx="minor">
+      <a:schemeClr val="tx1">
+        <a:lumMod val="65000"/>
+        <a:lumOff val="35000"/>
+      </a:schemeClr>
+    </cs:fontRef>
+    <cs:spPr>
+      <a:noFill/>
+      <a:ln w="9525" cap="flat" cmpd="sng" algn="ctr">
+        <a:solidFill>
+          <a:schemeClr val="tx1">
+            <a:lumMod val="15000"/>
+            <a:lumOff val="85000"/>
+          </a:schemeClr>
+        </a:solidFill>
+        <a:round/>
+      </a:ln>
+    </cs:spPr>
+    <cs:defRPr sz="900" kern="1200"/>
+  </cs:dataTable>
+  <cs:downBar>
+    <cs:lnRef idx="0"/>
+    <cs:fillRef idx="0"/>
+    <cs:effectRef idx="0"/>
+    <cs:fontRef idx="minor">
+      <a:schemeClr val="dk1"/>
+    </cs:fontRef>
+    <cs:spPr>
+      <a:solidFill>
+        <a:schemeClr val="dk1">
+          <a:lumMod val="65000"/>
+          <a:lumOff val="35000"/>
+        </a:schemeClr>
+      </a:solidFill>
+      <a:ln w="9525">
+        <a:solidFill>
+          <a:schemeClr val="tx1">
+            <a:lumMod val="65000"/>
+            <a:lumOff val="35000"/>
+          </a:schemeClr>
+        </a:solidFill>
+      </a:ln>
+    </cs:spPr>
+  </cs:downBar>
+  <cs:dropLine>
+    <cs:lnRef idx="0"/>
+    <cs:fillRef idx="0"/>
+    <cs:effectRef idx="0"/>
+    <cs:fontRef idx="minor">
+      <a:schemeClr val="tx1"/>
+    </cs:fontRef>
+    <cs:spPr>
+      <a:ln w="9525" cap="flat" cmpd="sng" algn="ctr">
+        <a:solidFill>
+          <a:schemeClr val="tx1">
+            <a:lumMod val="35000"/>
+            <a:lumOff val="65000"/>
+          </a:schemeClr>
+        </a:solidFill>
+        <a:round/>
+      </a:ln>
+    </cs:spPr>
+  </cs:dropLine>
+  <cs:errorBar>
+    <cs:lnRef idx="0"/>
+    <cs:fillRef idx="0"/>
+    <cs:effectRef idx="0"/>
+    <cs:fontRef idx="minor">
+      <a:schemeClr val="tx1"/>
+    </cs:fontRef>
+    <cs:spPr>
+      <a:ln w="9525" cap="flat" cmpd="sng" algn="ctr">
+        <a:solidFill>
+          <a:schemeClr val="tx1">
+            <a:lumMod val="65000"/>
+            <a:lumOff val="35000"/>
+          </a:schemeClr>
+        </a:solidFill>
+        <a:round/>
+      </a:ln>
+    </cs:spPr>
+  </cs:errorBar>
+  <cs:floor>
+    <cs:lnRef idx="0"/>
+    <cs:fillRef idx="0"/>
+    <cs:effectRef idx="0"/>
+    <cs:fontRef idx="minor">
+      <a:schemeClr val="tx1"/>
+    </cs:fontRef>
+    <cs:spPr>
+      <a:noFill/>
+      <a:ln>
+        <a:noFill/>
+      </a:ln>
+    </cs:spPr>
+  </cs:floor>
+  <cs:gridlineMajor>
+    <cs:lnRef idx="0"/>
+    <cs:fillRef idx="0"/>
+    <cs:effectRef idx="0"/>
+    <cs:fontRef idx="minor">
+      <a:schemeClr val="tx1"/>
+    </cs:fontRef>
+    <cs:spPr>
+      <a:ln w="9525" cap="flat" cmpd="sng" algn="ctr">
+        <a:solidFill>
+          <a:schemeClr val="tx1">
+            <a:lumMod val="15000"/>
+            <a:lumOff val="85000"/>
+          </a:schemeClr>
+        </a:solidFill>
+        <a:round/>
+      </a:ln>
+    </cs:spPr>
+  </cs:gridlineMajor>
+  <cs:gridlineMinor>
+    <cs:lnRef idx="0"/>
+    <cs:fillRef idx="0"/>
+    <cs:effectRef idx="0"/>
+    <cs:fontRef idx="minor">
+      <a:schemeClr val="tx1"/>
+    </cs:fontRef>
+    <cs:spPr>
+      <a:ln w="9525" cap="flat" cmpd="sng" algn="ctr">
+        <a:solidFill>
+          <a:schemeClr val="tx1">
+            <a:lumMod val="5000"/>
+            <a:lumOff val="95000"/>
+          </a:schemeClr>
+        </a:solidFill>
+        <a:round/>
+      </a:ln>
+    </cs:spPr>
+  </cs:gridlineMinor>
+  <cs:hiLoLine>
+    <cs:lnRef idx="0"/>
+    <cs:fillRef idx="0"/>
+    <cs:effectRef idx="0"/>
+    <cs:fontRef idx="minor">
+      <a:schemeClr val="tx1"/>
+    </cs:fontRef>
+    <cs:spPr>
+      <a:ln w="9525" cap="flat" cmpd="sng" algn="ctr">
+        <a:solidFill>
+          <a:schemeClr val="tx1">
+            <a:lumMod val="75000"/>
+            <a:lumOff val="25000"/>
+          </a:schemeClr>
+        </a:solidFill>
+        <a:round/>
+      </a:ln>
+    </cs:spPr>
+  </cs:hiLoLine>
+  <cs:leaderLine>
+    <cs:lnRef idx="0"/>
+    <cs:fillRef idx="0"/>
+    <cs:effectRef idx="0"/>
+    <cs:fontRef idx="minor">
+      <a:schemeClr val="tx1"/>
+    </cs:fontRef>
+    <cs:spPr>
+      <a:ln w="9525" cap="flat" cmpd="sng" algn="ctr">
+        <a:solidFill>
+          <a:schemeClr val="tx1">
+            <a:lumMod val="35000"/>
+            <a:lumOff val="65000"/>
+          </a:schemeClr>
+        </a:solidFill>
+        <a:round/>
+      </a:ln>
+    </cs:spPr>
+  </cs:leaderLine>
+  <cs:legend>
+    <cs:lnRef idx="0"/>
+    <cs:fillRef idx="0"/>
+    <cs:effectRef idx="0"/>
+    <cs:fontRef idx="minor">
+      <a:schemeClr val="tx1">
+        <a:lumMod val="65000"/>
+        <a:lumOff val="35000"/>
+      </a:schemeClr>
+    </cs:fontRef>
+    <cs:defRPr sz="900" kern="1200"/>
+  </cs:legend>
+  <cs:plotArea mods="allowNoFillOverride allowNoLineOverride">
+    <cs:lnRef idx="0"/>
+    <cs:fillRef idx="0"/>
+    <cs:effectRef idx="0"/>
+    <cs:fontRef idx="minor">
+      <a:schemeClr val="tx1"/>
+    </cs:fontRef>
+  </cs:plotArea>
+  <cs:plotArea3D mods="allowNoFillOverride allowNoLineOverride">
+    <cs:lnRef idx="0"/>
+    <cs:fillRef idx="0"/>
+    <cs:effectRef idx="0"/>
+    <cs:fontRef idx="minor">
+      <a:schemeClr val="tx1"/>
+    </cs:fontRef>
+  </cs:plotArea3D>
+  <cs:seriesAxis>
+    <cs:lnRef idx="0"/>
+    <cs:fillRef idx="0"/>
+    <cs:effectRef idx="0"/>
+    <cs:fontRef idx="minor">
+      <a:schemeClr val="tx1">
+        <a:lumMod val="65000"/>
+        <a:lumOff val="35000"/>
+      </a:schemeClr>
+    </cs:fontRef>
+    <cs:defRPr sz="900" kern="1200"/>
+  </cs:seriesAxis>
+  <cs:seriesLine>
+    <cs:lnRef idx="0"/>
+    <cs:fillRef idx="0"/>
+    <cs:effectRef idx="0"/>
+    <cs:fontRef idx="minor">
+      <a:schemeClr val="tx1"/>
+    </cs:fontRef>
+    <cs:spPr>
+      <a:ln w="9525" cap="flat" cmpd="sng" algn="ctr">
+        <a:solidFill>
+          <a:schemeClr val="tx1">
+            <a:lumMod val="35000"/>
+            <a:lumOff val="65000"/>
+          </a:schemeClr>
+        </a:solidFill>
+        <a:round/>
+      </a:ln>
+    </cs:spPr>
+  </cs:seriesLine>
+  <cs:title>
+    <cs:lnRef idx="0"/>
+    <cs:fillRef idx="0"/>
+    <cs:effectRef idx="0"/>
+    <cs:fontRef idx="minor">
+      <a:schemeClr val="tx1">
+        <a:lumMod val="65000"/>
+        <a:lumOff val="35000"/>
+      </a:schemeClr>
+    </cs:fontRef>
+    <cs:defRPr sz="1400" b="0" kern="1200" spc="0" baseline="0"/>
+  </cs:title>
+  <cs:trendline>
+    <cs:lnRef idx="0">
+      <cs:styleClr val="auto"/>
+    </cs:lnRef>
+    <cs:fillRef idx="0"/>
+    <cs:effectRef idx="0"/>
+    <cs:fontRef idx="minor">
+      <a:schemeClr val="tx1"/>
+    </cs:fontRef>
+    <cs:spPr>
+      <a:ln w="19050" cap="rnd">
+        <a:solidFill>
+          <a:schemeClr val="phClr"/>
+        </a:solidFill>
+        <a:prstDash val="sysDot"/>
+      </a:ln>
+    </cs:spPr>
+  </cs:trendline>
+  <cs:trendlineLabel>
+    <cs:lnRef idx="0"/>
+    <cs:fillRef idx="0"/>
+    <cs:effectRef idx="0"/>
+    <cs:fontRef idx="minor">
+      <a:schemeClr val="tx1">
+        <a:lumMod val="65000"/>
+        <a:lumOff val="35000"/>
+      </a:schemeClr>
+    </cs:fontRef>
+    <cs:defRPr sz="900" kern="1200"/>
+  </cs:trendlineLabel>
+  <cs:upBar>
+    <cs:lnRef idx="0"/>
+    <cs:fillRef idx="0"/>
+    <cs:effectRef idx="0"/>
+    <cs:fontRef idx="minor">
+      <a:schemeClr val="dk1"/>
+    </cs:fontRef>
+    <cs:spPr>
+      <a:solidFill>
+        <a:schemeClr val="lt1"/>
+      </a:solidFill>
+      <a:ln w="9525">
+        <a:solidFill>
+          <a:schemeClr val="tx1">
+            <a:lumMod val="15000"/>
+            <a:lumOff val="85000"/>
+          </a:schemeClr>
+        </a:solidFill>
+      </a:ln>
+    </cs:spPr>
+  </cs:upBar>
+  <cs:valueAxis>
+    <cs:lnRef idx="0"/>
+    <cs:fillRef idx="0"/>
+    <cs:effectRef idx="0"/>
+    <cs:fontRef idx="minor">
+      <a:schemeClr val="tx1">
+        <a:lumMod val="65000"/>
+        <a:lumOff val="35000"/>
+      </a:schemeClr>
+    </cs:fontRef>
+    <cs:defRPr sz="900" kern="1200"/>
+  </cs:valueAxis>
+  <cs:wall>
+    <cs:lnRef idx="0"/>
+    <cs:fillRef idx="0"/>
+    <cs:effectRef idx="0"/>
+    <cs:fontRef idx="minor">
+      <a:schemeClr val="tx1"/>
+    </cs:fontRef>
+    <cs:spPr>
+      <a:noFill/>
+      <a:ln>
+        <a:noFill/>
+      </a:ln>
+    </cs:spPr>
+  </cs:wall>
+</cs:chartStyle>
+</file>
+
+<file path=ppt/charts/style3.xml><?xml version="1.0" encoding="utf-8"?>
+<cs:chartStyle xmlns:cs="http://schemas.microsoft.com/office/drawing/2012/chartStyle" xmlns:a="http://schemas.openxmlformats.org/drawingml/2006/main" id="227">
+  <cs:axisTitle>
+    <cs:lnRef idx="0"/>
+    <cs:fillRef idx="0"/>
+    <cs:effectRef idx="0"/>
+    <cs:fontRef idx="minor">
+      <a:schemeClr val="tx1">
+        <a:lumMod val="65000"/>
+        <a:lumOff val="35000"/>
+      </a:schemeClr>
+    </cs:fontRef>
+    <cs:defRPr sz="1000" kern="1200"/>
+  </cs:axisTitle>
+  <cs:categoryAxis>
+    <cs:lnRef idx="0"/>
+    <cs:fillRef idx="0"/>
+    <cs:effectRef idx="0"/>
+    <cs:fontRef idx="minor">
+      <a:schemeClr val="tx1">
+        <a:lumMod val="65000"/>
+        <a:lumOff val="35000"/>
+      </a:schemeClr>
+    </cs:fontRef>
+    <cs:spPr>
+      <a:ln w="9525" cap="flat" cmpd="sng" algn="ctr">
+        <a:solidFill>
+          <a:schemeClr val="tx1">
+            <a:lumMod val="15000"/>
+            <a:lumOff val="85000"/>
+          </a:schemeClr>
+        </a:solidFill>
+        <a:round/>
+      </a:ln>
+    </cs:spPr>
+    <cs:defRPr sz="900" kern="1200"/>
+  </cs:categoryAxis>
+  <cs:chartArea mods="allowNoFillOverride allowNoLineOverride">
+    <cs:lnRef idx="0"/>
+    <cs:fillRef idx="0"/>
+    <cs:effectRef idx="0"/>
+    <cs:fontRef idx="minor">
+      <a:schemeClr val="tx1"/>
+    </cs:fontRef>
+    <cs:spPr>
+      <a:solidFill>
+        <a:schemeClr val="bg1"/>
+      </a:solidFill>
+      <a:ln w="9525" cap="flat" cmpd="sng" algn="ctr">
+        <a:solidFill>
+          <a:schemeClr val="tx1">
+            <a:lumMod val="15000"/>
+            <a:lumOff val="85000"/>
+          </a:schemeClr>
+        </a:solidFill>
+        <a:round/>
+      </a:ln>
+    </cs:spPr>
+    <cs:defRPr sz="1000" kern="1200"/>
+  </cs:chartArea>
+  <cs:dataLabel>
+    <cs:lnRef idx="0"/>
+    <cs:fillRef idx="0"/>
+    <cs:effectRef idx="0"/>
+    <cs:fontRef idx="minor">
+      <a:schemeClr val="tx1">
+        <a:lumMod val="75000"/>
+        <a:lumOff val="25000"/>
+      </a:schemeClr>
+    </cs:fontRef>
+    <cs:defRPr sz="900" kern="1200"/>
+  </cs:dataLabel>
+  <cs:dataLabelCallout>
+    <cs:lnRef idx="0"/>
+    <cs:fillRef idx="0"/>
+    <cs:effectRef idx="0"/>
+    <cs:fontRef idx="minor">
+      <a:schemeClr val="dk1">
+        <a:lumMod val="65000"/>
+        <a:lumOff val="35000"/>
+      </a:schemeClr>
+    </cs:fontRef>
+    <cs:spPr>
+      <a:solidFill>
+        <a:schemeClr val="lt1"/>
+      </a:solidFill>
+      <a:ln>
+        <a:solidFill>
+          <a:schemeClr val="dk1">
+            <a:lumMod val="25000"/>
+            <a:lumOff val="75000"/>
+          </a:schemeClr>
+        </a:solidFill>
+      </a:ln>
+    </cs:spPr>
+    <cs:defRPr sz="900" kern="1200"/>
+    <cs:bodyPr rot="0" spcFirstLastPara="1" vertOverflow="clip" horzOverflow="clip" vert="horz" wrap="square" lIns="36576" tIns="18288" rIns="36576" bIns="18288" anchor="ctr" anchorCtr="1">
+      <a:spAutoFit/>
+    </cs:bodyPr>
+  </cs:dataLabelCallout>
+  <cs:dataPoint>
+    <cs:lnRef idx="0"/>
+    <cs:fillRef idx="1">
+      <cs:styleClr val="auto"/>
+    </cs:fillRef>
+    <cs:effectRef idx="0"/>
+    <cs:fontRef idx="minor">
+      <a:schemeClr val="tx1"/>
+    </cs:fontRef>
+    <cs:spPr>
+      <a:solidFill>
+        <a:schemeClr val="phClr"/>
+      </a:solidFill>
+    </cs:spPr>
+  </cs:dataPoint>
+  <cs:dataPoint3D>
+    <cs:lnRef idx="0"/>
+    <cs:fillRef idx="1">
+      <cs:styleClr val="auto"/>
+    </cs:fillRef>
+    <cs:effectRef idx="0"/>
+    <cs:fontRef idx="minor">
+      <a:schemeClr val="tx1"/>
+    </cs:fontRef>
+    <cs:spPr>
+      <a:solidFill>
+        <a:schemeClr val="phClr"/>
+      </a:solidFill>
+    </cs:spPr>
+  </cs:dataPoint3D>
+  <cs:dataPointLine>
+    <cs:lnRef idx="0">
+      <cs:styleClr val="auto"/>
+    </cs:lnRef>
+    <cs:fillRef idx="1"/>
+    <cs:effectRef idx="0"/>
+    <cs:fontRef idx="minor">
+      <a:schemeClr val="tx1"/>
+    </cs:fontRef>
+    <cs:spPr>
+      <a:ln w="28575" cap="rnd">
+        <a:solidFill>
+          <a:schemeClr val="phClr"/>
+        </a:solidFill>
+        <a:round/>
+      </a:ln>
+    </cs:spPr>
+  </cs:dataPointLine>
+  <cs:dataPointMarker>
+    <cs:lnRef idx="0">
+      <cs:styleClr val="auto"/>
+    </cs:lnRef>
+    <cs:fillRef idx="1">
+      <cs:styleClr val="auto"/>
+    </cs:fillRef>
+    <cs:effectRef idx="0"/>
+    <cs:fontRef idx="minor">
+      <a:schemeClr val="tx1"/>
+    </cs:fontRef>
+    <cs:spPr>
+      <a:solidFill>
+        <a:schemeClr val="phClr"/>
+      </a:solidFill>
+      <a:ln w="9525">
+        <a:solidFill>
+          <a:schemeClr val="phClr"/>
+        </a:solidFill>
+      </a:ln>
+    </cs:spPr>
+  </cs:dataPointMarker>
+  <cs:dataPointMarkerLayout symbol="circle" size="5"/>
+  <cs:dataPointWireframe>
+    <cs:lnRef idx="0">
+      <cs:styleClr val="auto"/>
+    </cs:lnRef>
+    <cs:fillRef idx="1"/>
+    <cs:effectRef idx="0"/>
+    <cs:fontRef idx="minor">
+      <a:schemeClr val="tx1"/>
+    </cs:fontRef>
+    <cs:spPr>
+      <a:ln w="9525" cap="rnd">
+        <a:solidFill>
+          <a:schemeClr val="phClr"/>
+        </a:solidFill>
+        <a:round/>
+      </a:ln>
+    </cs:spPr>
+  </cs:dataPointWireframe>
+  <cs:dataTable>
+    <cs:lnRef idx="0"/>
+    <cs:fillRef idx="0"/>
+    <cs:effectRef idx="0"/>
+    <cs:fontRef idx="minor">
+      <a:schemeClr val="tx1">
+        <a:lumMod val="65000"/>
+        <a:lumOff val="35000"/>
+      </a:schemeClr>
+    </cs:fontRef>
+    <cs:spPr>
+      <a:noFill/>
+      <a:ln w="9525" cap="flat" cmpd="sng" algn="ctr">
+        <a:solidFill>
+          <a:schemeClr val="tx1">
+            <a:lumMod val="15000"/>
+            <a:lumOff val="85000"/>
+          </a:schemeClr>
+        </a:solidFill>
+        <a:round/>
+      </a:ln>
+    </cs:spPr>
+    <cs:defRPr sz="900" kern="1200"/>
+  </cs:dataTable>
+  <cs:downBar>
+    <cs:lnRef idx="0"/>
+    <cs:fillRef idx="0"/>
+    <cs:effectRef idx="0"/>
+    <cs:fontRef idx="minor">
+      <a:schemeClr val="dk1"/>
+    </cs:fontRef>
+    <cs:spPr>
+      <a:solidFill>
+        <a:schemeClr val="dk1">
+          <a:lumMod val="65000"/>
+          <a:lumOff val="35000"/>
+        </a:schemeClr>
+      </a:solidFill>
+      <a:ln w="9525">
+        <a:solidFill>
+          <a:schemeClr val="tx1">
+            <a:lumMod val="65000"/>
+            <a:lumOff val="35000"/>
+          </a:schemeClr>
+        </a:solidFill>
+      </a:ln>
+    </cs:spPr>
+  </cs:downBar>
+  <cs:dropLine>
+    <cs:lnRef idx="0"/>
+    <cs:fillRef idx="0"/>
+    <cs:effectRef idx="0"/>
+    <cs:fontRef idx="minor">
+      <a:schemeClr val="tx1"/>
+    </cs:fontRef>
+    <cs:spPr>
+      <a:ln w="9525" cap="flat" cmpd="sng" algn="ctr">
+        <a:solidFill>
+          <a:schemeClr val="tx1">
+            <a:lumMod val="35000"/>
+            <a:lumOff val="65000"/>
+          </a:schemeClr>
+        </a:solidFill>
+        <a:round/>
+      </a:ln>
+    </cs:spPr>
+  </cs:dropLine>
+  <cs:errorBar>
+    <cs:lnRef idx="0"/>
+    <cs:fillRef idx="0"/>
+    <cs:effectRef idx="0"/>
+    <cs:fontRef idx="minor">
+      <a:schemeClr val="tx1"/>
+    </cs:fontRef>
+    <cs:spPr>
+      <a:ln w="9525" cap="flat" cmpd="sng" algn="ctr">
+        <a:solidFill>
+          <a:schemeClr val="tx1">
+            <a:lumMod val="65000"/>
+            <a:lumOff val="35000"/>
+          </a:schemeClr>
+        </a:solidFill>
+        <a:round/>
+      </a:ln>
+    </cs:spPr>
+  </cs:errorBar>
+  <cs:floor>
+    <cs:lnRef idx="0"/>
+    <cs:fillRef idx="0"/>
+    <cs:effectRef idx="0"/>
+    <cs:fontRef idx="minor">
+      <a:schemeClr val="tx1"/>
+    </cs:fontRef>
+    <cs:spPr>
+      <a:noFill/>
+      <a:ln>
+        <a:noFill/>
+      </a:ln>
+    </cs:spPr>
+  </cs:floor>
+  <cs:gridlineMajor>
+    <cs:lnRef idx="0"/>
+    <cs:fillRef idx="0"/>
+    <cs:effectRef idx="0"/>
+    <cs:fontRef idx="minor">
+      <a:schemeClr val="tx1"/>
+    </cs:fontRef>
+    <cs:spPr>
+      <a:ln w="9525" cap="flat" cmpd="sng" algn="ctr">
+        <a:solidFill>
+          <a:schemeClr val="tx1">
+            <a:lumMod val="15000"/>
+            <a:lumOff val="85000"/>
+          </a:schemeClr>
+        </a:solidFill>
+        <a:round/>
+      </a:ln>
+    </cs:spPr>
+  </cs:gridlineMajor>
+  <cs:gridlineMinor>
+    <cs:lnRef idx="0"/>
+    <cs:fillRef idx="0"/>
+    <cs:effectRef idx="0"/>
+    <cs:fontRef idx="minor">
+      <a:schemeClr val="tx1"/>
+    </cs:fontRef>
+    <cs:spPr>
+      <a:ln w="9525" cap="flat" cmpd="sng" algn="ctr">
+        <a:solidFill>
+          <a:schemeClr val="tx1">
+            <a:lumMod val="5000"/>
+            <a:lumOff val="95000"/>
+          </a:schemeClr>
+        </a:solidFill>
+        <a:round/>
+      </a:ln>
+    </cs:spPr>
+  </cs:gridlineMinor>
+  <cs:hiLoLine>
+    <cs:lnRef idx="0"/>
+    <cs:fillRef idx="0"/>
+    <cs:effectRef idx="0"/>
+    <cs:fontRef idx="minor">
+      <a:schemeClr val="tx1"/>
+    </cs:fontRef>
+    <cs:spPr>
+      <a:ln w="9525" cap="flat" cmpd="sng" algn="ctr">
+        <a:solidFill>
+          <a:schemeClr val="tx1">
+            <a:lumMod val="75000"/>
+            <a:lumOff val="25000"/>
+          </a:schemeClr>
+        </a:solidFill>
+        <a:round/>
+      </a:ln>
+    </cs:spPr>
+  </cs:hiLoLine>
+  <cs:leaderLine>
+    <cs:lnRef idx="0"/>
+    <cs:fillRef idx="0"/>
+    <cs:effectRef idx="0"/>
+    <cs:fontRef idx="minor">
+      <a:schemeClr val="tx1"/>
+    </cs:fontRef>
+    <cs:spPr>
+      <a:ln w="9525" cap="flat" cmpd="sng" algn="ctr">
+        <a:solidFill>
+          <a:schemeClr val="tx1">
+            <a:lumMod val="35000"/>
+            <a:lumOff val="65000"/>
+          </a:schemeClr>
+        </a:solidFill>
+        <a:round/>
+      </a:ln>
+    </cs:spPr>
+  </cs:leaderLine>
+  <cs:legend>
+    <cs:lnRef idx="0"/>
+    <cs:fillRef idx="0"/>
+    <cs:effectRef idx="0"/>
+    <cs:fontRef idx="minor">
+      <a:schemeClr val="tx1">
+        <a:lumMod val="65000"/>
+        <a:lumOff val="35000"/>
+      </a:schemeClr>
+    </cs:fontRef>
+    <cs:defRPr sz="900" kern="1200"/>
+  </cs:legend>
+  <cs:plotArea mods="allowNoFillOverride allowNoLineOverride">
+    <cs:lnRef idx="0"/>
+    <cs:fillRef idx="0"/>
+    <cs:effectRef idx="0"/>
+    <cs:fontRef idx="minor">
+      <a:schemeClr val="tx1"/>
+    </cs:fontRef>
+  </cs:plotArea>
+  <cs:plotArea3D mods="allowNoFillOverride allowNoLineOverride">
+    <cs:lnRef idx="0"/>
+    <cs:fillRef idx="0"/>
+    <cs:effectRef idx="0"/>
+    <cs:fontRef idx="minor">
+      <a:schemeClr val="tx1"/>
+    </cs:fontRef>
+  </cs:plotArea3D>
+  <cs:seriesAxis>
+    <cs:lnRef idx="0"/>
+    <cs:fillRef idx="0"/>
+    <cs:effectRef idx="0"/>
+    <cs:fontRef idx="minor">
+      <a:schemeClr val="tx1">
+        <a:lumMod val="65000"/>
+        <a:lumOff val="35000"/>
+      </a:schemeClr>
+    </cs:fontRef>
+    <cs:defRPr sz="900" kern="1200"/>
+  </cs:seriesAxis>
+  <cs:seriesLine>
+    <cs:lnRef idx="0"/>
+    <cs:fillRef idx="0"/>
+    <cs:effectRef idx="0"/>
+    <cs:fontRef idx="minor">
+      <a:schemeClr val="tx1"/>
+    </cs:fontRef>
+    <cs:spPr>
+      <a:ln w="9525" cap="flat" cmpd="sng" algn="ctr">
+        <a:solidFill>
+          <a:schemeClr val="tx1">
+            <a:lumMod val="35000"/>
+            <a:lumOff val="65000"/>
+          </a:schemeClr>
+        </a:solidFill>
+        <a:round/>
+      </a:ln>
+    </cs:spPr>
+  </cs:seriesLine>
+  <cs:title>
+    <cs:lnRef idx="0"/>
+    <cs:fillRef idx="0"/>
+    <cs:effectRef idx="0"/>
+    <cs:fontRef idx="minor">
+      <a:schemeClr val="tx1">
+        <a:lumMod val="65000"/>
+        <a:lumOff val="35000"/>
+      </a:schemeClr>
+    </cs:fontRef>
+    <cs:defRPr sz="1400" b="0" kern="1200" spc="0" baseline="0"/>
+  </cs:title>
+  <cs:trendline>
+    <cs:lnRef idx="0">
+      <cs:styleClr val="auto"/>
+    </cs:lnRef>
+    <cs:fillRef idx="0"/>
+    <cs:effectRef idx="0"/>
+    <cs:fontRef idx="minor">
+      <a:schemeClr val="tx1"/>
+    </cs:fontRef>
+    <cs:spPr>
+      <a:ln w="19050" cap="rnd">
+        <a:solidFill>
+          <a:schemeClr val="phClr"/>
+        </a:solidFill>
+        <a:prstDash val="sysDot"/>
+      </a:ln>
+    </cs:spPr>
+  </cs:trendline>
+  <cs:trendlineLabel>
+    <cs:lnRef idx="0"/>
+    <cs:fillRef idx="0"/>
+    <cs:effectRef idx="0"/>
+    <cs:fontRef idx="minor">
+      <a:schemeClr val="tx1">
+        <a:lumMod val="65000"/>
+        <a:lumOff val="35000"/>
+      </a:schemeClr>
+    </cs:fontRef>
+    <cs:defRPr sz="900" kern="1200"/>
+  </cs:trendlineLabel>
+  <cs:upBar>
+    <cs:lnRef idx="0"/>
+    <cs:fillRef idx="0"/>
+    <cs:effectRef idx="0"/>
+    <cs:fontRef idx="minor">
+      <a:schemeClr val="dk1"/>
+    </cs:fontRef>
+    <cs:spPr>
+      <a:solidFill>
+        <a:schemeClr val="lt1"/>
+      </a:solidFill>
+      <a:ln w="9525">
+        <a:solidFill>
+          <a:schemeClr val="tx1">
+            <a:lumMod val="15000"/>
+            <a:lumOff val="85000"/>
+          </a:schemeClr>
+        </a:solidFill>
+      </a:ln>
+    </cs:spPr>
+  </cs:upBar>
+  <cs:valueAxis>
+    <cs:lnRef idx="0"/>
+    <cs:fillRef idx="0"/>
+    <cs:effectRef idx="0"/>
+    <cs:fontRef idx="minor">
+      <a:schemeClr val="tx1">
+        <a:lumMod val="65000"/>
+        <a:lumOff val="35000"/>
+      </a:schemeClr>
+    </cs:fontRef>
+    <cs:defRPr sz="900" kern="1200"/>
+  </cs:valueAxis>
+  <cs:wall>
+    <cs:lnRef idx="0"/>
+    <cs:fillRef idx="0"/>
+    <cs:effectRef idx="0"/>
+    <cs:fontRef idx="minor">
+      <a:schemeClr val="tx1"/>
+    </cs:fontRef>
+    <cs:spPr>
+      <a:noFill/>
+      <a:ln>
+        <a:noFill/>
+      </a:ln>
+    </cs:spPr>
+  </cs:wall>
+</cs:chartStyle>
+</file>
+
 <file path=ppt/notesMasters/notesMaster1.xml><?xml version="1.0" encoding="utf-8"?>
 <p:notesMaster xmlns:a="http://schemas.openxmlformats.org/drawingml/2006/main" xmlns:r="http://schemas.openxmlformats.org/officeDocument/2006/relationships" xmlns:p="http://schemas.openxmlformats.org/presentationml/2006/main">
   <p:cSld>
@@ -5415,6 +7154,161 @@
       </p:grpSpPr>
       <p:sp>
         <p:nvSpPr>
+          <p:cNvPr id="4" name="Title 3"/>
+          <p:cNvSpPr>
+            <a:spLocks noGrp="1"/>
+          </p:cNvSpPr>
+          <p:nvPr>
+            <p:ph type="title"/>
+          </p:nvPr>
+        </p:nvSpPr>
+        <p:spPr/>
+        <p:txBody>
+          <a:bodyPr/>
+          <a:lstStyle/>
+          <a:p>
+            <a:r>
+              <a:rPr lang="en-US" dirty="0" smtClean="0"/>
+              <a:t>C-VALUES &amp; GAMMA FOR EACH CLUSTER</a:t>
+            </a:r>
+            <a:endParaRPr lang="en-US" dirty="0"/>
+          </a:p>
+        </p:txBody>
+      </p:sp>
+      <p:sp>
+        <p:nvSpPr>
+          <p:cNvPr id="5" name="Text Placeholder 4"/>
+          <p:cNvSpPr>
+            <a:spLocks noGrp="1"/>
+          </p:cNvSpPr>
+          <p:nvPr>
+            <p:ph type="body" idx="1"/>
+          </p:nvPr>
+        </p:nvSpPr>
+        <p:spPr/>
+        <p:txBody>
+          <a:bodyPr/>
+          <a:lstStyle/>
+          <a:p>
+            <a:r>
+              <a:rPr lang="en-US" b="1" dirty="0" smtClean="0">
+                <a:solidFill>
+                  <a:schemeClr val="accent1"/>
+                </a:solidFill>
+              </a:rPr>
+              <a:t>C-values</a:t>
+            </a:r>
+            <a:endParaRPr lang="en-US" b="1" dirty="0">
+              <a:solidFill>
+                <a:schemeClr val="accent1"/>
+              </a:solidFill>
+            </a:endParaRPr>
+          </a:p>
+        </p:txBody>
+      </p:sp>
+      <p:sp>
+        <p:nvSpPr>
+          <p:cNvPr id="7" name="Text Placeholder 6"/>
+          <p:cNvSpPr>
+            <a:spLocks noGrp="1"/>
+          </p:cNvSpPr>
+          <p:nvPr>
+            <p:ph type="body" sz="quarter" idx="3"/>
+          </p:nvPr>
+        </p:nvSpPr>
+        <p:spPr/>
+        <p:txBody>
+          <a:bodyPr/>
+          <a:lstStyle/>
+          <a:p>
+            <a:r>
+              <a:rPr lang="en-US" dirty="0" smtClean="0">
+                <a:solidFill>
+                  <a:schemeClr val="accent1"/>
+                </a:solidFill>
+              </a:rPr>
+              <a:t>Gamma </a:t>
+            </a:r>
+            <a:endParaRPr lang="en-US" dirty="0">
+              <a:solidFill>
+                <a:schemeClr val="accent1"/>
+              </a:solidFill>
+            </a:endParaRPr>
+          </a:p>
+        </p:txBody>
+      </p:sp>
+      <p:graphicFrame>
+        <p:nvGraphicFramePr>
+          <p:cNvPr id="9" name="Content Placeholder 8"/>
+          <p:cNvGraphicFramePr>
+            <a:graphicFrameLocks noGrp="1"/>
+          </p:cNvGraphicFramePr>
+          <p:nvPr>
+            <p:ph sz="half" idx="2"/>
+          </p:nvPr>
+        </p:nvGraphicFramePr>
+        <p:xfrm>
+          <a:off x="1096963" y="2582863"/>
+          <a:ext cx="4938712" cy="3378200"/>
+        </p:xfrm>
+        <a:graphic>
+          <a:graphicData uri="http://schemas.openxmlformats.org/drawingml/2006/chart">
+            <c:chart xmlns:c="http://schemas.openxmlformats.org/drawingml/2006/chart" xmlns:r="http://schemas.openxmlformats.org/officeDocument/2006/relationships" r:id="rId2"/>
+          </a:graphicData>
+        </a:graphic>
+      </p:graphicFrame>
+      <p:graphicFrame>
+        <p:nvGraphicFramePr>
+          <p:cNvPr id="10" name="Content Placeholder 9"/>
+          <p:cNvGraphicFramePr>
+            <a:graphicFrameLocks noGrp="1"/>
+          </p:cNvGraphicFramePr>
+          <p:nvPr>
+            <p:ph sz="quarter" idx="4"/>
+          </p:nvPr>
+        </p:nvGraphicFramePr>
+        <p:xfrm>
+          <a:off x="6218238" y="2582863"/>
+          <a:ext cx="4937125" cy="3378200"/>
+        </p:xfrm>
+        <a:graphic>
+          <a:graphicData uri="http://schemas.openxmlformats.org/drawingml/2006/chart">
+            <c:chart xmlns:c="http://schemas.openxmlformats.org/drawingml/2006/chart" xmlns:r="http://schemas.openxmlformats.org/officeDocument/2006/relationships" r:id="rId3"/>
+          </a:graphicData>
+        </a:graphic>
+      </p:graphicFrame>
+    </p:spTree>
+    <p:extLst>
+      <p:ext uri="{BB962C8B-B14F-4D97-AF65-F5344CB8AC3E}">
+        <p14:creationId xmlns:p14="http://schemas.microsoft.com/office/powerpoint/2010/main" val="2661681996"/>
+      </p:ext>
+    </p:extLst>
+  </p:cSld>
+  <p:clrMapOvr>
+    <a:masterClrMapping/>
+  </p:clrMapOvr>
+</p:sld>
+</file>
+
+<file path=ppt/slides/slide11.xml><?xml version="1.0" encoding="utf-8"?>
+<p:sld xmlns:a="http://schemas.openxmlformats.org/drawingml/2006/main" xmlns:r="http://schemas.openxmlformats.org/officeDocument/2006/relationships" xmlns:p="http://schemas.openxmlformats.org/presentationml/2006/main">
+  <p:cSld>
+    <p:spTree>
+      <p:nvGrpSpPr>
+        <p:cNvPr id="1" name=""/>
+        <p:cNvGrpSpPr/>
+        <p:nvPr/>
+      </p:nvGrpSpPr>
+      <p:grpSpPr>
+        <a:xfrm>
+          <a:off x="0" y="0"/>
+          <a:ext cx="0" cy="0"/>
+          <a:chOff x="0" y="0"/>
+          <a:chExt cx="0" cy="0"/>
+        </a:xfrm>
+      </p:grpSpPr>
+      <p:sp>
+        <p:nvSpPr>
           <p:cNvPr id="2" name="Title 1"/>
           <p:cNvSpPr>
             <a:spLocks noGrp="1"/>
@@ -5535,7 +7429,15 @@
             </a:pPr>
             <a:r>
               <a:rPr lang="en-US" dirty="0" smtClean="0"/>
-              <a:t>Ex: 100 “words” of a “skid” means less in a 300ms segment than it does a 50ms segment. </a:t>
+              <a:t>Ex: 100 “words” of a “skid” </a:t>
+            </a:r>
+            <a:r>
+              <a:rPr lang="en-US" dirty="0" smtClean="0"/>
+              <a:t>mean </a:t>
+            </a:r>
+            <a:r>
+              <a:rPr lang="en-US" dirty="0" smtClean="0"/>
+              <a:t>less in a 300ms segment than it does a 50ms segment. </a:t>
             </a:r>
             <a:endParaRPr lang="en-US" dirty="0"/>
           </a:p>
@@ -5586,7 +7488,7 @@
 </p:sld>
 </file>
 
-<file path=ppt/slides/slide11.xml><?xml version="1.0" encoding="utf-8"?>
+<file path=ppt/slides/slide12.xml><?xml version="1.0" encoding="utf-8"?>
 <p:sld xmlns:a="http://schemas.openxmlformats.org/drawingml/2006/main" xmlns:r="http://schemas.openxmlformats.org/officeDocument/2006/relationships" xmlns:p="http://schemas.openxmlformats.org/presentationml/2006/main">
   <p:cSld>
     <p:spTree>
@@ -5650,11 +7552,7 @@
             </a:pPr>
             <a:r>
               <a:rPr lang="en-US" dirty="0" smtClean="0"/>
-              <a:t> Timing </a:t>
-            </a:r>
-            <a:r>
-              <a:rPr lang="en-US" dirty="0" smtClean="0"/>
-              <a:t>the various methods to see if the accuracy tradeoff is worth having to process less audio</a:t>
+              <a:t> Timing the various methods to see if the accuracy tradeoff is worth having to process less audio</a:t>
             </a:r>
           </a:p>
           <a:p>
@@ -5667,33 +7565,8 @@
             </a:pPr>
             <a:r>
               <a:rPr lang="en-US" dirty="0" smtClean="0"/>
-              <a:t> </a:t>
-            </a:r>
-            <a:r>
-              <a:rPr lang="en-US" dirty="0" smtClean="0"/>
-              <a:t>Use of </a:t>
-            </a:r>
-            <a:r>
-              <a:rPr lang="en-US" dirty="0" smtClean="0"/>
-              <a:t>other </a:t>
-            </a:r>
-            <a:r>
-              <a:rPr lang="en-US" dirty="0" smtClean="0"/>
-              <a:t>audio features </a:t>
-            </a:r>
-            <a:r>
-              <a:rPr lang="en-US" dirty="0" smtClean="0"/>
-              <a:t>(</a:t>
-            </a:r>
-            <a:r>
-              <a:rPr lang="en-US" dirty="0" smtClean="0"/>
-              <a:t>such as Bark Sub-bands</a:t>
-            </a:r>
-            <a:r>
-              <a:rPr lang="en-US" dirty="0" smtClean="0"/>
-              <a:t>)</a:t>
-            </a:r>
-            <a:endParaRPr lang="en-US" dirty="0" smtClean="0"/>
+              <a:t> Use of other audio features (such as Bark Sub-bands)</a:t>
+            </a:r>
           </a:p>
           <a:p>
             <a:pPr>
@@ -5707,7 +7580,6 @@
               <a:rPr lang="en-US" dirty="0" smtClean="0"/>
               <a:t> Attempt to classify audio via visual classifications on spectrograms. </a:t>
             </a:r>
-            <a:endParaRPr lang="en-US" dirty="0" smtClean="0"/>
           </a:p>
           <a:p>
             <a:pPr>
@@ -5719,23 +7591,7 @@
             </a:pPr>
             <a:r>
               <a:rPr lang="en-US" dirty="0" smtClean="0"/>
-              <a:t> Extending </a:t>
-            </a:r>
-            <a:r>
-              <a:rPr lang="en-US" dirty="0" smtClean="0"/>
-              <a:t>this framework to other noises/events (explosion, </a:t>
-            </a:r>
-            <a:r>
-              <a:rPr lang="en-US" dirty="0" smtClean="0"/>
-              <a:t>gunshot</a:t>
-            </a:r>
-            <a:r>
-              <a:rPr lang="en-US" dirty="0" smtClean="0"/>
-              <a:t>, “crime” sounds</a:t>
-            </a:r>
-            <a:r>
-              <a:rPr lang="en-US" dirty="0" smtClean="0"/>
-              <a:t>).</a:t>
+              <a:t> Extending this framework to other noises/events (explosion, gunshot, “crime” sounds).</a:t>
             </a:r>
             <a:endParaRPr lang="en-US" dirty="0"/>
           </a:p>
@@ -5761,7 +7617,7 @@
 </p:sld>
 </file>
 
-<file path=ppt/slides/slide12.xml><?xml version="1.0" encoding="utf-8"?>
+<file path=ppt/slides/slide13.xml><?xml version="1.0" encoding="utf-8"?>
 <p:sld xmlns:a="http://schemas.openxmlformats.org/drawingml/2006/main" xmlns:r="http://schemas.openxmlformats.org/officeDocument/2006/relationships" xmlns:p="http://schemas.openxmlformats.org/presentationml/2006/main">
   <p:cSld>
     <p:spTree>

--- a/AI_2_Presentation.pptx
+++ b/AI_2_Presentation.pptx
@@ -263,11 +263,11 @@
           <c:showBubbleSize val="0"/>
         </c:dLbls>
         <c:smooth val="0"/>
-        <c:axId val="354568808"/>
-        <c:axId val="354562144"/>
+        <c:axId val="261433240"/>
+        <c:axId val="261431280"/>
       </c:lineChart>
       <c:catAx>
-        <c:axId val="354568808"/>
+        <c:axId val="261433240"/>
         <c:scaling>
           <c:orientation val="minMax"/>
         </c:scaling>
@@ -310,7 +310,7 @@
             <a:endParaRPr lang="en-US"/>
           </a:p>
         </c:txPr>
-        <c:crossAx val="354562144"/>
+        <c:crossAx val="261431280"/>
         <c:crosses val="autoZero"/>
         <c:auto val="1"/>
         <c:lblAlgn val="ctr"/>
@@ -318,7 +318,7 @@
         <c:noMultiLvlLbl val="0"/>
       </c:catAx>
       <c:valAx>
-        <c:axId val="354562144"/>
+        <c:axId val="261431280"/>
         <c:scaling>
           <c:orientation val="minMax"/>
         </c:scaling>
@@ -369,7 +369,7 @@
             <a:endParaRPr lang="en-US"/>
           </a:p>
         </c:txPr>
-        <c:crossAx val="354568808"/>
+        <c:crossAx val="261433240"/>
         <c:crosses val="autoZero"/>
         <c:crossBetween val="between"/>
       </c:valAx>
@@ -576,11 +576,11 @@
           <c:showBubbleSize val="0"/>
         </c:dLbls>
         <c:smooth val="0"/>
-        <c:axId val="389660216"/>
-        <c:axId val="520683912"/>
+        <c:axId val="261429320"/>
+        <c:axId val="261428144"/>
       </c:lineChart>
       <c:catAx>
-        <c:axId val="389660216"/>
+        <c:axId val="261429320"/>
         <c:scaling>
           <c:orientation val="minMax"/>
         </c:scaling>
@@ -623,7 +623,7 @@
             <a:endParaRPr lang="en-US"/>
           </a:p>
         </c:txPr>
-        <c:crossAx val="520683912"/>
+        <c:crossAx val="261428144"/>
         <c:crosses val="autoZero"/>
         <c:auto val="1"/>
         <c:lblAlgn val="ctr"/>
@@ -631,7 +631,7 @@
         <c:noMultiLvlLbl val="0"/>
       </c:catAx>
       <c:valAx>
-        <c:axId val="520683912"/>
+        <c:axId val="261428144"/>
         <c:scaling>
           <c:orientation val="minMax"/>
         </c:scaling>
@@ -682,7 +682,7 @@
             <a:endParaRPr lang="en-US"/>
           </a:p>
         </c:txPr>
-        <c:crossAx val="389660216"/>
+        <c:crossAx val="261429320"/>
         <c:crosses val="autoZero"/>
         <c:crossBetween val="between"/>
       </c:valAx>
@@ -1081,11 +1081,11 @@
           <c:showBubbleSize val="0"/>
         </c:dLbls>
         <c:smooth val="0"/>
-        <c:axId val="388736016"/>
-        <c:axId val="388732096"/>
+        <c:axId val="420785728"/>
+        <c:axId val="420781416"/>
       </c:lineChart>
       <c:catAx>
-        <c:axId val="388736016"/>
+        <c:axId val="420785728"/>
         <c:scaling>
           <c:orientation val="minMax"/>
         </c:scaling>
@@ -1128,7 +1128,7 @@
             <a:endParaRPr lang="en-US"/>
           </a:p>
         </c:txPr>
-        <c:crossAx val="388732096"/>
+        <c:crossAx val="420781416"/>
         <c:crosses val="autoZero"/>
         <c:auto val="1"/>
         <c:lblAlgn val="ctr"/>
@@ -1136,7 +1136,7 @@
         <c:noMultiLvlLbl val="0"/>
       </c:catAx>
       <c:valAx>
-        <c:axId val="388732096"/>
+        <c:axId val="420781416"/>
         <c:scaling>
           <c:orientation val="minMax"/>
         </c:scaling>
@@ -1187,7 +1187,7 @@
             <a:endParaRPr lang="en-US"/>
           </a:p>
         </c:txPr>
-        <c:crossAx val="388736016"/>
+        <c:crossAx val="420785728"/>
         <c:crosses val="autoZero"/>
         <c:crossBetween val="between"/>
       </c:valAx>
@@ -7429,15 +7429,7 @@
             </a:pPr>
             <a:r>
               <a:rPr lang="en-US" dirty="0" smtClean="0"/>
-              <a:t>Ex: 100 “words” of a “skid” </a:t>
-            </a:r>
-            <a:r>
-              <a:rPr lang="en-US" dirty="0" smtClean="0"/>
-              <a:t>mean </a:t>
-            </a:r>
-            <a:r>
-              <a:rPr lang="en-US" dirty="0" smtClean="0"/>
-              <a:t>less in a 300ms segment than it does a 50ms segment. </a:t>
+              <a:t>Ex: 100 “words” of a “skid” mean less in a 300ms segment than it does a 50ms segment. </a:t>
             </a:r>
             <a:endParaRPr lang="en-US" dirty="0"/>
           </a:p>
@@ -7664,59 +7656,229 @@
             <a:spLocks noGrp="1"/>
           </p:cNvSpPr>
           <p:nvPr>
-            <p:ph idx="1"/>
+            <p:ph sz="half" idx="1"/>
           </p:nvPr>
         </p:nvSpPr>
         <p:spPr/>
         <p:txBody>
-          <a:bodyPr/>
+          <a:bodyPr>
+            <a:normAutofit lnSpcReduction="10000"/>
+          </a:bodyPr>
           <a:lstStyle/>
           <a:p>
+            <a:pPr>
+              <a:spcAft>
+                <a:spcPts val="600"/>
+              </a:spcAft>
+              <a:buFont typeface="Wingdings" panose="05000000000000000000" pitchFamily="2" charset="2"/>
+              <a:buChar char="§"/>
+            </a:pPr>
             <a:r>
               <a:rPr lang="en-US" dirty="0" smtClean="0"/>
-              <a:t>Our work was mostly a replication experiment</a:t>
-            </a:r>
-          </a:p>
-          <a:p>
+              <a:t> Our </a:t>
+            </a:r>
             <a:r>
               <a:rPr lang="en-US" dirty="0" smtClean="0"/>
-              <a:t>Existing work focused more on the implications of a real world set up</a:t>
-            </a:r>
-          </a:p>
-          <a:p>
-            <a:pPr lvl="1"/>
+              <a:t>work was mostly </a:t>
+            </a:r>
+            <a:r>
+              <a:rPr lang="en-US" dirty="0" smtClean="0"/>
+              <a:t>an experiment to replicate an already existing study [1]. </a:t>
+            </a:r>
+            <a:endParaRPr lang="en-US" dirty="0" smtClean="0"/>
+          </a:p>
+          <a:p>
+            <a:pPr>
+              <a:spcAft>
+                <a:spcPts val="600"/>
+              </a:spcAft>
+              <a:buFont typeface="Wingdings" panose="05000000000000000000" pitchFamily="2" charset="2"/>
+              <a:buChar char="§"/>
+            </a:pPr>
+            <a:r>
+              <a:rPr lang="en-US" dirty="0" smtClean="0"/>
+              <a:t> Existing </a:t>
+            </a:r>
+            <a:r>
+              <a:rPr lang="en-US" dirty="0" smtClean="0"/>
+              <a:t>work focused more on the implications of a real world set up</a:t>
+            </a:r>
+          </a:p>
+          <a:p>
+            <a:pPr lvl="1">
+              <a:spcAft>
+                <a:spcPts val="600"/>
+              </a:spcAft>
+              <a:buFont typeface="Wingdings" panose="05000000000000000000" pitchFamily="2" charset="2"/>
+              <a:buChar char="§"/>
+            </a:pPr>
             <a:r>
               <a:rPr lang="en-US" dirty="0" smtClean="0"/>
               <a:t>Reducing the </a:t>
             </a:r>
             <a:r>
-              <a:rPr lang="en-US" dirty="0" err="1" smtClean="0"/>
-              <a:t>db</a:t>
-            </a:r>
-            <a:r>
               <a:rPr lang="en-US" dirty="0" smtClean="0"/>
-              <a:t> of the .wav file to make it harder to recognize</a:t>
-            </a:r>
-          </a:p>
-          <a:p>
-            <a:pPr lvl="1"/>
+              <a:t>decibels </a:t>
+            </a:r>
+            <a:r>
+              <a:rPr lang="en-US" dirty="0" smtClean="0"/>
+              <a:t>of the .wav file to make it harder to recognize</a:t>
+            </a:r>
+          </a:p>
+          <a:p>
+            <a:pPr lvl="1">
+              <a:spcAft>
+                <a:spcPts val="600"/>
+              </a:spcAft>
+              <a:buFont typeface="Wingdings" panose="05000000000000000000" pitchFamily="2" charset="2"/>
+              <a:buChar char="§"/>
+            </a:pPr>
             <a:r>
               <a:rPr lang="en-US" dirty="0" smtClean="0"/>
               <a:t>Analyzing microphone placement</a:t>
             </a:r>
           </a:p>
           <a:p>
+            <a:pPr>
+              <a:spcAft>
+                <a:spcPts val="600"/>
+              </a:spcAft>
+              <a:buFont typeface="Wingdings" panose="05000000000000000000" pitchFamily="2" charset="2"/>
+              <a:buChar char="§"/>
+            </a:pPr>
             <a:r>
               <a:rPr lang="en-US" dirty="0" smtClean="0"/>
-              <a:t>Our SVM actually outperformed theirs, even with their 0db loss classification</a:t>
-            </a:r>
-          </a:p>
-          <a:p>
-            <a:pPr lvl="1"/>
+              <a:t> Our </a:t>
+            </a:r>
             <a:r>
               <a:rPr lang="en-US" dirty="0" smtClean="0"/>
-              <a:t>Maybe we tuned our parameters more than theirs? </a:t>
-            </a:r>
+              <a:t>SVM actually outperformed </a:t>
+            </a:r>
+            <a:r>
+              <a:rPr lang="en-US" dirty="0" smtClean="0"/>
+              <a:t>theirs, </a:t>
+            </a:r>
+            <a:r>
+              <a:rPr lang="en-US" dirty="0" smtClean="0"/>
+              <a:t>even with their </a:t>
+            </a:r>
+            <a:r>
+              <a:rPr lang="en-US" dirty="0" smtClean="0"/>
+              <a:t>0dB </a:t>
+            </a:r>
+            <a:r>
+              <a:rPr lang="en-US" dirty="0" smtClean="0"/>
+              <a:t>loss </a:t>
+            </a:r>
+            <a:r>
+              <a:rPr lang="en-US" dirty="0" smtClean="0"/>
+              <a:t>classification.</a:t>
+            </a:r>
+            <a:endParaRPr lang="en-US" dirty="0" smtClean="0"/>
+          </a:p>
+          <a:p>
+            <a:pPr lvl="1">
+              <a:spcAft>
+                <a:spcPts val="600"/>
+              </a:spcAft>
+              <a:buFont typeface="Wingdings" panose="05000000000000000000" pitchFamily="2" charset="2"/>
+              <a:buChar char="§"/>
+            </a:pPr>
+            <a:r>
+              <a:rPr lang="en-US" dirty="0" smtClean="0"/>
+              <a:t>We possibly did better parameter tuning. </a:t>
+            </a:r>
+          </a:p>
+          <a:p>
+            <a:pPr lvl="1">
+              <a:spcAft>
+                <a:spcPts val="600"/>
+              </a:spcAft>
+              <a:buFont typeface="Wingdings" panose="05000000000000000000" pitchFamily="2" charset="2"/>
+              <a:buChar char="§"/>
+            </a:pPr>
+            <a:r>
+              <a:rPr lang="en-US" dirty="0" smtClean="0"/>
+              <a:t>They used n = 4 folds for cross-validation</a:t>
+            </a:r>
+          </a:p>
+          <a:p>
+            <a:pPr lvl="1">
+              <a:spcAft>
+                <a:spcPts val="600"/>
+              </a:spcAft>
+              <a:buFont typeface="Wingdings" panose="05000000000000000000" pitchFamily="2" charset="2"/>
+              <a:buChar char="§"/>
+            </a:pPr>
+            <a:r>
+              <a:rPr lang="en-US" dirty="0" smtClean="0"/>
+              <a:t>We used n = 10 folds</a:t>
+            </a:r>
+          </a:p>
+        </p:txBody>
+      </p:sp>
+      <p:pic>
+        <p:nvPicPr>
+          <p:cNvPr id="5" name="Content Placeholder 4"/>
+          <p:cNvPicPr>
+            <a:picLocks noGrp="1" noChangeAspect="1"/>
+          </p:cNvPicPr>
+          <p:nvPr>
+            <p:ph sz="half" idx="2"/>
+          </p:nvPr>
+        </p:nvPicPr>
+        <p:blipFill>
+          <a:blip r:embed="rId2"/>
+          <a:stretch>
+            <a:fillRect/>
+          </a:stretch>
+        </p:blipFill>
+        <p:spPr>
+          <a:xfrm>
+            <a:off x="6331225" y="1845734"/>
+            <a:ext cx="4915895" cy="3533299"/>
+          </a:xfrm>
+          <a:prstGeom prst="rect">
+            <a:avLst/>
+          </a:prstGeom>
+        </p:spPr>
+      </p:pic>
+      <p:sp>
+        <p:nvSpPr>
+          <p:cNvPr id="6" name="TextBox 5"/>
+          <p:cNvSpPr txBox="1"/>
+          <p:nvPr/>
+        </p:nvSpPr>
+        <p:spPr>
+          <a:xfrm>
+            <a:off x="7022592" y="5477256"/>
+            <a:ext cx="3904488" cy="523220"/>
+          </a:xfrm>
+          <a:prstGeom prst="rect">
+            <a:avLst/>
+          </a:prstGeom>
+          <a:noFill/>
+        </p:spPr>
+        <p:txBody>
+          <a:bodyPr wrap="square" rtlCol="0">
+            <a:spAutoFit/>
+          </a:bodyPr>
+          <a:lstStyle/>
+          <a:p>
+            <a:pPr algn="ctr"/>
+            <a:r>
+              <a:rPr lang="en-US" sz="1400" dirty="0" smtClean="0"/>
+              <a:t>[1]: Recognition rate vs </a:t>
+            </a:r>
+            <a:r>
+              <a:rPr lang="en-US" sz="1400" dirty="0" err="1" smtClean="0"/>
+              <a:t>kmeans</a:t>
+            </a:r>
+            <a:r>
+              <a:rPr lang="en-US" sz="1400" dirty="0" smtClean="0"/>
+              <a:t> clusters in the source paper.</a:t>
+            </a:r>
+            <a:endParaRPr lang="en-US" sz="1400" dirty="0"/>
           </a:p>
         </p:txBody>
       </p:sp>

--- a/AI_2_Presentation.pptx
+++ b/AI_2_Presentation.pptx
@@ -263,11 +263,11 @@
           <c:showBubbleSize val="0"/>
         </c:dLbls>
         <c:smooth val="0"/>
-        <c:axId val="261433240"/>
-        <c:axId val="261431280"/>
+        <c:axId val="431228208"/>
+        <c:axId val="431228992"/>
       </c:lineChart>
       <c:catAx>
-        <c:axId val="261433240"/>
+        <c:axId val="431228208"/>
         <c:scaling>
           <c:orientation val="minMax"/>
         </c:scaling>
@@ -310,7 +310,7 @@
             <a:endParaRPr lang="en-US"/>
           </a:p>
         </c:txPr>
-        <c:crossAx val="261431280"/>
+        <c:crossAx val="431228992"/>
         <c:crosses val="autoZero"/>
         <c:auto val="1"/>
         <c:lblAlgn val="ctr"/>
@@ -318,7 +318,7 @@
         <c:noMultiLvlLbl val="0"/>
       </c:catAx>
       <c:valAx>
-        <c:axId val="261431280"/>
+        <c:axId val="431228992"/>
         <c:scaling>
           <c:orientation val="minMax"/>
         </c:scaling>
@@ -369,7 +369,7 @@
             <a:endParaRPr lang="en-US"/>
           </a:p>
         </c:txPr>
-        <c:crossAx val="261433240"/>
+        <c:crossAx val="431228208"/>
         <c:crosses val="autoZero"/>
         <c:crossBetween val="between"/>
       </c:valAx>
@@ -576,11 +576,11 @@
           <c:showBubbleSize val="0"/>
         </c:dLbls>
         <c:smooth val="0"/>
-        <c:axId val="261429320"/>
-        <c:axId val="261428144"/>
+        <c:axId val="431231736"/>
+        <c:axId val="431234872"/>
       </c:lineChart>
       <c:catAx>
-        <c:axId val="261429320"/>
+        <c:axId val="431231736"/>
         <c:scaling>
           <c:orientation val="minMax"/>
         </c:scaling>
@@ -623,7 +623,7 @@
             <a:endParaRPr lang="en-US"/>
           </a:p>
         </c:txPr>
-        <c:crossAx val="261428144"/>
+        <c:crossAx val="431234872"/>
         <c:crosses val="autoZero"/>
         <c:auto val="1"/>
         <c:lblAlgn val="ctr"/>
@@ -631,7 +631,7 @@
         <c:noMultiLvlLbl val="0"/>
       </c:catAx>
       <c:valAx>
-        <c:axId val="261428144"/>
+        <c:axId val="431234872"/>
         <c:scaling>
           <c:orientation val="minMax"/>
         </c:scaling>
@@ -682,7 +682,7 @@
             <a:endParaRPr lang="en-US"/>
           </a:p>
         </c:txPr>
-        <c:crossAx val="261429320"/>
+        <c:crossAx val="431231736"/>
         <c:crosses val="autoZero"/>
         <c:crossBetween val="between"/>
       </c:valAx>
@@ -1081,11 +1081,11 @@
           <c:showBubbleSize val="0"/>
         </c:dLbls>
         <c:smooth val="0"/>
-        <c:axId val="420785728"/>
-        <c:axId val="420781416"/>
+        <c:axId val="431235656"/>
+        <c:axId val="431230560"/>
       </c:lineChart>
       <c:catAx>
-        <c:axId val="420785728"/>
+        <c:axId val="431235656"/>
         <c:scaling>
           <c:orientation val="minMax"/>
         </c:scaling>
@@ -1128,7 +1128,7 @@
             <a:endParaRPr lang="en-US"/>
           </a:p>
         </c:txPr>
-        <c:crossAx val="420781416"/>
+        <c:crossAx val="431230560"/>
         <c:crosses val="autoZero"/>
         <c:auto val="1"/>
         <c:lblAlgn val="ctr"/>
@@ -1136,7 +1136,7 @@
         <c:noMultiLvlLbl val="0"/>
       </c:catAx>
       <c:valAx>
-        <c:axId val="420781416"/>
+        <c:axId val="431230560"/>
         <c:scaling>
           <c:orientation val="minMax"/>
         </c:scaling>
@@ -1187,7 +1187,7 @@
             <a:endParaRPr lang="en-US"/>
           </a:p>
         </c:txPr>
-        <c:crossAx val="420785728"/>
+        <c:crossAx val="431235656"/>
         <c:crosses val="autoZero"/>
         <c:crossBetween val="between"/>
       </c:valAx>
@@ -7675,17 +7675,8 @@
             </a:pPr>
             <a:r>
               <a:rPr lang="en-US" dirty="0" smtClean="0"/>
-              <a:t> Our </a:t>
-            </a:r>
-            <a:r>
-              <a:rPr lang="en-US" dirty="0" smtClean="0"/>
-              <a:t>work was mostly </a:t>
-            </a:r>
-            <a:r>
-              <a:rPr lang="en-US" dirty="0" smtClean="0"/>
-              <a:t>an experiment to replicate an already existing study [1]. </a:t>
-            </a:r>
-            <a:endParaRPr lang="en-US" dirty="0" smtClean="0"/>
+              <a:t> Our work was mostly an experiment to replicate an already existing study [1]. </a:t>
+            </a:r>
           </a:p>
           <a:p>
             <a:pPr>
@@ -7697,11 +7688,7 @@
             </a:pPr>
             <a:r>
               <a:rPr lang="en-US" dirty="0" smtClean="0"/>
-              <a:t> Existing </a:t>
-            </a:r>
-            <a:r>
-              <a:rPr lang="en-US" dirty="0" smtClean="0"/>
-              <a:t>work focused more on the implications of a real world set up</a:t>
+              <a:t> Existing work focused more on the implications of a real world set up</a:t>
             </a:r>
           </a:p>
           <a:p>
@@ -7714,15 +7701,7 @@
             </a:pPr>
             <a:r>
               <a:rPr lang="en-US" dirty="0" smtClean="0"/>
-              <a:t>Reducing the </a:t>
-            </a:r>
-            <a:r>
-              <a:rPr lang="en-US" dirty="0" smtClean="0"/>
-              <a:t>decibels </a:t>
-            </a:r>
-            <a:r>
-              <a:rPr lang="en-US" dirty="0" smtClean="0"/>
-              <a:t>of the .wav file to make it harder to recognize</a:t>
+              <a:t>Reducing the decibels of the .wav file to make it harder to recognize</a:t>
             </a:r>
           </a:p>
           <a:p>
@@ -7748,33 +7727,8 @@
             </a:pPr>
             <a:r>
               <a:rPr lang="en-US" dirty="0" smtClean="0"/>
-              <a:t> Our </a:t>
-            </a:r>
-            <a:r>
-              <a:rPr lang="en-US" dirty="0" smtClean="0"/>
-              <a:t>SVM actually outperformed </a:t>
-            </a:r>
-            <a:r>
-              <a:rPr lang="en-US" dirty="0" smtClean="0"/>
-              <a:t>theirs, </a:t>
-            </a:r>
-            <a:r>
-              <a:rPr lang="en-US" dirty="0" smtClean="0"/>
-              <a:t>even with their </a:t>
-            </a:r>
-            <a:r>
-              <a:rPr lang="en-US" dirty="0" smtClean="0"/>
-              <a:t>0dB </a:t>
-            </a:r>
-            <a:r>
-              <a:rPr lang="en-US" dirty="0" smtClean="0"/>
-              <a:t>loss </a:t>
-            </a:r>
-            <a:r>
-              <a:rPr lang="en-US" dirty="0" smtClean="0"/>
-              <a:t>classification.</a:t>
-            </a:r>
-            <a:endParaRPr lang="en-US" dirty="0" smtClean="0"/>
+              <a:t> Our SVM actually outperformed theirs, even with their 0dB loss classification.</a:t>
+            </a:r>
           </a:p>
           <a:p>
             <a:pPr lvl="1">
@@ -7817,32 +7771,6 @@
           </a:p>
         </p:txBody>
       </p:sp>
-      <p:pic>
-        <p:nvPicPr>
-          <p:cNvPr id="5" name="Content Placeholder 4"/>
-          <p:cNvPicPr>
-            <a:picLocks noGrp="1" noChangeAspect="1"/>
-          </p:cNvPicPr>
-          <p:nvPr>
-            <p:ph sz="half" idx="2"/>
-          </p:nvPr>
-        </p:nvPicPr>
-        <p:blipFill>
-          <a:blip r:embed="rId2"/>
-          <a:stretch>
-            <a:fillRect/>
-          </a:stretch>
-        </p:blipFill>
-        <p:spPr>
-          <a:xfrm>
-            <a:off x="6331225" y="1845734"/>
-            <a:ext cx="4915895" cy="3533299"/>
-          </a:xfrm>
-          <a:prstGeom prst="rect">
-            <a:avLst/>
-          </a:prstGeom>
-        </p:spPr>
-      </p:pic>
       <p:sp>
         <p:nvSpPr>
           <p:cNvPr id="6" name="TextBox 5"/>
@@ -7882,6 +7810,32 @@
           </a:p>
         </p:txBody>
       </p:sp>
+      <p:pic>
+        <p:nvPicPr>
+          <p:cNvPr id="8" name="Content Placeholder 7"/>
+          <p:cNvPicPr>
+            <a:picLocks noGrp="1" noChangeAspect="1"/>
+          </p:cNvPicPr>
+          <p:nvPr>
+            <p:ph sz="half" idx="2"/>
+          </p:nvPr>
+        </p:nvPicPr>
+        <p:blipFill>
+          <a:blip r:embed="rId2"/>
+          <a:stretch>
+            <a:fillRect/>
+          </a:stretch>
+        </p:blipFill>
+        <p:spPr>
+          <a:xfrm>
+            <a:off x="6204228" y="2103120"/>
+            <a:ext cx="5207168" cy="3214301"/>
+          </a:xfrm>
+          <a:prstGeom prst="rect">
+            <a:avLst/>
+          </a:prstGeom>
+        </p:spPr>
+      </p:pic>
     </p:spTree>
     <p:extLst>
       <p:ext uri="{BB962C8B-B14F-4D97-AF65-F5344CB8AC3E}">

--- a/AI_2_Presentation.pptx
+++ b/AI_2_Presentation.pptx
@@ -263,11 +263,11 @@
           <c:showBubbleSize val="0"/>
         </c:dLbls>
         <c:smooth val="0"/>
-        <c:axId val="431228208"/>
-        <c:axId val="431228992"/>
+        <c:axId val="430466440"/>
+        <c:axId val="430472712"/>
       </c:lineChart>
       <c:catAx>
-        <c:axId val="431228208"/>
+        <c:axId val="430466440"/>
         <c:scaling>
           <c:orientation val="minMax"/>
         </c:scaling>
@@ -310,7 +310,7 @@
             <a:endParaRPr lang="en-US"/>
           </a:p>
         </c:txPr>
-        <c:crossAx val="431228992"/>
+        <c:crossAx val="430472712"/>
         <c:crosses val="autoZero"/>
         <c:auto val="1"/>
         <c:lblAlgn val="ctr"/>
@@ -318,7 +318,7 @@
         <c:noMultiLvlLbl val="0"/>
       </c:catAx>
       <c:valAx>
-        <c:axId val="431228992"/>
+        <c:axId val="430472712"/>
         <c:scaling>
           <c:orientation val="minMax"/>
         </c:scaling>
@@ -369,7 +369,7 @@
             <a:endParaRPr lang="en-US"/>
           </a:p>
         </c:txPr>
-        <c:crossAx val="431228208"/>
+        <c:crossAx val="430466440"/>
         <c:crosses val="autoZero"/>
         <c:crossBetween val="between"/>
       </c:valAx>
@@ -576,11 +576,11 @@
           <c:showBubbleSize val="0"/>
         </c:dLbls>
         <c:smooth val="0"/>
-        <c:axId val="431231736"/>
-        <c:axId val="431234872"/>
+        <c:axId val="430473104"/>
+        <c:axId val="430470360"/>
       </c:lineChart>
       <c:catAx>
-        <c:axId val="431231736"/>
+        <c:axId val="430473104"/>
         <c:scaling>
           <c:orientation val="minMax"/>
         </c:scaling>
@@ -623,7 +623,7 @@
             <a:endParaRPr lang="en-US"/>
           </a:p>
         </c:txPr>
-        <c:crossAx val="431234872"/>
+        <c:crossAx val="430470360"/>
         <c:crosses val="autoZero"/>
         <c:auto val="1"/>
         <c:lblAlgn val="ctr"/>
@@ -631,7 +631,7 @@
         <c:noMultiLvlLbl val="0"/>
       </c:catAx>
       <c:valAx>
-        <c:axId val="431234872"/>
+        <c:axId val="430470360"/>
         <c:scaling>
           <c:orientation val="minMax"/>
         </c:scaling>
@@ -682,7 +682,7 @@
             <a:endParaRPr lang="en-US"/>
           </a:p>
         </c:txPr>
-        <c:crossAx val="431231736"/>
+        <c:crossAx val="430473104"/>
         <c:crosses val="autoZero"/>
         <c:crossBetween val="between"/>
       </c:valAx>
@@ -1081,11 +1081,11 @@
           <c:showBubbleSize val="0"/>
         </c:dLbls>
         <c:smooth val="0"/>
-        <c:axId val="431235656"/>
-        <c:axId val="431230560"/>
+        <c:axId val="430473496"/>
+        <c:axId val="430467616"/>
       </c:lineChart>
       <c:catAx>
-        <c:axId val="431235656"/>
+        <c:axId val="430473496"/>
         <c:scaling>
           <c:orientation val="minMax"/>
         </c:scaling>
@@ -1128,7 +1128,7 @@
             <a:endParaRPr lang="en-US"/>
           </a:p>
         </c:txPr>
-        <c:crossAx val="431230560"/>
+        <c:crossAx val="430467616"/>
         <c:crosses val="autoZero"/>
         <c:auto val="1"/>
         <c:lblAlgn val="ctr"/>
@@ -1136,7 +1136,7 @@
         <c:noMultiLvlLbl val="0"/>
       </c:catAx>
       <c:valAx>
-        <c:axId val="431230560"/>
+        <c:axId val="430467616"/>
         <c:scaling>
           <c:orientation val="minMax"/>
         </c:scaling>
@@ -1187,7 +1187,7 @@
             <a:endParaRPr lang="en-US"/>
           </a:p>
         </c:txPr>
-        <c:crossAx val="431235656"/>
+        <c:crossAx val="430473496"/>
         <c:crosses val="autoZero"/>
         <c:crossBetween val="between"/>
       </c:valAx>
@@ -7991,12 +7991,19 @@
           <a:lstStyle/>
           <a:p>
             <a:pPr>
-              <a:buFont typeface="Arial" panose="020B0604020202020204" pitchFamily="34" charset="0"/>
-              <a:buChar char="•"/>
+              <a:lnSpc>
+                <a:spcPct val="150000"/>
+              </a:lnSpc>
+              <a:buFont typeface="Wingdings" panose="05000000000000000000" pitchFamily="2" charset="2"/>
+              <a:buChar char="§"/>
             </a:pPr>
             <a:r>
               <a:rPr lang="en-US" dirty="0" smtClean="0"/>
-              <a:t>Publically available courtesy of </a:t>
+              <a:t> Publically </a:t>
+            </a:r>
+            <a:r>
+              <a:rPr lang="en-US" dirty="0" smtClean="0"/>
+              <a:t>available courtesy of </a:t>
             </a:r>
             <a:r>
               <a:rPr lang="en-US" dirty="0" err="1" smtClean="0"/>
@@ -8014,42 +8021,70 @@
           </a:p>
           <a:p>
             <a:pPr>
-              <a:buFont typeface="Arial" panose="020B0604020202020204" pitchFamily="34" charset="0"/>
-              <a:buChar char="•"/>
+              <a:lnSpc>
+                <a:spcPct val="150000"/>
+              </a:lnSpc>
+              <a:buFont typeface="Wingdings" panose="05000000000000000000" pitchFamily="2" charset="2"/>
+              <a:buChar char="§"/>
             </a:pPr>
             <a:r>
               <a:rPr lang="en-US" dirty="0" smtClean="0"/>
-              <a:t>200 clips of car crashes and car skidding</a:t>
+              <a:t> 200 </a:t>
+            </a:r>
+            <a:r>
+              <a:rPr lang="en-US" dirty="0" smtClean="0"/>
+              <a:t>clips of car crashes and car skidding</a:t>
             </a:r>
           </a:p>
           <a:p>
             <a:pPr>
-              <a:buFont typeface="Arial" panose="020B0604020202020204" pitchFamily="34" charset="0"/>
-              <a:buChar char="•"/>
+              <a:lnSpc>
+                <a:spcPct val="150000"/>
+              </a:lnSpc>
+              <a:buFont typeface="Wingdings" panose="05000000000000000000" pitchFamily="2" charset="2"/>
+              <a:buChar char="§"/>
             </a:pPr>
             <a:r>
               <a:rPr lang="en-US" dirty="0" smtClean="0"/>
-              <a:t>Approximately 45 minutes of background noise</a:t>
+              <a:t> Approximately </a:t>
+            </a:r>
+            <a:r>
+              <a:rPr lang="en-US" dirty="0" smtClean="0"/>
+              <a:t>45 minutes of background noise</a:t>
             </a:r>
           </a:p>
           <a:p>
             <a:pPr>
-              <a:buFont typeface="Arial" panose="020B0604020202020204" pitchFamily="34" charset="0"/>
-              <a:buChar char="•"/>
+              <a:lnSpc>
+                <a:spcPct val="150000"/>
+              </a:lnSpc>
+              <a:buFont typeface="Wingdings" panose="05000000000000000000" pitchFamily="2" charset="2"/>
+              <a:buChar char="§"/>
             </a:pPr>
             <a:r>
               <a:rPr lang="en-US" dirty="0" smtClean="0"/>
-              <a:t>Audio sampled at 32 kHz and saved as .wav files</a:t>
+              <a:t> Audio </a:t>
+            </a:r>
+            <a:r>
+              <a:rPr lang="en-US" dirty="0" smtClean="0"/>
+              <a:t>sampled at 32 kHz and saved as .wav files</a:t>
             </a:r>
           </a:p>
           <a:p>
             <a:pPr>
-              <a:buFont typeface="Arial" panose="020B0604020202020204" pitchFamily="34" charset="0"/>
-              <a:buChar char="•"/>
+              <a:lnSpc>
+                <a:spcPct val="150000"/>
+              </a:lnSpc>
+              <a:buFont typeface="Wingdings" panose="05000000000000000000" pitchFamily="2" charset="2"/>
+              <a:buChar char="§"/>
             </a:pPr>
             <a:r>
               <a:rPr lang="en-US" dirty="0" smtClean="0"/>
-              <a:t>Data pre-divided into four completely independent folds</a:t>
+              <a:t> Data </a:t>
+            </a:r>
+            <a:r>
+              <a:rPr lang="en-US" dirty="0" smtClean="0"/>
+              <a:t>pre-divided into four completely independent folds</a:t>
             </a:r>
             <a:endParaRPr lang="en-US" dirty="0"/>
           </a:p>
@@ -8713,12 +8748,12 @@
           <a:lstStyle/>
           <a:p>
             <a:pPr>
-              <a:buFont typeface="Arial" panose="020B0604020202020204" pitchFamily="34" charset="0"/>
-              <a:buChar char="•"/>
+              <a:buFont typeface="Wingdings" panose="05000000000000000000" pitchFamily="2" charset="2"/>
+              <a:buChar char="§"/>
             </a:pPr>
             <a:r>
               <a:rPr lang="en-US" dirty="0" smtClean="0"/>
-              <a:t>Used </a:t>
+              <a:t> Used </a:t>
             </a:r>
             <a:r>
               <a:rPr lang="en-US" dirty="0" err="1" smtClean="0"/>
@@ -8726,23 +8761,32 @@
             </a:r>
             <a:r>
               <a:rPr lang="en-US" dirty="0" smtClean="0"/>
-              <a:t> to effectively generate a dictionary of words</a:t>
-            </a:r>
+              <a:t> to effectively generate a dictionary of </a:t>
+            </a:r>
+            <a:r>
+              <a:rPr lang="en-US" dirty="0" smtClean="0"/>
+              <a:t>“words”. </a:t>
+            </a:r>
+            <a:endParaRPr lang="en-US" dirty="0" smtClean="0"/>
           </a:p>
           <a:p>
             <a:pPr>
-              <a:buFont typeface="Arial" panose="020B0604020202020204" pitchFamily="34" charset="0"/>
-              <a:buChar char="•"/>
+              <a:buFont typeface="Wingdings" panose="05000000000000000000" pitchFamily="2" charset="2"/>
+              <a:buChar char="§"/>
             </a:pPr>
             <a:r>
               <a:rPr lang="en-US" dirty="0" smtClean="0"/>
-              <a:t>Created a histogram for each clip</a:t>
+              <a:t> Created </a:t>
+            </a:r>
+            <a:r>
+              <a:rPr lang="en-US" dirty="0" smtClean="0"/>
+              <a:t>a histogram for each clip</a:t>
             </a:r>
           </a:p>
           <a:p>
             <a:pPr lvl="1">
-              <a:buFont typeface="Arial" panose="020B0604020202020204" pitchFamily="34" charset="0"/>
-              <a:buChar char="•"/>
+              <a:buFont typeface="Wingdings" panose="05000000000000000000" pitchFamily="2" charset="2"/>
+              <a:buChar char="§"/>
             </a:pPr>
             <a:r>
               <a:rPr lang="en-US" dirty="0" smtClean="0"/>
@@ -8751,22 +8795,30 @@
           </a:p>
           <a:p>
             <a:pPr>
-              <a:buFont typeface="Arial" panose="020B0604020202020204" pitchFamily="34" charset="0"/>
-              <a:buChar char="•"/>
+              <a:buFont typeface="Wingdings" panose="05000000000000000000" pitchFamily="2" charset="2"/>
+              <a:buChar char="§"/>
             </a:pPr>
             <a:r>
               <a:rPr lang="en-US" dirty="0" smtClean="0"/>
-              <a:t>Low level feature vector of MFCCs became audio words became a histogram</a:t>
+              <a:t> Low </a:t>
+            </a:r>
+            <a:r>
+              <a:rPr lang="en-US" dirty="0" smtClean="0"/>
+              <a:t>level feature vector of MFCCs became audio words became a histogram</a:t>
             </a:r>
           </a:p>
           <a:p>
             <a:pPr>
-              <a:buFont typeface="Arial" panose="020B0604020202020204" pitchFamily="34" charset="0"/>
-              <a:buChar char="•"/>
+              <a:buFont typeface="Wingdings" panose="05000000000000000000" pitchFamily="2" charset="2"/>
+              <a:buChar char="§"/>
             </a:pPr>
             <a:r>
               <a:rPr lang="en-US" dirty="0" smtClean="0"/>
-              <a:t>Each audio clip is now treated as a bag of audio words and classified</a:t>
+              <a:t> Each </a:t>
+            </a:r>
+            <a:r>
+              <a:rPr lang="en-US" dirty="0" smtClean="0"/>
+              <a:t>audio clip is now treated as a bag of audio words and classified</a:t>
             </a:r>
           </a:p>
         </p:txBody>
@@ -8847,36 +8899,69 @@
           <a:lstStyle/>
           <a:p>
             <a:pPr>
-              <a:buFont typeface="Arial" panose="020B0604020202020204" pitchFamily="34" charset="0"/>
-              <a:buChar char="•"/>
+              <a:buFont typeface="Wingdings" panose="05000000000000000000" pitchFamily="2" charset="2"/>
+              <a:buChar char="§"/>
             </a:pPr>
+            <a:r>
+              <a:rPr lang="en-US" dirty="0" smtClean="0"/>
+              <a:t> </a:t>
+            </a:r>
             <a:r>
               <a:rPr lang="en-US" dirty="0" err="1" smtClean="0"/>
               <a:t>Sk</a:t>
             </a:r>
             <a:r>
               <a:rPr lang="en-US" dirty="0" smtClean="0"/>
-              <a:t>-learn SVC used to classify histograms</a:t>
-            </a:r>
+              <a:t>-learn </a:t>
+            </a:r>
+            <a:r>
+              <a:rPr lang="en-US" dirty="0" smtClean="0"/>
+              <a:t>SVC used to classify </a:t>
+            </a:r>
+            <a:r>
+              <a:rPr lang="en-US" dirty="0" smtClean="0"/>
+              <a:t>histograms created from </a:t>
+            </a:r>
+            <a:r>
+              <a:rPr lang="en-US" dirty="0" err="1" smtClean="0"/>
+              <a:t>kmeans</a:t>
+            </a:r>
+            <a:endParaRPr lang="en-US" dirty="0" smtClean="0"/>
           </a:p>
           <a:p>
             <a:pPr>
-              <a:buFont typeface="Arial" panose="020B0604020202020204" pitchFamily="34" charset="0"/>
-              <a:buChar char="•"/>
+              <a:buFont typeface="Wingdings" panose="05000000000000000000" pitchFamily="2" charset="2"/>
+              <a:buChar char="§"/>
             </a:pPr>
             <a:r>
               <a:rPr lang="en-US" dirty="0" smtClean="0"/>
-              <a:t>Data already split into folds</a:t>
+              <a:t> Data </a:t>
+            </a:r>
+            <a:r>
+              <a:rPr lang="en-US" dirty="0" smtClean="0"/>
+              <a:t>already split into folds</a:t>
             </a:r>
           </a:p>
           <a:p>
             <a:pPr>
-              <a:buFont typeface="Arial" panose="020B0604020202020204" pitchFamily="34" charset="0"/>
-              <a:buChar char="•"/>
+              <a:buFont typeface="Wingdings" panose="05000000000000000000" pitchFamily="2" charset="2"/>
+              <a:buChar char="§"/>
             </a:pPr>
             <a:r>
               <a:rPr lang="en-US" dirty="0" smtClean="0"/>
-              <a:t>Used K-folds cross validation using a </a:t>
+              <a:t> Used </a:t>
+            </a:r>
+            <a:r>
+              <a:rPr lang="en-US" dirty="0" smtClean="0"/>
+              <a:t>K-folds </a:t>
+            </a:r>
+            <a:r>
+              <a:rPr lang="en-US" dirty="0" smtClean="0"/>
+              <a:t>cross-validation </a:t>
+            </a:r>
+            <a:r>
+              <a:rPr lang="en-US" dirty="0" smtClean="0"/>
+              <a:t>using a </a:t>
             </a:r>
             <a:r>
               <a:rPr lang="en-US" dirty="0" err="1" smtClean="0"/>
@@ -8889,8 +8974,8 @@
           </a:p>
           <a:p>
             <a:pPr lvl="1">
-              <a:buFont typeface="Arial" panose="020B0604020202020204" pitchFamily="34" charset="0"/>
-              <a:buChar char="•"/>
+              <a:buFont typeface="Wingdings" panose="05000000000000000000" pitchFamily="2" charset="2"/>
+              <a:buChar char="§"/>
             </a:pPr>
             <a:r>
               <a:rPr lang="en-US" dirty="0" smtClean="0"/>
@@ -8907,8 +8992,8 @@
           </a:p>
           <a:p>
             <a:pPr lvl="1">
-              <a:buFont typeface="Arial" panose="020B0604020202020204" pitchFamily="34" charset="0"/>
-              <a:buChar char="•"/>
+              <a:buFont typeface="Wingdings" panose="05000000000000000000" pitchFamily="2" charset="2"/>
+              <a:buChar char="§"/>
             </a:pPr>
             <a:r>
               <a:rPr lang="en-US" dirty="0" smtClean="0"/>
@@ -8917,8 +9002,8 @@
           </a:p>
           <a:p>
             <a:pPr lvl="1">
-              <a:buFont typeface="Arial" panose="020B0604020202020204" pitchFamily="34" charset="0"/>
-              <a:buChar char="•"/>
+              <a:buFont typeface="Wingdings" panose="05000000000000000000" pitchFamily="2" charset="2"/>
+              <a:buChar char="§"/>
             </a:pPr>
             <a:r>
               <a:rPr lang="en-US" dirty="0" smtClean="0"/>
@@ -8927,12 +9012,16 @@
           </a:p>
           <a:p>
             <a:pPr>
-              <a:buFont typeface="Arial" panose="020B0604020202020204" pitchFamily="34" charset="0"/>
-              <a:buChar char="•"/>
+              <a:buFont typeface="Wingdings" panose="05000000000000000000" pitchFamily="2" charset="2"/>
+              <a:buChar char="§"/>
             </a:pPr>
             <a:r>
               <a:rPr lang="en-US" dirty="0" smtClean="0"/>
-              <a:t>Tuned parameters per frame length, per </a:t>
+              <a:t> Tuned </a:t>
+            </a:r>
+            <a:r>
+              <a:rPr lang="en-US" dirty="0" smtClean="0"/>
+              <a:t>parameters per frame length, per </a:t>
             </a:r>
             <a:r>
               <a:rPr lang="en-US" dirty="0" err="1" smtClean="0"/>

--- a/AI_2_Presentation.pptx
+++ b/AI_2_Presentation.pptx
@@ -9,18 +9,18 @@
   </p:notesMasterIdLst>
   <p:sldIdLst>
     <p:sldId id="256" r:id="rId2"/>
-    <p:sldId id="257" r:id="rId3"/>
-    <p:sldId id="258" r:id="rId4"/>
-    <p:sldId id="259" r:id="rId5"/>
-    <p:sldId id="260" r:id="rId6"/>
-    <p:sldId id="261" r:id="rId7"/>
-    <p:sldId id="262" r:id="rId8"/>
-    <p:sldId id="263" r:id="rId9"/>
-    <p:sldId id="264" r:id="rId10"/>
-    <p:sldId id="268" r:id="rId11"/>
-    <p:sldId id="265" r:id="rId12"/>
-    <p:sldId id="266" r:id="rId13"/>
-    <p:sldId id="267" r:id="rId14"/>
+    <p:sldId id="258" r:id="rId3"/>
+    <p:sldId id="259" r:id="rId4"/>
+    <p:sldId id="260" r:id="rId5"/>
+    <p:sldId id="261" r:id="rId6"/>
+    <p:sldId id="262" r:id="rId7"/>
+    <p:sldId id="263" r:id="rId8"/>
+    <p:sldId id="264" r:id="rId9"/>
+    <p:sldId id="268" r:id="rId10"/>
+    <p:sldId id="265" r:id="rId11"/>
+    <p:sldId id="266" r:id="rId12"/>
+    <p:sldId id="267" r:id="rId13"/>
+    <p:sldId id="269" r:id="rId14"/>
   </p:sldIdLst>
   <p:sldSz cx="12192000" cy="6858000"/>
   <p:notesSz cx="6858000" cy="9144000"/>
@@ -263,11 +263,11 @@
           <c:showBubbleSize val="0"/>
         </c:dLbls>
         <c:smooth val="0"/>
-        <c:axId val="430466440"/>
-        <c:axId val="430472712"/>
+        <c:axId val="407886624"/>
+        <c:axId val="345130832"/>
       </c:lineChart>
       <c:catAx>
-        <c:axId val="430466440"/>
+        <c:axId val="407886624"/>
         <c:scaling>
           <c:orientation val="minMax"/>
         </c:scaling>
@@ -310,7 +310,7 @@
             <a:endParaRPr lang="en-US"/>
           </a:p>
         </c:txPr>
-        <c:crossAx val="430472712"/>
+        <c:crossAx val="345130832"/>
         <c:crosses val="autoZero"/>
         <c:auto val="1"/>
         <c:lblAlgn val="ctr"/>
@@ -318,7 +318,7 @@
         <c:noMultiLvlLbl val="0"/>
       </c:catAx>
       <c:valAx>
-        <c:axId val="430472712"/>
+        <c:axId val="345130832"/>
         <c:scaling>
           <c:orientation val="minMax"/>
         </c:scaling>
@@ -369,7 +369,7 @@
             <a:endParaRPr lang="en-US"/>
           </a:p>
         </c:txPr>
-        <c:crossAx val="430466440"/>
+        <c:crossAx val="407886624"/>
         <c:crosses val="autoZero"/>
         <c:crossBetween val="between"/>
       </c:valAx>
@@ -576,11 +576,11 @@
           <c:showBubbleSize val="0"/>
         </c:dLbls>
         <c:smooth val="0"/>
-        <c:axId val="430473104"/>
-        <c:axId val="430470360"/>
+        <c:axId val="408799416"/>
+        <c:axId val="408796672"/>
       </c:lineChart>
       <c:catAx>
-        <c:axId val="430473104"/>
+        <c:axId val="408799416"/>
         <c:scaling>
           <c:orientation val="minMax"/>
         </c:scaling>
@@ -623,7 +623,7 @@
             <a:endParaRPr lang="en-US"/>
           </a:p>
         </c:txPr>
-        <c:crossAx val="430470360"/>
+        <c:crossAx val="408796672"/>
         <c:crosses val="autoZero"/>
         <c:auto val="1"/>
         <c:lblAlgn val="ctr"/>
@@ -631,7 +631,7 @@
         <c:noMultiLvlLbl val="0"/>
       </c:catAx>
       <c:valAx>
-        <c:axId val="430470360"/>
+        <c:axId val="408796672"/>
         <c:scaling>
           <c:orientation val="minMax"/>
         </c:scaling>
@@ -682,7 +682,7 @@
             <a:endParaRPr lang="en-US"/>
           </a:p>
         </c:txPr>
-        <c:crossAx val="430473104"/>
+        <c:crossAx val="408799416"/>
         <c:crosses val="autoZero"/>
         <c:crossBetween val="between"/>
       </c:valAx>
@@ -1081,11 +1081,11 @@
           <c:showBubbleSize val="0"/>
         </c:dLbls>
         <c:smooth val="0"/>
-        <c:axId val="430473496"/>
-        <c:axId val="430467616"/>
+        <c:axId val="408793144"/>
+        <c:axId val="408797456"/>
       </c:lineChart>
       <c:catAx>
-        <c:axId val="430473496"/>
+        <c:axId val="408793144"/>
         <c:scaling>
           <c:orientation val="minMax"/>
         </c:scaling>
@@ -1128,7 +1128,7 @@
             <a:endParaRPr lang="en-US"/>
           </a:p>
         </c:txPr>
-        <c:crossAx val="430467616"/>
+        <c:crossAx val="408797456"/>
         <c:crosses val="autoZero"/>
         <c:auto val="1"/>
         <c:lblAlgn val="ctr"/>
@@ -1136,7 +1136,7 @@
         <c:noMultiLvlLbl val="0"/>
       </c:catAx>
       <c:valAx>
-        <c:axId val="430467616"/>
+        <c:axId val="408797456"/>
         <c:scaling>
           <c:orientation val="minMax"/>
         </c:scaling>
@@ -1187,7 +1187,7 @@
             <a:endParaRPr lang="en-US"/>
           </a:p>
         </c:txPr>
-        <c:crossAx val="430473496"/>
+        <c:crossAx val="408793144"/>
         <c:crosses val="autoZero"/>
         <c:crossBetween val="between"/>
       </c:valAx>
@@ -3345,7 +3345,7 @@
           <a:p>
             <a:fld id="{7741A278-003B-43BF-8FE9-75D73A8BDA2A}" type="slidenum">
               <a:rPr lang="en-US" smtClean="0"/>
-              <a:t>3</a:t>
+              <a:t>2</a:t>
             </a:fld>
             <a:endParaRPr lang="en-US"/>
           </a:p>
@@ -7154,7 +7154,7 @@
       </p:grpSpPr>
       <p:sp>
         <p:nvSpPr>
-          <p:cNvPr id="4" name="Title 3"/>
+          <p:cNvPr id="2" name="Title 1"/>
           <p:cNvSpPr>
             <a:spLocks noGrp="1"/>
           </p:cNvSpPr>
@@ -7169,7 +7169,7 @@
           <a:p>
             <a:r>
               <a:rPr lang="en-US" dirty="0" smtClean="0"/>
-              <a:t>C-VALUES &amp; GAMMA FOR EACH CLUSTER</a:t>
+              <a:t>Results</a:t>
             </a:r>
             <a:endParaRPr lang="en-US" dirty="0"/>
           </a:p>
@@ -7177,12 +7177,12 @@
       </p:sp>
       <p:sp>
         <p:nvSpPr>
-          <p:cNvPr id="5" name="Text Placeholder 4"/>
-          <p:cNvSpPr>
-            <a:spLocks noGrp="1"/>
-          </p:cNvSpPr>
-          <p:nvPr>
-            <p:ph type="body" idx="1"/>
+          <p:cNvPr id="3" name="Content Placeholder 2"/>
+          <p:cNvSpPr>
+            <a:spLocks noGrp="1"/>
+          </p:cNvSpPr>
+          <p:nvPr>
+            <p:ph sz="half" idx="1"/>
           </p:nvPr>
         </p:nvSpPr>
         <p:spPr/>
@@ -7190,66 +7190,114 @@
           <a:bodyPr/>
           <a:lstStyle/>
           <a:p>
-            <a:r>
-              <a:rPr lang="en-US" b="1" dirty="0" smtClean="0">
-                <a:solidFill>
-                  <a:schemeClr val="accent1"/>
-                </a:solidFill>
-              </a:rPr>
-              <a:t>C-values</a:t>
-            </a:r>
-            <a:endParaRPr lang="en-US" b="1" dirty="0">
-              <a:solidFill>
-                <a:schemeClr val="accent1"/>
-              </a:solidFill>
-            </a:endParaRPr>
-          </a:p>
-        </p:txBody>
-      </p:sp>
-      <p:sp>
-        <p:nvSpPr>
-          <p:cNvPr id="7" name="Text Placeholder 6"/>
-          <p:cNvSpPr>
-            <a:spLocks noGrp="1"/>
-          </p:cNvSpPr>
-          <p:nvPr>
-            <p:ph type="body" sz="quarter" idx="3"/>
-          </p:nvPr>
-        </p:nvSpPr>
-        <p:spPr/>
-        <p:txBody>
-          <a:bodyPr/>
-          <a:lstStyle/>
-          <a:p>
-            <a:r>
-              <a:rPr lang="en-US" dirty="0" smtClean="0">
-                <a:solidFill>
-                  <a:schemeClr val="accent1"/>
-                </a:solidFill>
-              </a:rPr>
-              <a:t>Gamma </a:t>
-            </a:r>
-            <a:endParaRPr lang="en-US" dirty="0">
-              <a:solidFill>
-                <a:schemeClr val="accent1"/>
-              </a:solidFill>
-            </a:endParaRPr>
+            <a:pPr>
+              <a:lnSpc>
+                <a:spcPct val="100000"/>
+              </a:lnSpc>
+              <a:spcAft>
+                <a:spcPts val="600"/>
+              </a:spcAft>
+              <a:buFont typeface="Wingdings" panose="05000000000000000000" pitchFamily="2" charset="2"/>
+              <a:buChar char="§"/>
+            </a:pPr>
+            <a:r>
+              <a:rPr lang="en-US" dirty="0" smtClean="0"/>
+              <a:t> After running our test set, we plotted the results of 50ms, 100ms, and 300ms chunked clips together. </a:t>
+            </a:r>
+          </a:p>
+          <a:p>
+            <a:pPr>
+              <a:lnSpc>
+                <a:spcPct val="100000"/>
+              </a:lnSpc>
+              <a:spcAft>
+                <a:spcPts val="600"/>
+              </a:spcAft>
+              <a:buFont typeface="Wingdings" panose="05000000000000000000" pitchFamily="2" charset="2"/>
+              <a:buChar char="§"/>
+            </a:pPr>
+            <a:r>
+              <a:rPr lang="en-US" dirty="0"/>
+              <a:t> </a:t>
+            </a:r>
+            <a:r>
+              <a:rPr lang="en-US" dirty="0" smtClean="0"/>
+              <a:t>The 50ms set did the best, followed by 100ms and then 300ms. </a:t>
+            </a:r>
+          </a:p>
+          <a:p>
+            <a:pPr>
+              <a:lnSpc>
+                <a:spcPct val="100000"/>
+              </a:lnSpc>
+              <a:spcAft>
+                <a:spcPts val="600"/>
+              </a:spcAft>
+              <a:buFont typeface="Wingdings" panose="05000000000000000000" pitchFamily="2" charset="2"/>
+              <a:buChar char="§"/>
+            </a:pPr>
+            <a:r>
+              <a:rPr lang="en-US" dirty="0"/>
+              <a:t> </a:t>
+            </a:r>
+            <a:r>
+              <a:rPr lang="en-US" dirty="0" smtClean="0"/>
+              <a:t>These results were to be expected: </a:t>
+            </a:r>
+          </a:p>
+          <a:p>
+            <a:pPr lvl="1">
+              <a:lnSpc>
+                <a:spcPct val="100000"/>
+              </a:lnSpc>
+              <a:spcAft>
+                <a:spcPts val="600"/>
+              </a:spcAft>
+              <a:buFont typeface="Wingdings" panose="05000000000000000000" pitchFamily="2" charset="2"/>
+              <a:buChar char="§"/>
+            </a:pPr>
+            <a:r>
+              <a:rPr lang="en-US" dirty="0" smtClean="0"/>
+              <a:t>Smaller chunked segments give a more accurate reading of clustering of “words”. </a:t>
+            </a:r>
+          </a:p>
+          <a:p>
+            <a:pPr lvl="1">
+              <a:lnSpc>
+                <a:spcPct val="100000"/>
+              </a:lnSpc>
+              <a:spcAft>
+                <a:spcPts val="600"/>
+              </a:spcAft>
+              <a:buFont typeface="Wingdings" panose="05000000000000000000" pitchFamily="2" charset="2"/>
+              <a:buChar char="§"/>
+            </a:pPr>
+            <a:r>
+              <a:rPr lang="en-US" dirty="0" smtClean="0"/>
+              <a:t>Ex: 100 “words” of a “skid” mean less in a 300ms segment than it does a 50ms segment. </a:t>
+            </a:r>
+            <a:endParaRPr lang="en-US" dirty="0"/>
           </a:p>
         </p:txBody>
       </p:sp>
       <p:graphicFrame>
         <p:nvGraphicFramePr>
-          <p:cNvPr id="9" name="Content Placeholder 8"/>
+          <p:cNvPr id="5" name="Content Placeholder 4"/>
           <p:cNvGraphicFramePr>
             <a:graphicFrameLocks noGrp="1"/>
           </p:cNvGraphicFramePr>
           <p:nvPr>
             <p:ph sz="half" idx="2"/>
+            <p:extLst>
+              <p:ext uri="{D42A27DB-BD31-4B8C-83A1-F6EECF244321}">
+                <p14:modId xmlns:p14="http://schemas.microsoft.com/office/powerpoint/2010/main" val="2341005674"/>
+              </p:ext>
+            </p:extLst>
           </p:nvPr>
         </p:nvGraphicFramePr>
         <p:xfrm>
-          <a:off x="1096963" y="2582863"/>
-          <a:ext cx="4938712" cy="3378200"/>
+          <a:off x="6291072" y="1956817"/>
+          <a:ext cx="5321491" cy="4232212"/>
         </p:xfrm>
         <a:graphic>
           <a:graphicData uri="http://schemas.openxmlformats.org/drawingml/2006/chart">
@@ -7257,36 +7305,23 @@
           </a:graphicData>
         </a:graphic>
       </p:graphicFrame>
-      <p:graphicFrame>
-        <p:nvGraphicFramePr>
-          <p:cNvPr id="10" name="Content Placeholder 9"/>
-          <p:cNvGraphicFramePr>
-            <a:graphicFrameLocks noGrp="1"/>
-          </p:cNvGraphicFramePr>
-          <p:nvPr>
-            <p:ph sz="quarter" idx="4"/>
-          </p:nvPr>
-        </p:nvGraphicFramePr>
-        <p:xfrm>
-          <a:off x="6218238" y="2582863"/>
-          <a:ext cx="4937125" cy="3378200"/>
-        </p:xfrm>
-        <a:graphic>
-          <a:graphicData uri="http://schemas.openxmlformats.org/drawingml/2006/chart">
-            <c:chart xmlns:c="http://schemas.openxmlformats.org/drawingml/2006/chart" xmlns:r="http://schemas.openxmlformats.org/officeDocument/2006/relationships" r:id="rId3"/>
-          </a:graphicData>
-        </a:graphic>
-      </p:graphicFrame>
     </p:spTree>
     <p:extLst>
       <p:ext uri="{BB962C8B-B14F-4D97-AF65-F5344CB8AC3E}">
-        <p14:creationId xmlns:p14="http://schemas.microsoft.com/office/powerpoint/2010/main" val="2661681996"/>
+        <p14:creationId xmlns:p14="http://schemas.microsoft.com/office/powerpoint/2010/main" val="1059128432"/>
       </p:ext>
     </p:extLst>
   </p:cSld>
   <p:clrMapOvr>
     <a:masterClrMapping/>
   </p:clrMapOvr>
+  <p:timing>
+    <p:tnLst>
+      <p:par>
+        <p:cTn id="1" dur="indefinite" restart="never" nodeType="tmRoot"/>
+      </p:par>
+    </p:tnLst>
+  </p:timing>
 </p:sld>
 </file>
 
@@ -7324,7 +7359,7 @@
           <a:p>
             <a:r>
               <a:rPr lang="en-US" dirty="0" smtClean="0"/>
-              <a:t>Results</a:t>
+              <a:t>Future Work</a:t>
             </a:r>
             <a:endParaRPr lang="en-US" dirty="0"/>
           </a:p>
@@ -7337,133 +7372,72 @@
             <a:spLocks noGrp="1"/>
           </p:cNvSpPr>
           <p:nvPr>
-            <p:ph sz="half" idx="1"/>
+            <p:ph idx="1"/>
           </p:nvPr>
         </p:nvSpPr>
         <p:spPr/>
         <p:txBody>
-          <a:bodyPr/>
+          <a:bodyPr anchor="ctr"/>
           <a:lstStyle/>
           <a:p>
             <a:pPr>
               <a:lnSpc>
-                <a:spcPct val="100000"/>
+                <a:spcPct val="150000"/>
               </a:lnSpc>
-              <a:spcAft>
-                <a:spcPts val="600"/>
-              </a:spcAft>
               <a:buFont typeface="Wingdings" panose="05000000000000000000" pitchFamily="2" charset="2"/>
               <a:buChar char="§"/>
             </a:pPr>
             <a:r>
               <a:rPr lang="en-US" dirty="0" smtClean="0"/>
-              <a:t> After running our test set, we plotted the results of 50ms, 100ms, and 300ms chunked clips together. </a:t>
+              <a:t> Timing the various methods to see if the accuracy tradeoff is worth having to process less audio</a:t>
             </a:r>
           </a:p>
           <a:p>
             <a:pPr>
               <a:lnSpc>
-                <a:spcPct val="100000"/>
+                <a:spcPct val="150000"/>
               </a:lnSpc>
-              <a:spcAft>
-                <a:spcPts val="600"/>
-              </a:spcAft>
               <a:buFont typeface="Wingdings" panose="05000000000000000000" pitchFamily="2" charset="2"/>
               <a:buChar char="§"/>
             </a:pPr>
             <a:r>
-              <a:rPr lang="en-US" dirty="0"/>
-              <a:t> </a:t>
-            </a:r>
-            <a:r>
               <a:rPr lang="en-US" dirty="0" smtClean="0"/>
-              <a:t>The 50ms set did the best, followed by 100ms and then 300ms. </a:t>
+              <a:t> Use of other audio features (such as Bark Sub-bands)</a:t>
             </a:r>
           </a:p>
           <a:p>
             <a:pPr>
               <a:lnSpc>
-                <a:spcPct val="100000"/>
+                <a:spcPct val="150000"/>
               </a:lnSpc>
-              <a:spcAft>
-                <a:spcPts val="600"/>
-              </a:spcAft>
               <a:buFont typeface="Wingdings" panose="05000000000000000000" pitchFamily="2" charset="2"/>
               <a:buChar char="§"/>
             </a:pPr>
             <a:r>
-              <a:rPr lang="en-US" dirty="0"/>
-              <a:t> </a:t>
-            </a:r>
-            <a:r>
               <a:rPr lang="en-US" dirty="0" smtClean="0"/>
-              <a:t>These results were to be expected: </a:t>
-            </a:r>
-          </a:p>
-          <a:p>
-            <a:pPr lvl="1">
+              <a:t> Attempt to classify audio via visual classifications on spectrograms. </a:t>
+            </a:r>
+          </a:p>
+          <a:p>
+            <a:pPr>
               <a:lnSpc>
-                <a:spcPct val="100000"/>
+                <a:spcPct val="150000"/>
               </a:lnSpc>
-              <a:spcAft>
-                <a:spcPts val="600"/>
-              </a:spcAft>
               <a:buFont typeface="Wingdings" panose="05000000000000000000" pitchFamily="2" charset="2"/>
               <a:buChar char="§"/>
             </a:pPr>
             <a:r>
               <a:rPr lang="en-US" dirty="0" smtClean="0"/>
-              <a:t>Smaller chunked segments give a more accurate reading of clustering of “words”. </a:t>
-            </a:r>
-          </a:p>
-          <a:p>
-            <a:pPr lvl="1">
-              <a:lnSpc>
-                <a:spcPct val="100000"/>
-              </a:lnSpc>
-              <a:spcAft>
-                <a:spcPts val="600"/>
-              </a:spcAft>
-              <a:buFont typeface="Wingdings" panose="05000000000000000000" pitchFamily="2" charset="2"/>
-              <a:buChar char="§"/>
-            </a:pPr>
-            <a:r>
-              <a:rPr lang="en-US" dirty="0" smtClean="0"/>
-              <a:t>Ex: 100 “words” of a “skid” mean less in a 300ms segment than it does a 50ms segment. </a:t>
+              <a:t> Extending this framework to other noises/events (explosion, gunshot, “crime” sounds).</a:t>
             </a:r>
             <a:endParaRPr lang="en-US" dirty="0"/>
           </a:p>
         </p:txBody>
       </p:sp>
-      <p:graphicFrame>
-        <p:nvGraphicFramePr>
-          <p:cNvPr id="5" name="Content Placeholder 4"/>
-          <p:cNvGraphicFramePr>
-            <a:graphicFrameLocks noGrp="1"/>
-          </p:cNvGraphicFramePr>
-          <p:nvPr>
-            <p:ph sz="half" idx="2"/>
-            <p:extLst>
-              <p:ext uri="{D42A27DB-BD31-4B8C-83A1-F6EECF244321}">
-                <p14:modId xmlns:p14="http://schemas.microsoft.com/office/powerpoint/2010/main" val="2341005674"/>
-              </p:ext>
-            </p:extLst>
-          </p:nvPr>
-        </p:nvGraphicFramePr>
-        <p:xfrm>
-          <a:off x="6291072" y="1956817"/>
-          <a:ext cx="5321491" cy="4232212"/>
-        </p:xfrm>
-        <a:graphic>
-          <a:graphicData uri="http://schemas.openxmlformats.org/drawingml/2006/chart">
-            <c:chart xmlns:c="http://schemas.openxmlformats.org/drawingml/2006/chart" xmlns:r="http://schemas.openxmlformats.org/officeDocument/2006/relationships" r:id="rId2"/>
-          </a:graphicData>
-        </a:graphic>
-      </p:graphicFrame>
     </p:spTree>
     <p:extLst>
       <p:ext uri="{BB962C8B-B14F-4D97-AF65-F5344CB8AC3E}">
-        <p14:creationId xmlns:p14="http://schemas.microsoft.com/office/powerpoint/2010/main" val="1059128432"/>
+        <p14:creationId xmlns:p14="http://schemas.microsoft.com/office/powerpoint/2010/main" val="643501472"/>
       </p:ext>
     </p:extLst>
   </p:cSld>
@@ -7514,135 +7488,6 @@
           <a:p>
             <a:r>
               <a:rPr lang="en-US" dirty="0" smtClean="0"/>
-              <a:t>Future Work</a:t>
-            </a:r>
-            <a:endParaRPr lang="en-US" dirty="0"/>
-          </a:p>
-        </p:txBody>
-      </p:sp>
-      <p:sp>
-        <p:nvSpPr>
-          <p:cNvPr id="3" name="Content Placeholder 2"/>
-          <p:cNvSpPr>
-            <a:spLocks noGrp="1"/>
-          </p:cNvSpPr>
-          <p:nvPr>
-            <p:ph idx="1"/>
-          </p:nvPr>
-        </p:nvSpPr>
-        <p:spPr/>
-        <p:txBody>
-          <a:bodyPr anchor="ctr"/>
-          <a:lstStyle/>
-          <a:p>
-            <a:pPr>
-              <a:lnSpc>
-                <a:spcPct val="150000"/>
-              </a:lnSpc>
-              <a:buFont typeface="Wingdings" panose="05000000000000000000" pitchFamily="2" charset="2"/>
-              <a:buChar char="§"/>
-            </a:pPr>
-            <a:r>
-              <a:rPr lang="en-US" dirty="0" smtClean="0"/>
-              <a:t> Timing the various methods to see if the accuracy tradeoff is worth having to process less audio</a:t>
-            </a:r>
-          </a:p>
-          <a:p>
-            <a:pPr>
-              <a:lnSpc>
-                <a:spcPct val="150000"/>
-              </a:lnSpc>
-              <a:buFont typeface="Wingdings" panose="05000000000000000000" pitchFamily="2" charset="2"/>
-              <a:buChar char="§"/>
-            </a:pPr>
-            <a:r>
-              <a:rPr lang="en-US" dirty="0" smtClean="0"/>
-              <a:t> Use of other audio features (such as Bark Sub-bands)</a:t>
-            </a:r>
-          </a:p>
-          <a:p>
-            <a:pPr>
-              <a:lnSpc>
-                <a:spcPct val="150000"/>
-              </a:lnSpc>
-              <a:buFont typeface="Wingdings" panose="05000000000000000000" pitchFamily="2" charset="2"/>
-              <a:buChar char="§"/>
-            </a:pPr>
-            <a:r>
-              <a:rPr lang="en-US" dirty="0" smtClean="0"/>
-              <a:t> Attempt to classify audio via visual classifications on spectrograms. </a:t>
-            </a:r>
-          </a:p>
-          <a:p>
-            <a:pPr>
-              <a:lnSpc>
-                <a:spcPct val="150000"/>
-              </a:lnSpc>
-              <a:buFont typeface="Wingdings" panose="05000000000000000000" pitchFamily="2" charset="2"/>
-              <a:buChar char="§"/>
-            </a:pPr>
-            <a:r>
-              <a:rPr lang="en-US" dirty="0" smtClean="0"/>
-              <a:t> Extending this framework to other noises/events (explosion, gunshot, “crime” sounds).</a:t>
-            </a:r>
-            <a:endParaRPr lang="en-US" dirty="0"/>
-          </a:p>
-        </p:txBody>
-      </p:sp>
-    </p:spTree>
-    <p:extLst>
-      <p:ext uri="{BB962C8B-B14F-4D97-AF65-F5344CB8AC3E}">
-        <p14:creationId xmlns:p14="http://schemas.microsoft.com/office/powerpoint/2010/main" val="643501472"/>
-      </p:ext>
-    </p:extLst>
-  </p:cSld>
-  <p:clrMapOvr>
-    <a:masterClrMapping/>
-  </p:clrMapOvr>
-  <p:timing>
-    <p:tnLst>
-      <p:par>
-        <p:cTn id="1" dur="indefinite" restart="never" nodeType="tmRoot"/>
-      </p:par>
-    </p:tnLst>
-  </p:timing>
-</p:sld>
-</file>
-
-<file path=ppt/slides/slide13.xml><?xml version="1.0" encoding="utf-8"?>
-<p:sld xmlns:a="http://schemas.openxmlformats.org/drawingml/2006/main" xmlns:r="http://schemas.openxmlformats.org/officeDocument/2006/relationships" xmlns:p="http://schemas.openxmlformats.org/presentationml/2006/main">
-  <p:cSld>
-    <p:spTree>
-      <p:nvGrpSpPr>
-        <p:cNvPr id="1" name=""/>
-        <p:cNvGrpSpPr/>
-        <p:nvPr/>
-      </p:nvGrpSpPr>
-      <p:grpSpPr>
-        <a:xfrm>
-          <a:off x="0" y="0"/>
-          <a:ext cx="0" cy="0"/>
-          <a:chOff x="0" y="0"/>
-          <a:chExt cx="0" cy="0"/>
-        </a:xfrm>
-      </p:grpSpPr>
-      <p:sp>
-        <p:nvSpPr>
-          <p:cNvPr id="2" name="Title 1"/>
-          <p:cNvSpPr>
-            <a:spLocks noGrp="1"/>
-          </p:cNvSpPr>
-          <p:nvPr>
-            <p:ph type="title"/>
-          </p:nvPr>
-        </p:nvSpPr>
-        <p:spPr/>
-        <p:txBody>
-          <a:bodyPr/>
-          <a:lstStyle/>
-          <a:p>
-            <a:r>
-              <a:rPr lang="en-US" dirty="0" smtClean="0"/>
               <a:t>Comparison to Existing Work</a:t>
             </a:r>
             <a:endParaRPr lang="en-US" dirty="0"/>
@@ -7804,7 +7649,11 @@
             </a:r>
             <a:r>
               <a:rPr lang="en-US" sz="1400" dirty="0" smtClean="0"/>
-              <a:t> clusters in the source paper.</a:t>
+              <a:t> clusters in the source </a:t>
+            </a:r>
+            <a:r>
+              <a:rPr lang="en-US" sz="1400" dirty="0" smtClean="0"/>
+              <a:t>paper. The red line is 0dB loss. </a:t>
             </a:r>
             <a:endParaRPr lang="en-US" sz="1400" dirty="0"/>
           </a:p>
@@ -7856,6 +7705,130 @@
 </p:sld>
 </file>
 
+<file path=ppt/slides/slide13.xml><?xml version="1.0" encoding="utf-8"?>
+<p:sld xmlns:a="http://schemas.openxmlformats.org/drawingml/2006/main" xmlns:r="http://schemas.openxmlformats.org/officeDocument/2006/relationships" xmlns:p="http://schemas.openxmlformats.org/presentationml/2006/main">
+  <p:cSld>
+    <p:spTree>
+      <p:nvGrpSpPr>
+        <p:cNvPr id="1" name=""/>
+        <p:cNvGrpSpPr/>
+        <p:nvPr/>
+      </p:nvGrpSpPr>
+      <p:grpSpPr>
+        <a:xfrm>
+          <a:off x="0" y="0"/>
+          <a:ext cx="0" cy="0"/>
+          <a:chOff x="0" y="0"/>
+          <a:chExt cx="0" cy="0"/>
+        </a:xfrm>
+      </p:grpSpPr>
+      <p:sp>
+        <p:nvSpPr>
+          <p:cNvPr id="5" name="Title 4"/>
+          <p:cNvSpPr>
+            <a:spLocks noGrp="1"/>
+          </p:cNvSpPr>
+          <p:nvPr>
+            <p:ph type="title"/>
+          </p:nvPr>
+        </p:nvSpPr>
+        <p:spPr/>
+        <p:txBody>
+          <a:bodyPr/>
+          <a:lstStyle/>
+          <a:p>
+            <a:r>
+              <a:rPr lang="en-US" dirty="0" smtClean="0"/>
+              <a:t>Replicated Article Reference</a:t>
+            </a:r>
+            <a:endParaRPr lang="en-US" dirty="0"/>
+          </a:p>
+        </p:txBody>
+      </p:sp>
+      <p:sp>
+        <p:nvSpPr>
+          <p:cNvPr id="6" name="Content Placeholder 5"/>
+          <p:cNvSpPr>
+            <a:spLocks noGrp="1"/>
+          </p:cNvSpPr>
+          <p:nvPr>
+            <p:ph idx="1"/>
+          </p:nvPr>
+        </p:nvSpPr>
+        <p:spPr/>
+        <p:txBody>
+          <a:bodyPr anchor="ctr"/>
+          <a:lstStyle/>
+          <a:p>
+            <a:r>
+              <a:rPr lang="en-US" dirty="0" smtClean="0"/>
+              <a:t>[1]: Foggia</a:t>
+            </a:r>
+            <a:r>
+              <a:rPr lang="en-US" dirty="0"/>
+              <a:t>, P., </a:t>
+            </a:r>
+            <a:r>
+              <a:rPr lang="en-US" dirty="0" err="1"/>
+              <a:t>Saggese</a:t>
+            </a:r>
+            <a:r>
+              <a:rPr lang="en-US" dirty="0"/>
+              <a:t>, A., </a:t>
+            </a:r>
+            <a:r>
+              <a:rPr lang="en-US" dirty="0" err="1"/>
+              <a:t>Strisciuglio</a:t>
+            </a:r>
+            <a:r>
+              <a:rPr lang="en-US" dirty="0"/>
+              <a:t>, N., Vento, M., </a:t>
+            </a:r>
+            <a:r>
+              <a:rPr lang="en-US" dirty="0" err="1"/>
+              <a:t>Petkov</a:t>
+            </a:r>
+            <a:r>
+              <a:rPr lang="en-US" dirty="0"/>
+              <a:t>, N., &amp; </a:t>
+            </a:r>
+            <a:r>
+              <a:rPr lang="en-US" dirty="0" err="1"/>
+              <a:t>Strisciuglio</a:t>
+            </a:r>
+            <a:r>
+              <a:rPr lang="en-US" dirty="0"/>
+              <a:t>, N. (January 01, 2016). Audio surveillance of roads: A system for detecting anomalous sounds. </a:t>
+            </a:r>
+            <a:r>
+              <a:rPr lang="en-US" i="1" dirty="0" err="1"/>
+              <a:t>Ieee</a:t>
+            </a:r>
+            <a:r>
+              <a:rPr lang="en-US" i="1" dirty="0"/>
+              <a:t> Transactions on Intelligent Transportation Systems, 17, </a:t>
+            </a:r>
+            <a:r>
+              <a:rPr lang="en-US" dirty="0"/>
+              <a:t>1, 279-288.</a:t>
+            </a:r>
+            <a:endParaRPr lang="en-US" dirty="0"/>
+          </a:p>
+        </p:txBody>
+      </p:sp>
+    </p:spTree>
+    <p:extLst>
+      <p:ext uri="{BB962C8B-B14F-4D97-AF65-F5344CB8AC3E}">
+        <p14:creationId xmlns:p14="http://schemas.microsoft.com/office/powerpoint/2010/main" val="3608204051"/>
+      </p:ext>
+    </p:extLst>
+  </p:cSld>
+  <p:clrMapOvr>
+    <a:masterClrMapping/>
+  </p:clrMapOvr>
+</p:sld>
+</file>
+
 <file path=ppt/slides/slide2.xml><?xml version="1.0" encoding="utf-8"?>
 <p:sld xmlns:a="http://schemas.openxmlformats.org/drawingml/2006/main" xmlns:r="http://schemas.openxmlformats.org/officeDocument/2006/relationships" xmlns:p="http://schemas.openxmlformats.org/presentationml/2006/main">
   <p:cSld>
@@ -7888,85 +7861,6 @@
           <a:bodyPr/>
           <a:lstStyle/>
           <a:p>
-            <a:endParaRPr lang="en-US" dirty="0"/>
-          </a:p>
-        </p:txBody>
-      </p:sp>
-      <p:sp>
-        <p:nvSpPr>
-          <p:cNvPr id="3" name="Content Placeholder 2"/>
-          <p:cNvSpPr>
-            <a:spLocks noGrp="1"/>
-          </p:cNvSpPr>
-          <p:nvPr>
-            <p:ph idx="1"/>
-          </p:nvPr>
-        </p:nvSpPr>
-        <p:spPr/>
-        <p:txBody>
-          <a:bodyPr/>
-          <a:lstStyle/>
-          <a:p>
-            <a:pPr>
-              <a:buFont typeface="Arial" panose="020B0604020202020204" pitchFamily="34" charset="0"/>
-              <a:buChar char="•"/>
-            </a:pPr>
-            <a:endParaRPr lang="en-US" dirty="0"/>
-          </a:p>
-        </p:txBody>
-      </p:sp>
-    </p:spTree>
-    <p:extLst>
-      <p:ext uri="{BB962C8B-B14F-4D97-AF65-F5344CB8AC3E}">
-        <p14:creationId xmlns:p14="http://schemas.microsoft.com/office/powerpoint/2010/main" val="776030914"/>
-      </p:ext>
-    </p:extLst>
-  </p:cSld>
-  <p:clrMapOvr>
-    <a:masterClrMapping/>
-  </p:clrMapOvr>
-  <p:timing>
-    <p:tnLst>
-      <p:par>
-        <p:cTn id="1" dur="indefinite" restart="never" nodeType="tmRoot"/>
-      </p:par>
-    </p:tnLst>
-  </p:timing>
-</p:sld>
-</file>
-
-<file path=ppt/slides/slide3.xml><?xml version="1.0" encoding="utf-8"?>
-<p:sld xmlns:a="http://schemas.openxmlformats.org/drawingml/2006/main" xmlns:r="http://schemas.openxmlformats.org/officeDocument/2006/relationships" xmlns:p="http://schemas.openxmlformats.org/presentationml/2006/main">
-  <p:cSld>
-    <p:spTree>
-      <p:nvGrpSpPr>
-        <p:cNvPr id="1" name=""/>
-        <p:cNvGrpSpPr/>
-        <p:nvPr/>
-      </p:nvGrpSpPr>
-      <p:grpSpPr>
-        <a:xfrm>
-          <a:off x="0" y="0"/>
-          <a:ext cx="0" cy="0"/>
-          <a:chOff x="0" y="0"/>
-          <a:chExt cx="0" cy="0"/>
-        </a:xfrm>
-      </p:grpSpPr>
-      <p:sp>
-        <p:nvSpPr>
-          <p:cNvPr id="2" name="Title 1"/>
-          <p:cNvSpPr>
-            <a:spLocks noGrp="1"/>
-          </p:cNvSpPr>
-          <p:nvPr>
-            <p:ph type="title"/>
-          </p:nvPr>
-        </p:nvSpPr>
-        <p:spPr/>
-        <p:txBody>
-          <a:bodyPr/>
-          <a:lstStyle/>
-          <a:p>
             <a:r>
               <a:rPr lang="en-US" dirty="0" smtClean="0"/>
               <a:t>Dataset</a:t>
@@ -7999,11 +7893,7 @@
             </a:pPr>
             <a:r>
               <a:rPr lang="en-US" dirty="0" smtClean="0"/>
-              <a:t> Publically </a:t>
-            </a:r>
-            <a:r>
-              <a:rPr lang="en-US" dirty="0" smtClean="0"/>
-              <a:t>available courtesy of </a:t>
+              <a:t> Publically available courtesy of </a:t>
             </a:r>
             <a:r>
               <a:rPr lang="en-US" dirty="0" err="1" smtClean="0"/>
@@ -8029,11 +7919,7 @@
             </a:pPr>
             <a:r>
               <a:rPr lang="en-US" dirty="0" smtClean="0"/>
-              <a:t> 200 </a:t>
-            </a:r>
-            <a:r>
-              <a:rPr lang="en-US" dirty="0" smtClean="0"/>
-              <a:t>clips of car crashes and car skidding</a:t>
+              <a:t> 200 clips of car crashes and car skidding</a:t>
             </a:r>
           </a:p>
           <a:p>
@@ -8046,11 +7932,7 @@
             </a:pPr>
             <a:r>
               <a:rPr lang="en-US" dirty="0" smtClean="0"/>
-              <a:t> Approximately </a:t>
-            </a:r>
-            <a:r>
-              <a:rPr lang="en-US" dirty="0" smtClean="0"/>
-              <a:t>45 minutes of background noise</a:t>
+              <a:t> Approximately 45 minutes of background noise</a:t>
             </a:r>
           </a:p>
           <a:p>
@@ -8063,11 +7945,7 @@
             </a:pPr>
             <a:r>
               <a:rPr lang="en-US" dirty="0" smtClean="0"/>
-              <a:t> Audio </a:t>
-            </a:r>
-            <a:r>
-              <a:rPr lang="en-US" dirty="0" smtClean="0"/>
-              <a:t>sampled at 32 kHz and saved as .wav files</a:t>
+              <a:t> Audio sampled at 32 kHz and saved as .wav files</a:t>
             </a:r>
           </a:p>
           <a:p>
@@ -8080,11 +7958,7 @@
             </a:pPr>
             <a:r>
               <a:rPr lang="en-US" dirty="0" smtClean="0"/>
-              <a:t> Data </a:t>
-            </a:r>
-            <a:r>
-              <a:rPr lang="en-US" dirty="0" smtClean="0"/>
-              <a:t>pre-divided into four completely independent folds</a:t>
+              <a:t> Data pre-divided into four completely independent folds</a:t>
             </a:r>
             <a:endParaRPr lang="en-US" dirty="0"/>
           </a:p>
@@ -8110,7 +7984,7 @@
 </p:sld>
 </file>
 
-<file path=ppt/slides/slide4.xml><?xml version="1.0" encoding="utf-8"?>
+<file path=ppt/slides/slide3.xml><?xml version="1.0" encoding="utf-8"?>
 <p:sld xmlns:a="http://schemas.openxmlformats.org/drawingml/2006/main" xmlns:r="http://schemas.openxmlformats.org/officeDocument/2006/relationships" xmlns:p="http://schemas.openxmlformats.org/presentationml/2006/main">
   <p:cSld>
     <p:spTree>
@@ -8378,6 +8252,178 @@
 </p:sld>
 </file>
 
+<file path=ppt/slides/slide4.xml><?xml version="1.0" encoding="utf-8"?>
+<p:sld xmlns:a="http://schemas.openxmlformats.org/drawingml/2006/main" xmlns:r="http://schemas.openxmlformats.org/officeDocument/2006/relationships" xmlns:p="http://schemas.openxmlformats.org/presentationml/2006/main">
+  <p:cSld>
+    <p:spTree>
+      <p:nvGrpSpPr>
+        <p:cNvPr id="1" name=""/>
+        <p:cNvGrpSpPr/>
+        <p:nvPr/>
+      </p:nvGrpSpPr>
+      <p:grpSpPr>
+        <a:xfrm>
+          <a:off x="0" y="0"/>
+          <a:ext cx="0" cy="0"/>
+          <a:chOff x="0" y="0"/>
+          <a:chExt cx="0" cy="0"/>
+        </a:xfrm>
+      </p:grpSpPr>
+      <p:sp>
+        <p:nvSpPr>
+          <p:cNvPr id="2" name="Title 1"/>
+          <p:cNvSpPr>
+            <a:spLocks noGrp="1"/>
+          </p:cNvSpPr>
+          <p:nvPr>
+            <p:ph type="title"/>
+          </p:nvPr>
+        </p:nvSpPr>
+        <p:spPr/>
+        <p:txBody>
+          <a:bodyPr/>
+          <a:lstStyle/>
+          <a:p>
+            <a:r>
+              <a:rPr lang="en-US" dirty="0" smtClean="0"/>
+              <a:t>Feature Extraction</a:t>
+            </a:r>
+            <a:endParaRPr lang="en-US" dirty="0"/>
+          </a:p>
+        </p:txBody>
+      </p:sp>
+      <p:sp>
+        <p:nvSpPr>
+          <p:cNvPr id="3" name="Text Placeholder 2"/>
+          <p:cNvSpPr>
+            <a:spLocks noGrp="1"/>
+          </p:cNvSpPr>
+          <p:nvPr>
+            <p:ph type="body" idx="1"/>
+          </p:nvPr>
+        </p:nvSpPr>
+        <p:spPr/>
+        <p:txBody>
+          <a:bodyPr/>
+          <a:lstStyle/>
+          <a:p>
+            <a:r>
+              <a:rPr lang="en-US" dirty="0" smtClean="0"/>
+              <a:t>Extracting </a:t>
+            </a:r>
+            <a:r>
+              <a:rPr lang="en-US" dirty="0" err="1" smtClean="0"/>
+              <a:t>mfccs</a:t>
+            </a:r>
+            <a:endParaRPr lang="en-US" dirty="0"/>
+          </a:p>
+        </p:txBody>
+      </p:sp>
+      <p:sp>
+        <p:nvSpPr>
+          <p:cNvPr id="4" name="Content Placeholder 3"/>
+          <p:cNvSpPr>
+            <a:spLocks noGrp="1"/>
+          </p:cNvSpPr>
+          <p:nvPr>
+            <p:ph sz="half" idx="2"/>
+          </p:nvPr>
+        </p:nvSpPr>
+        <p:spPr/>
+        <p:txBody>
+          <a:bodyPr/>
+          <a:lstStyle/>
+          <a:p>
+            <a:pPr>
+              <a:buFont typeface="Arial" panose="020B0604020202020204" pitchFamily="34" charset="0"/>
+              <a:buChar char="•"/>
+            </a:pPr>
+            <a:r>
+              <a:rPr lang="en-US" dirty="0" smtClean="0"/>
+              <a:t>Cut each clip into frames</a:t>
+            </a:r>
+          </a:p>
+          <a:p>
+            <a:pPr>
+              <a:buFont typeface="Arial" panose="020B0604020202020204" pitchFamily="34" charset="0"/>
+              <a:buChar char="•"/>
+            </a:pPr>
+            <a:r>
+              <a:rPr lang="en-US" dirty="0" smtClean="0"/>
+              <a:t>Tested frame sizes of 50ms, 100ms, and 300ms with 50% overlap</a:t>
+            </a:r>
+          </a:p>
+          <a:p>
+            <a:pPr>
+              <a:buFont typeface="Arial" panose="020B0604020202020204" pitchFamily="34" charset="0"/>
+              <a:buChar char="•"/>
+            </a:pPr>
+            <a:r>
+              <a:rPr lang="en-US" dirty="0" smtClean="0"/>
+              <a:t>Extracted the 13 lowest Mel-Cepstral Frequency Coefficients for each frame</a:t>
+            </a:r>
+            <a:endParaRPr lang="en-US" dirty="0"/>
+          </a:p>
+        </p:txBody>
+      </p:sp>
+      <p:sp>
+        <p:nvSpPr>
+          <p:cNvPr id="5" name="Text Placeholder 4"/>
+          <p:cNvSpPr>
+            <a:spLocks noGrp="1"/>
+          </p:cNvSpPr>
+          <p:nvPr>
+            <p:ph type="body" sz="quarter" idx="3"/>
+          </p:nvPr>
+        </p:nvSpPr>
+        <p:spPr/>
+        <p:txBody>
+          <a:bodyPr/>
+          <a:lstStyle/>
+          <a:p>
+            <a:endParaRPr lang="en-US" dirty="0"/>
+          </a:p>
+        </p:txBody>
+      </p:sp>
+      <p:sp>
+        <p:nvSpPr>
+          <p:cNvPr id="6" name="Content Placeholder 5"/>
+          <p:cNvSpPr>
+            <a:spLocks noGrp="1"/>
+          </p:cNvSpPr>
+          <p:nvPr>
+            <p:ph sz="quarter" idx="4"/>
+          </p:nvPr>
+        </p:nvSpPr>
+        <p:spPr/>
+        <p:txBody>
+          <a:bodyPr/>
+          <a:lstStyle/>
+          <a:p>
+            <a:endParaRPr lang="en-US"/>
+          </a:p>
+        </p:txBody>
+      </p:sp>
+    </p:spTree>
+    <p:extLst>
+      <p:ext uri="{BB962C8B-B14F-4D97-AF65-F5344CB8AC3E}">
+        <p14:creationId xmlns:p14="http://schemas.microsoft.com/office/powerpoint/2010/main" val="831560528"/>
+      </p:ext>
+    </p:extLst>
+  </p:cSld>
+  <p:clrMapOvr>
+    <a:masterClrMapping/>
+  </p:clrMapOvr>
+  <p:timing>
+    <p:tnLst>
+      <p:par>
+        <p:cTn id="1" dur="indefinite" restart="never" nodeType="tmRoot"/>
+      </p:par>
+    </p:tnLst>
+  </p:timing>
+</p:sld>
+</file>
+
 <file path=ppt/slides/slide5.xml><?xml version="1.0" encoding="utf-8"?>
 <p:sld xmlns:a="http://schemas.openxmlformats.org/drawingml/2006/main" xmlns:r="http://schemas.openxmlformats.org/officeDocument/2006/relationships" xmlns:p="http://schemas.openxmlformats.org/presentationml/2006/main">
   <p:cSld>
@@ -8412,7 +8458,7 @@
           <a:p>
             <a:r>
               <a:rPr lang="en-US" dirty="0" smtClean="0"/>
-              <a:t>Feature Extraction</a:t>
+              <a:t>Audio “Word” Generation</a:t>
             </a:r>
             <a:endParaRPr lang="en-US" dirty="0"/>
           </a:p>
@@ -8420,39 +8466,12 @@
       </p:sp>
       <p:sp>
         <p:nvSpPr>
-          <p:cNvPr id="3" name="Text Placeholder 2"/>
-          <p:cNvSpPr>
-            <a:spLocks noGrp="1"/>
-          </p:cNvSpPr>
-          <p:nvPr>
-            <p:ph type="body" idx="1"/>
-          </p:nvPr>
-        </p:nvSpPr>
-        <p:spPr/>
-        <p:txBody>
-          <a:bodyPr/>
-          <a:lstStyle/>
-          <a:p>
-            <a:r>
-              <a:rPr lang="en-US" dirty="0" smtClean="0"/>
-              <a:t>Extracting </a:t>
-            </a:r>
-            <a:r>
-              <a:rPr lang="en-US" dirty="0" err="1" smtClean="0"/>
-              <a:t>mfccs</a:t>
-            </a:r>
-            <a:endParaRPr lang="en-US" dirty="0"/>
-          </a:p>
-        </p:txBody>
-      </p:sp>
-      <p:sp>
-        <p:nvSpPr>
-          <p:cNvPr id="4" name="Content Placeholder 3"/>
-          <p:cNvSpPr>
-            <a:spLocks noGrp="1"/>
-          </p:cNvSpPr>
-          <p:nvPr>
-            <p:ph sz="half" idx="2"/>
+          <p:cNvPr id="7" name="Content Placeholder 6"/>
+          <p:cNvSpPr>
+            <a:spLocks noGrp="1"/>
+          </p:cNvSpPr>
+          <p:nvPr>
+            <p:ph idx="1"/>
           </p:nvPr>
         </p:nvSpPr>
         <p:spPr/>
@@ -8466,7 +8485,7 @@
             </a:pPr>
             <a:r>
               <a:rPr lang="en-US" dirty="0" smtClean="0"/>
-              <a:t>Cut each clip into frames</a:t>
+              <a:t>Treated each frame as being a particular “word”</a:t>
             </a:r>
           </a:p>
           <a:p>
@@ -8476,7 +8495,25 @@
             </a:pPr>
             <a:r>
               <a:rPr lang="en-US" dirty="0" smtClean="0"/>
-              <a:t>Tested frame sizes of 50ms, 100ms, and 300ms with 50% overlap</a:t>
+              <a:t>Used </a:t>
+            </a:r>
+            <a:r>
+              <a:rPr lang="en-US" dirty="0" err="1" smtClean="0"/>
+              <a:t>KMeans</a:t>
+            </a:r>
+            <a:r>
+              <a:rPr lang="en-US" dirty="0" smtClean="0"/>
+              <a:t> with various cluster sizes (64, 128, 256, 512, 1024)</a:t>
+            </a:r>
+          </a:p>
+          <a:p>
+            <a:pPr lvl="1">
+              <a:buFont typeface="Arial" panose="020B0604020202020204" pitchFamily="34" charset="0"/>
+              <a:buChar char="•"/>
+            </a:pPr>
+            <a:r>
+              <a:rPr lang="en-US" dirty="0" smtClean="0"/>
+              <a:t>K = number of audio “words” in dictionary</a:t>
             </a:r>
           </a:p>
           <a:p>
@@ -8486,54 +8523,33 @@
             </a:pPr>
             <a:r>
               <a:rPr lang="en-US" dirty="0" smtClean="0"/>
-              <a:t>Extracted the 13 lowest Mel-Cepstral Frequency Coefficients for each frame</a:t>
-            </a:r>
-            <a:endParaRPr lang="en-US" dirty="0"/>
-          </a:p>
-        </p:txBody>
-      </p:sp>
-      <p:sp>
-        <p:nvSpPr>
-          <p:cNvPr id="5" name="Text Placeholder 4"/>
-          <p:cNvSpPr>
-            <a:spLocks noGrp="1"/>
-          </p:cNvSpPr>
-          <p:nvPr>
-            <p:ph type="body" sz="quarter" idx="3"/>
-          </p:nvPr>
-        </p:nvSpPr>
-        <p:spPr/>
-        <p:txBody>
-          <a:bodyPr/>
-          <a:lstStyle/>
-          <a:p>
-            <a:endParaRPr lang="en-US" dirty="0"/>
-          </a:p>
-        </p:txBody>
-      </p:sp>
-      <p:sp>
-        <p:nvSpPr>
-          <p:cNvPr id="6" name="Content Placeholder 5"/>
-          <p:cNvSpPr>
-            <a:spLocks noGrp="1"/>
-          </p:cNvSpPr>
-          <p:nvPr>
-            <p:ph sz="quarter" idx="4"/>
-          </p:nvPr>
-        </p:nvSpPr>
-        <p:spPr/>
-        <p:txBody>
-          <a:bodyPr/>
-          <a:lstStyle/>
-          <a:p>
-            <a:endParaRPr lang="en-US"/>
+              <a:t>Used </a:t>
+            </a:r>
+            <a:r>
+              <a:rPr lang="en-US" dirty="0" err="1" smtClean="0"/>
+              <a:t>KMeans</a:t>
+            </a:r>
+            <a:r>
+              <a:rPr lang="en-US" dirty="0" smtClean="0"/>
+              <a:t> to identify each frame as a word</a:t>
+            </a:r>
+          </a:p>
+          <a:p>
+            <a:pPr lvl="1">
+              <a:buFont typeface="Arial" panose="020B0604020202020204" pitchFamily="34" charset="0"/>
+              <a:buChar char="•"/>
+            </a:pPr>
+            <a:r>
+              <a:rPr lang="en-US" dirty="0" smtClean="0"/>
+              <a:t>Frames with similar MFCCs became essentially equivalent frames</a:t>
+            </a:r>
           </a:p>
         </p:txBody>
       </p:sp>
     </p:spTree>
     <p:extLst>
       <p:ext uri="{BB962C8B-B14F-4D97-AF65-F5344CB8AC3E}">
-        <p14:creationId xmlns:p14="http://schemas.microsoft.com/office/powerpoint/2010/main" val="831560528"/>
+        <p14:creationId xmlns:p14="http://schemas.microsoft.com/office/powerpoint/2010/main" val="3897152300"/>
       </p:ext>
     </p:extLst>
   </p:cSld>
@@ -8584,7 +8600,7 @@
           <a:p>
             <a:r>
               <a:rPr lang="en-US" dirty="0" smtClean="0"/>
-              <a:t>Audio “Word” Generation</a:t>
+              <a:t>Bag-of-Words Representation</a:t>
             </a:r>
             <a:endParaRPr lang="en-US" dirty="0"/>
           </a:p>
@@ -8592,7 +8608,7 @@
       </p:sp>
       <p:sp>
         <p:nvSpPr>
-          <p:cNvPr id="7" name="Content Placeholder 6"/>
+          <p:cNvPr id="3" name="Content Placeholder 2"/>
           <p:cNvSpPr>
             <a:spLocks noGrp="1"/>
           </p:cNvSpPr>
@@ -8606,22 +8622,12 @@
           <a:lstStyle/>
           <a:p>
             <a:pPr>
-              <a:buFont typeface="Arial" panose="020B0604020202020204" pitchFamily="34" charset="0"/>
-              <a:buChar char="•"/>
+              <a:buFont typeface="Wingdings" panose="05000000000000000000" pitchFamily="2" charset="2"/>
+              <a:buChar char="§"/>
             </a:pPr>
             <a:r>
               <a:rPr lang="en-US" dirty="0" smtClean="0"/>
-              <a:t>Treated each frame as being a particular “word”</a:t>
-            </a:r>
-          </a:p>
-          <a:p>
-            <a:pPr>
-              <a:buFont typeface="Arial" panose="020B0604020202020204" pitchFamily="34" charset="0"/>
-              <a:buChar char="•"/>
-            </a:pPr>
-            <a:r>
-              <a:rPr lang="en-US" dirty="0" smtClean="0"/>
-              <a:t>Used </a:t>
+              <a:t> Used </a:t>
             </a:r>
             <a:r>
               <a:rPr lang="en-US" dirty="0" err="1" smtClean="0"/>
@@ -8629,45 +8635,47 @@
             </a:r>
             <a:r>
               <a:rPr lang="en-US" dirty="0" smtClean="0"/>
-              <a:t> with various cluster sizes (64, 128, 256, 512, 1024)</a:t>
+              <a:t> to effectively generate a dictionary of “words”. </a:t>
+            </a:r>
+          </a:p>
+          <a:p>
+            <a:pPr>
+              <a:buFont typeface="Wingdings" panose="05000000000000000000" pitchFamily="2" charset="2"/>
+              <a:buChar char="§"/>
+            </a:pPr>
+            <a:r>
+              <a:rPr lang="en-US" dirty="0" smtClean="0"/>
+              <a:t> Created a histogram for each clip</a:t>
             </a:r>
           </a:p>
           <a:p>
             <a:pPr lvl="1">
-              <a:buFont typeface="Arial" panose="020B0604020202020204" pitchFamily="34" charset="0"/>
-              <a:buChar char="•"/>
+              <a:buFont typeface="Wingdings" panose="05000000000000000000" pitchFamily="2" charset="2"/>
+              <a:buChar char="§"/>
             </a:pPr>
             <a:r>
               <a:rPr lang="en-US" dirty="0" smtClean="0"/>
-              <a:t>K = number of audio “words” in dictionary</a:t>
+              <a:t>Count of “words”</a:t>
             </a:r>
           </a:p>
           <a:p>
             <a:pPr>
-              <a:buFont typeface="Arial" panose="020B0604020202020204" pitchFamily="34" charset="0"/>
-              <a:buChar char="•"/>
+              <a:buFont typeface="Wingdings" panose="05000000000000000000" pitchFamily="2" charset="2"/>
+              <a:buChar char="§"/>
             </a:pPr>
             <a:r>
               <a:rPr lang="en-US" dirty="0" smtClean="0"/>
-              <a:t>Used </a:t>
-            </a:r>
-            <a:r>
-              <a:rPr lang="en-US" dirty="0" err="1" smtClean="0"/>
-              <a:t>KMeans</a:t>
-            </a:r>
+              <a:t> Low level feature vector of MFCCs became audio words became a histogram</a:t>
+            </a:r>
+          </a:p>
+          <a:p>
+            <a:pPr>
+              <a:buFont typeface="Wingdings" panose="05000000000000000000" pitchFamily="2" charset="2"/>
+              <a:buChar char="§"/>
+            </a:pPr>
             <a:r>
               <a:rPr lang="en-US" dirty="0" smtClean="0"/>
-              <a:t> to identify each frame as a word</a:t>
-            </a:r>
-          </a:p>
-          <a:p>
-            <a:pPr lvl="1">
-              <a:buFont typeface="Arial" panose="020B0604020202020204" pitchFamily="34" charset="0"/>
-              <a:buChar char="•"/>
-            </a:pPr>
-            <a:r>
-              <a:rPr lang="en-US" dirty="0" smtClean="0"/>
-              <a:t>Frames with similar MFCCs became essentially equivalent frames</a:t>
+              <a:t> Each audio clip is now treated as a bag of audio words and classified</a:t>
             </a:r>
           </a:p>
         </p:txBody>
@@ -8675,7 +8683,7 @@
     </p:spTree>
     <p:extLst>
       <p:ext uri="{BB962C8B-B14F-4D97-AF65-F5344CB8AC3E}">
-        <p14:creationId xmlns:p14="http://schemas.microsoft.com/office/powerpoint/2010/main" val="3897152300"/>
+        <p14:creationId xmlns:p14="http://schemas.microsoft.com/office/powerpoint/2010/main" val="3880984771"/>
       </p:ext>
     </p:extLst>
   </p:cSld>
@@ -8726,7 +8734,7 @@
           <a:p>
             <a:r>
               <a:rPr lang="en-US" dirty="0" smtClean="0"/>
-              <a:t>Bag-of-Words Representation</a:t>
+              <a:t>Classification</a:t>
             </a:r>
             <a:endParaRPr lang="en-US" dirty="0"/>
           </a:p>
@@ -8753,19 +8761,19 @@
             </a:pPr>
             <a:r>
               <a:rPr lang="en-US" dirty="0" smtClean="0"/>
-              <a:t> Used </a:t>
+              <a:t> </a:t>
             </a:r>
             <a:r>
               <a:rPr lang="en-US" dirty="0" err="1" smtClean="0"/>
-              <a:t>KMeans</a:t>
+              <a:t>Sk</a:t>
             </a:r>
             <a:r>
               <a:rPr lang="en-US" dirty="0" smtClean="0"/>
-              <a:t> to effectively generate a dictionary of </a:t>
-            </a:r>
-            <a:r>
-              <a:rPr lang="en-US" dirty="0" smtClean="0"/>
-              <a:t>“words”. </a:t>
+              <a:t>-learn SVC used to classify histograms created from </a:t>
+            </a:r>
+            <a:r>
+              <a:rPr lang="en-US" dirty="0" err="1" smtClean="0"/>
+              <a:t>kmeans</a:t>
             </a:r>
             <a:endParaRPr lang="en-US" dirty="0" smtClean="0"/>
           </a:p>
@@ -8776,11 +8784,25 @@
             </a:pPr>
             <a:r>
               <a:rPr lang="en-US" dirty="0" smtClean="0"/>
-              <a:t> Created </a:t>
-            </a:r>
+              <a:t> Data already split into folds</a:t>
+            </a:r>
+          </a:p>
+          <a:p>
+            <a:pPr>
+              <a:buFont typeface="Wingdings" panose="05000000000000000000" pitchFamily="2" charset="2"/>
+              <a:buChar char="§"/>
+            </a:pPr>
             <a:r>
               <a:rPr lang="en-US" dirty="0" smtClean="0"/>
-              <a:t>a histogram for each clip</a:t>
+              <a:t> Used K-folds cross-validation using a </a:t>
+            </a:r>
+            <a:r>
+              <a:rPr lang="en-US" dirty="0" err="1" smtClean="0"/>
+              <a:t>GridSearchCV</a:t>
+            </a:r>
+            <a:r>
+              <a:rPr lang="en-US" dirty="0" smtClean="0"/>
+              <a:t> to tune kernel, C, and Gamma</a:t>
             </a:r>
           </a:p>
           <a:p>
@@ -8790,7 +8812,35 @@
             </a:pPr>
             <a:r>
               <a:rPr lang="en-US" dirty="0" smtClean="0"/>
-              <a:t>Count of “words”</a:t>
+              <a:t>Kernel = ‘</a:t>
+            </a:r>
+            <a:r>
+              <a:rPr lang="en-US" dirty="0" err="1" smtClean="0"/>
+              <a:t>rbf</a:t>
+            </a:r>
+            <a:r>
+              <a:rPr lang="en-US" dirty="0" smtClean="0"/>
+              <a:t>’ always outperformed linear</a:t>
+            </a:r>
+          </a:p>
+          <a:p>
+            <a:pPr lvl="1">
+              <a:buFont typeface="Wingdings" panose="05000000000000000000" pitchFamily="2" charset="2"/>
+              <a:buChar char="§"/>
+            </a:pPr>
+            <a:r>
+              <a:rPr lang="en-US" dirty="0" smtClean="0"/>
+              <a:t>C is the penalty term</a:t>
+            </a:r>
+          </a:p>
+          <a:p>
+            <a:pPr lvl="1">
+              <a:buFont typeface="Wingdings" panose="05000000000000000000" pitchFamily="2" charset="2"/>
+              <a:buChar char="§"/>
+            </a:pPr>
+            <a:r>
+              <a:rPr lang="en-US" dirty="0" smtClean="0"/>
+              <a:t>I forget what gamma is</a:t>
             </a:r>
           </a:p>
           <a:p>
@@ -8800,25 +8850,15 @@
             </a:pPr>
             <a:r>
               <a:rPr lang="en-US" dirty="0" smtClean="0"/>
-              <a:t> Low </a:t>
+              <a:t> Tuned parameters per frame length, per </a:t>
+            </a:r>
+            <a:r>
+              <a:rPr lang="en-US" dirty="0" err="1" smtClean="0"/>
+              <a:t>KMeans</a:t>
             </a:r>
             <a:r>
               <a:rPr lang="en-US" dirty="0" smtClean="0"/>
-              <a:t>level feature vector of MFCCs became audio words became a histogram</a:t>
-            </a:r>
-          </a:p>
-          <a:p>
-            <a:pPr>
-              <a:buFont typeface="Wingdings" panose="05000000000000000000" pitchFamily="2" charset="2"/>
-              <a:buChar char="§"/>
-            </a:pPr>
-            <a:r>
-              <a:rPr lang="en-US" dirty="0" smtClean="0"/>
-              <a:t> Each </a:t>
-            </a:r>
-            <a:r>
-              <a:rPr lang="en-US" dirty="0" smtClean="0"/>
-              <a:t>audio clip is now treated as a bag of audio words and classified</a:t>
+              <a:t> cluster count</a:t>
             </a:r>
           </a:p>
         </p:txBody>
@@ -8826,7 +8866,7 @@
     </p:spTree>
     <p:extLst>
       <p:ext uri="{BB962C8B-B14F-4D97-AF65-F5344CB8AC3E}">
-        <p14:creationId xmlns:p14="http://schemas.microsoft.com/office/powerpoint/2010/main" val="3880984771"/>
+        <p14:creationId xmlns:p14="http://schemas.microsoft.com/office/powerpoint/2010/main" val="1669267336"/>
       </p:ext>
     </p:extLst>
   </p:cSld>
@@ -8877,7 +8917,7 @@
           <a:p>
             <a:r>
               <a:rPr lang="en-US" dirty="0" smtClean="0"/>
-              <a:t>Classification</a:t>
+              <a:t>Results</a:t>
             </a:r>
             <a:endParaRPr lang="en-US" dirty="0"/>
           </a:p>
@@ -8898,146 +8938,18 @@
           <a:bodyPr/>
           <a:lstStyle/>
           <a:p>
-            <a:pPr>
-              <a:buFont typeface="Wingdings" panose="05000000000000000000" pitchFamily="2" charset="2"/>
-              <a:buChar char="§"/>
-            </a:pPr>
             <a:r>
               <a:rPr lang="en-US" dirty="0" smtClean="0"/>
-              <a:t> </a:t>
-            </a:r>
-            <a:r>
-              <a:rPr lang="en-US" dirty="0" err="1" smtClean="0"/>
-              <a:t>Sk</a:t>
-            </a:r>
-            <a:r>
-              <a:rPr lang="en-US" dirty="0" smtClean="0"/>
-              <a:t>-learn </a:t>
-            </a:r>
-            <a:r>
-              <a:rPr lang="en-US" dirty="0" smtClean="0"/>
-              <a:t>SVC used to classify </a:t>
-            </a:r>
-            <a:r>
-              <a:rPr lang="en-US" dirty="0" smtClean="0"/>
-              <a:t>histograms created from </a:t>
-            </a:r>
-            <a:r>
-              <a:rPr lang="en-US" dirty="0" err="1" smtClean="0"/>
-              <a:t>kmeans</a:t>
-            </a:r>
-            <a:endParaRPr lang="en-US" dirty="0" smtClean="0"/>
-          </a:p>
-          <a:p>
-            <a:pPr>
-              <a:buFont typeface="Wingdings" panose="05000000000000000000" pitchFamily="2" charset="2"/>
-              <a:buChar char="§"/>
-            </a:pPr>
-            <a:r>
-              <a:rPr lang="en-US" dirty="0" smtClean="0"/>
-              <a:t> Data </a:t>
-            </a:r>
-            <a:r>
-              <a:rPr lang="en-US" dirty="0" smtClean="0"/>
-              <a:t>already split into folds</a:t>
-            </a:r>
-          </a:p>
-          <a:p>
-            <a:pPr>
-              <a:buFont typeface="Wingdings" panose="05000000000000000000" pitchFamily="2" charset="2"/>
-              <a:buChar char="§"/>
-            </a:pPr>
-            <a:r>
-              <a:rPr lang="en-US" dirty="0" smtClean="0"/>
-              <a:t> Used </a:t>
-            </a:r>
-            <a:r>
-              <a:rPr lang="en-US" dirty="0" smtClean="0"/>
-              <a:t>K-folds </a:t>
-            </a:r>
-            <a:r>
-              <a:rPr lang="en-US" dirty="0" smtClean="0"/>
-              <a:t>cross-validation </a:t>
-            </a:r>
-            <a:r>
-              <a:rPr lang="en-US" dirty="0" smtClean="0"/>
-              <a:t>using a </a:t>
-            </a:r>
-            <a:r>
-              <a:rPr lang="en-US" dirty="0" err="1" smtClean="0"/>
-              <a:t>GridSearchCV</a:t>
-            </a:r>
-            <a:r>
-              <a:rPr lang="en-US" dirty="0" smtClean="0"/>
-              <a:t> to tune kernel, C, and Gamma</a:t>
-            </a:r>
-          </a:p>
-          <a:p>
-            <a:pPr lvl="1">
-              <a:buFont typeface="Wingdings" panose="05000000000000000000" pitchFamily="2" charset="2"/>
-              <a:buChar char="§"/>
-            </a:pPr>
-            <a:r>
-              <a:rPr lang="en-US" dirty="0" smtClean="0"/>
-              <a:t>Kernel = ‘</a:t>
-            </a:r>
-            <a:r>
-              <a:rPr lang="en-US" dirty="0" err="1" smtClean="0"/>
-              <a:t>rbf</a:t>
-            </a:r>
-            <a:r>
-              <a:rPr lang="en-US" dirty="0" smtClean="0"/>
-              <a:t>’ always outperformed linear</a:t>
-            </a:r>
-          </a:p>
-          <a:p>
-            <a:pPr lvl="1">
-              <a:buFont typeface="Wingdings" panose="05000000000000000000" pitchFamily="2" charset="2"/>
-              <a:buChar char="§"/>
-            </a:pPr>
-            <a:r>
-              <a:rPr lang="en-US" dirty="0" smtClean="0"/>
-              <a:t>C is the penalty term</a:t>
-            </a:r>
-          </a:p>
-          <a:p>
-            <a:pPr lvl="1">
-              <a:buFont typeface="Wingdings" panose="05000000000000000000" pitchFamily="2" charset="2"/>
-              <a:buChar char="§"/>
-            </a:pPr>
-            <a:r>
-              <a:rPr lang="en-US" dirty="0" smtClean="0"/>
-              <a:t>I forget what gamma is</a:t>
-            </a:r>
-          </a:p>
-          <a:p>
-            <a:pPr>
-              <a:buFont typeface="Wingdings" panose="05000000000000000000" pitchFamily="2" charset="2"/>
-              <a:buChar char="§"/>
-            </a:pPr>
-            <a:r>
-              <a:rPr lang="en-US" dirty="0" smtClean="0"/>
-              <a:t> Tuned </a:t>
-            </a:r>
-            <a:r>
-              <a:rPr lang="en-US" dirty="0" smtClean="0"/>
-              <a:t>parameters per frame length, per </a:t>
-            </a:r>
-            <a:r>
-              <a:rPr lang="en-US" dirty="0" err="1" smtClean="0"/>
-              <a:t>KMeans</a:t>
-            </a:r>
-            <a:r>
-              <a:rPr lang="en-US" dirty="0" smtClean="0"/>
-              <a:t> cluster count</a:t>
-            </a:r>
+              <a:t>Results for tuning parameters?</a:t>
+            </a:r>
+            <a:endParaRPr lang="en-US" dirty="0"/>
           </a:p>
         </p:txBody>
       </p:sp>
     </p:spTree>
     <p:extLst>
       <p:ext uri="{BB962C8B-B14F-4D97-AF65-F5344CB8AC3E}">
-        <p14:creationId xmlns:p14="http://schemas.microsoft.com/office/powerpoint/2010/main" val="1669267336"/>
+        <p14:creationId xmlns:p14="http://schemas.microsoft.com/office/powerpoint/2010/main" val="1347847371"/>
       </p:ext>
     </p:extLst>
   </p:cSld>
@@ -9073,7 +8985,7 @@
       </p:grpSpPr>
       <p:sp>
         <p:nvSpPr>
-          <p:cNvPr id="2" name="Title 1"/>
+          <p:cNvPr id="4" name="Title 3"/>
           <p:cNvSpPr>
             <a:spLocks noGrp="1"/>
           </p:cNvSpPr>
@@ -9088,7 +9000,7 @@
           <a:p>
             <a:r>
               <a:rPr lang="en-US" dirty="0" smtClean="0"/>
-              <a:t>Results</a:t>
+              <a:t>C-VALUES &amp; GAMMA FOR EACH CLUSTER</a:t>
             </a:r>
             <a:endParaRPr lang="en-US" dirty="0"/>
           </a:p>
@@ -9096,12 +9008,12 @@
       </p:sp>
       <p:sp>
         <p:nvSpPr>
-          <p:cNvPr id="3" name="Content Placeholder 2"/>
-          <p:cNvSpPr>
-            <a:spLocks noGrp="1"/>
-          </p:cNvSpPr>
-          <p:nvPr>
-            <p:ph idx="1"/>
+          <p:cNvPr id="5" name="Text Placeholder 4"/>
+          <p:cNvSpPr>
+            <a:spLocks noGrp="1"/>
+          </p:cNvSpPr>
+          <p:nvPr>
+            <p:ph type="body" idx="1"/>
           </p:nvPr>
         </p:nvSpPr>
         <p:spPr/>
@@ -9110,30 +9022,102 @@
           <a:lstStyle/>
           <a:p>
             <a:r>
-              <a:rPr lang="en-US" dirty="0" smtClean="0"/>
-              <a:t>Results for tuning parameters?</a:t>
-            </a:r>
-            <a:endParaRPr lang="en-US" dirty="0"/>
-          </a:p>
-        </p:txBody>
-      </p:sp>
+              <a:rPr lang="en-US" b="1" dirty="0" smtClean="0">
+                <a:solidFill>
+                  <a:schemeClr val="accent1"/>
+                </a:solidFill>
+              </a:rPr>
+              <a:t>C-values</a:t>
+            </a:r>
+            <a:endParaRPr lang="en-US" b="1" dirty="0">
+              <a:solidFill>
+                <a:schemeClr val="accent1"/>
+              </a:solidFill>
+            </a:endParaRPr>
+          </a:p>
+        </p:txBody>
+      </p:sp>
+      <p:sp>
+        <p:nvSpPr>
+          <p:cNvPr id="7" name="Text Placeholder 6"/>
+          <p:cNvSpPr>
+            <a:spLocks noGrp="1"/>
+          </p:cNvSpPr>
+          <p:nvPr>
+            <p:ph type="body" sz="quarter" idx="3"/>
+          </p:nvPr>
+        </p:nvSpPr>
+        <p:spPr/>
+        <p:txBody>
+          <a:bodyPr/>
+          <a:lstStyle/>
+          <a:p>
+            <a:r>
+              <a:rPr lang="en-US" dirty="0" smtClean="0">
+                <a:solidFill>
+                  <a:schemeClr val="accent1"/>
+                </a:solidFill>
+              </a:rPr>
+              <a:t>Gamma </a:t>
+            </a:r>
+            <a:endParaRPr lang="en-US" dirty="0">
+              <a:solidFill>
+                <a:schemeClr val="accent1"/>
+              </a:solidFill>
+            </a:endParaRPr>
+          </a:p>
+        </p:txBody>
+      </p:sp>
+      <p:graphicFrame>
+        <p:nvGraphicFramePr>
+          <p:cNvPr id="9" name="Content Placeholder 8"/>
+          <p:cNvGraphicFramePr>
+            <a:graphicFrameLocks noGrp="1"/>
+          </p:cNvGraphicFramePr>
+          <p:nvPr>
+            <p:ph sz="half" idx="2"/>
+          </p:nvPr>
+        </p:nvGraphicFramePr>
+        <p:xfrm>
+          <a:off x="1096963" y="2582863"/>
+          <a:ext cx="4938712" cy="3378200"/>
+        </p:xfrm>
+        <a:graphic>
+          <a:graphicData uri="http://schemas.openxmlformats.org/drawingml/2006/chart">
+            <c:chart xmlns:c="http://schemas.openxmlformats.org/drawingml/2006/chart" xmlns:r="http://schemas.openxmlformats.org/officeDocument/2006/relationships" r:id="rId2"/>
+          </a:graphicData>
+        </a:graphic>
+      </p:graphicFrame>
+      <p:graphicFrame>
+        <p:nvGraphicFramePr>
+          <p:cNvPr id="10" name="Content Placeholder 9"/>
+          <p:cNvGraphicFramePr>
+            <a:graphicFrameLocks noGrp="1"/>
+          </p:cNvGraphicFramePr>
+          <p:nvPr>
+            <p:ph sz="quarter" idx="4"/>
+          </p:nvPr>
+        </p:nvGraphicFramePr>
+        <p:xfrm>
+          <a:off x="6218238" y="2582863"/>
+          <a:ext cx="4937125" cy="3378200"/>
+        </p:xfrm>
+        <a:graphic>
+          <a:graphicData uri="http://schemas.openxmlformats.org/drawingml/2006/chart">
+            <c:chart xmlns:c="http://schemas.openxmlformats.org/drawingml/2006/chart" xmlns:r="http://schemas.openxmlformats.org/officeDocument/2006/relationships" r:id="rId3"/>
+          </a:graphicData>
+        </a:graphic>
+      </p:graphicFrame>
     </p:spTree>
     <p:extLst>
       <p:ext uri="{BB962C8B-B14F-4D97-AF65-F5344CB8AC3E}">
-        <p14:creationId xmlns:p14="http://schemas.microsoft.com/office/powerpoint/2010/main" val="1347847371"/>
+        <p14:creationId xmlns:p14="http://schemas.microsoft.com/office/powerpoint/2010/main" val="2661681996"/>
       </p:ext>
     </p:extLst>
   </p:cSld>
   <p:clrMapOvr>
     <a:masterClrMapping/>
   </p:clrMapOvr>
-  <p:timing>
-    <p:tnLst>
-      <p:par>
-        <p:cTn id="1" dur="indefinite" restart="never" nodeType="tmRoot"/>
-      </p:par>
-    </p:tnLst>
-  </p:timing>
 </p:sld>
 </file>
 

--- a/AI_2_Presentation.pptx
+++ b/AI_2_Presentation.pptx
@@ -263,11 +263,11 @@
           <c:showBubbleSize val="0"/>
         </c:dLbls>
         <c:smooth val="0"/>
-        <c:axId val="407886624"/>
-        <c:axId val="345130832"/>
+        <c:axId val="154497424"/>
+        <c:axId val="154497984"/>
       </c:lineChart>
       <c:catAx>
-        <c:axId val="407886624"/>
+        <c:axId val="154497424"/>
         <c:scaling>
           <c:orientation val="minMax"/>
         </c:scaling>
@@ -310,7 +310,7 @@
             <a:endParaRPr lang="en-US"/>
           </a:p>
         </c:txPr>
-        <c:crossAx val="345130832"/>
+        <c:crossAx val="154497984"/>
         <c:crosses val="autoZero"/>
         <c:auto val="1"/>
         <c:lblAlgn val="ctr"/>
@@ -318,7 +318,7 @@
         <c:noMultiLvlLbl val="0"/>
       </c:catAx>
       <c:valAx>
-        <c:axId val="345130832"/>
+        <c:axId val="154497984"/>
         <c:scaling>
           <c:orientation val="minMax"/>
         </c:scaling>
@@ -369,7 +369,7 @@
             <a:endParaRPr lang="en-US"/>
           </a:p>
         </c:txPr>
-        <c:crossAx val="407886624"/>
+        <c:crossAx val="154497424"/>
         <c:crosses val="autoZero"/>
         <c:crossBetween val="between"/>
       </c:valAx>
@@ -576,11 +576,11 @@
           <c:showBubbleSize val="0"/>
         </c:dLbls>
         <c:smooth val="0"/>
-        <c:axId val="408799416"/>
-        <c:axId val="408796672"/>
+        <c:axId val="154608512"/>
+        <c:axId val="240726480"/>
       </c:lineChart>
       <c:catAx>
-        <c:axId val="408799416"/>
+        <c:axId val="154608512"/>
         <c:scaling>
           <c:orientation val="minMax"/>
         </c:scaling>
@@ -623,7 +623,7 @@
             <a:endParaRPr lang="en-US"/>
           </a:p>
         </c:txPr>
-        <c:crossAx val="408796672"/>
+        <c:crossAx val="240726480"/>
         <c:crosses val="autoZero"/>
         <c:auto val="1"/>
         <c:lblAlgn val="ctr"/>
@@ -631,7 +631,7 @@
         <c:noMultiLvlLbl val="0"/>
       </c:catAx>
       <c:valAx>
-        <c:axId val="408796672"/>
+        <c:axId val="240726480"/>
         <c:scaling>
           <c:orientation val="minMax"/>
         </c:scaling>
@@ -682,7 +682,7 @@
             <a:endParaRPr lang="en-US"/>
           </a:p>
         </c:txPr>
-        <c:crossAx val="408799416"/>
+        <c:crossAx val="154608512"/>
         <c:crosses val="autoZero"/>
         <c:crossBetween val="between"/>
       </c:valAx>
@@ -1081,11 +1081,11 @@
           <c:showBubbleSize val="0"/>
         </c:dLbls>
         <c:smooth val="0"/>
-        <c:axId val="408793144"/>
-        <c:axId val="408797456"/>
+        <c:axId val="157647632"/>
+        <c:axId val="157648192"/>
       </c:lineChart>
       <c:catAx>
-        <c:axId val="408793144"/>
+        <c:axId val="157647632"/>
         <c:scaling>
           <c:orientation val="minMax"/>
         </c:scaling>
@@ -1128,7 +1128,7 @@
             <a:endParaRPr lang="en-US"/>
           </a:p>
         </c:txPr>
-        <c:crossAx val="408797456"/>
+        <c:crossAx val="157648192"/>
         <c:crosses val="autoZero"/>
         <c:auto val="1"/>
         <c:lblAlgn val="ctr"/>
@@ -1136,7 +1136,7 @@
         <c:noMultiLvlLbl val="0"/>
       </c:catAx>
       <c:valAx>
-        <c:axId val="408797456"/>
+        <c:axId val="157648192"/>
         <c:scaling>
           <c:orientation val="minMax"/>
         </c:scaling>
@@ -1187,7 +1187,7 @@
             <a:endParaRPr lang="en-US"/>
           </a:p>
         </c:txPr>
-        <c:crossAx val="408793144"/>
+        <c:crossAx val="157647632"/>
         <c:crosses val="autoZero"/>
         <c:crossBetween val="between"/>
       </c:valAx>
@@ -7274,7 +7274,11 @@
             </a:pPr>
             <a:r>
               <a:rPr lang="en-US" dirty="0" smtClean="0"/>
-              <a:t>Ex: 100 “words” of a “skid” mean less in a 300ms segment than it does a 50ms segment. </a:t>
+              <a:t>Ex: </a:t>
+            </a:r>
+            <a:r>
+              <a:rPr lang="en-US" dirty="0" smtClean="0"/>
+              <a:t>100 “words” of a “skid” mean less when the words are 300ms segments as opposed to 50ms segments. </a:t>
             </a:r>
             <a:endParaRPr lang="en-US" dirty="0"/>
           </a:p>
@@ -7649,11 +7653,7 @@
             </a:r>
             <a:r>
               <a:rPr lang="en-US" sz="1400" dirty="0" smtClean="0"/>
-              <a:t> clusters in the source </a:t>
-            </a:r>
-            <a:r>
-              <a:rPr lang="en-US" sz="1400" dirty="0" smtClean="0"/>
-              <a:t>paper. The red line is 0dB loss. </a:t>
+              <a:t> clusters in the source paper. The red line is 0dB loss. </a:t>
             </a:r>
             <a:endParaRPr lang="en-US" sz="1400" dirty="0"/>
           </a:p>
@@ -7812,7 +7812,6 @@
               <a:rPr lang="en-US" dirty="0"/>
               <a:t>1, 279-288.</a:t>
             </a:r>
-            <a:endParaRPr lang="en-US" dirty="0"/>
           </a:p>
         </p:txBody>
       </p:sp>
@@ -8226,7 +8225,7 @@
               </p:nextCondLst>
             </p:seq>
             <p:audio>
-              <p:cMediaNode vol="80000">
+              <p:cMediaNode vol="31707">
                 <p:cTn id="7" fill="hold" display="0">
                   <p:stCondLst>
                     <p:cond delay="indefinite"/>
@@ -8340,8 +8339,23 @@
             </a:pPr>
             <a:r>
               <a:rPr lang="en-US" dirty="0" smtClean="0"/>
-              <a:t>Cut each clip into frames</a:t>
-            </a:r>
+              <a:t>Cut each clip into </a:t>
+            </a:r>
+            <a:r>
+              <a:rPr lang="en-US" dirty="0" smtClean="0"/>
+              <a:t>frames</a:t>
+            </a:r>
+          </a:p>
+          <a:p>
+            <a:pPr lvl="1">
+              <a:buFont typeface="Arial" panose="020B0604020202020204" pitchFamily="34" charset="0"/>
+              <a:buChar char="•"/>
+            </a:pPr>
+            <a:r>
+              <a:rPr lang="en-US" dirty="0" smtClean="0"/>
+              <a:t>Example clip of crash on the right</a:t>
+            </a:r>
+            <a:endParaRPr lang="en-US" dirty="0" smtClean="0"/>
           </a:p>
           <a:p>
             <a:pPr>
@@ -8381,6 +8395,10 @@
           <a:bodyPr/>
           <a:lstStyle/>
           <a:p>
+            <a:r>
+              <a:rPr lang="en-US" dirty="0" smtClean="0"/>
+              <a:t>Graph of crash audio</a:t>
+            </a:r>
             <a:endParaRPr lang="en-US" dirty="0"/>
           </a:p>
         </p:txBody>
@@ -8400,7 +8418,7 @@
           <a:bodyPr/>
           <a:lstStyle/>
           <a:p>
-            <a:endParaRPr lang="en-US"/>
+            <a:endParaRPr lang="en-US" dirty="0"/>
           </a:p>
         </p:txBody>
       </p:sp>

--- a/AI_2_Presentation.pptx
+++ b/AI_2_Presentation.pptx
@@ -142,7 +142,6 @@
   </mc:AlternateContent>
   <c:chart>
     <c:title>
-      <c:layout/>
       <c:overlay val="0"/>
       <c:spPr>
         <a:noFill/>
@@ -263,11 +262,11 @@
           <c:showBubbleSize val="0"/>
         </c:dLbls>
         <c:smooth val="0"/>
-        <c:axId val="154497424"/>
-        <c:axId val="154497984"/>
+        <c:axId val="182881008"/>
+        <c:axId val="182881568"/>
       </c:lineChart>
       <c:catAx>
-        <c:axId val="154497424"/>
+        <c:axId val="182881008"/>
         <c:scaling>
           <c:orientation val="minMax"/>
         </c:scaling>
@@ -310,7 +309,7 @@
             <a:endParaRPr lang="en-US"/>
           </a:p>
         </c:txPr>
-        <c:crossAx val="154497984"/>
+        <c:crossAx val="182881568"/>
         <c:crosses val="autoZero"/>
         <c:auto val="1"/>
         <c:lblAlgn val="ctr"/>
@@ -318,7 +317,7 @@
         <c:noMultiLvlLbl val="0"/>
       </c:catAx>
       <c:valAx>
-        <c:axId val="154497984"/>
+        <c:axId val="182881568"/>
         <c:scaling>
           <c:orientation val="minMax"/>
         </c:scaling>
@@ -369,7 +368,7 @@
             <a:endParaRPr lang="en-US"/>
           </a:p>
         </c:txPr>
-        <c:crossAx val="154497424"/>
+        <c:crossAx val="182881008"/>
         <c:crosses val="autoZero"/>
         <c:crossBetween val="between"/>
       </c:valAx>
@@ -383,7 +382,6 @@
     </c:plotArea>
     <c:legend>
       <c:legendPos val="b"/>
-      <c:layout/>
       <c:overlay val="0"/>
       <c:spPr>
         <a:noFill/>
@@ -455,7 +453,6 @@
   </mc:AlternateContent>
   <c:chart>
     <c:title>
-      <c:layout/>
       <c:overlay val="0"/>
       <c:spPr>
         <a:noFill/>
@@ -576,11 +573,11 @@
           <c:showBubbleSize val="0"/>
         </c:dLbls>
         <c:smooth val="0"/>
-        <c:axId val="154608512"/>
-        <c:axId val="240726480"/>
+        <c:axId val="182882688"/>
+        <c:axId val="182883248"/>
       </c:lineChart>
       <c:catAx>
-        <c:axId val="154608512"/>
+        <c:axId val="182882688"/>
         <c:scaling>
           <c:orientation val="minMax"/>
         </c:scaling>
@@ -623,7 +620,7 @@
             <a:endParaRPr lang="en-US"/>
           </a:p>
         </c:txPr>
-        <c:crossAx val="240726480"/>
+        <c:crossAx val="182883248"/>
         <c:crosses val="autoZero"/>
         <c:auto val="1"/>
         <c:lblAlgn val="ctr"/>
@@ -631,7 +628,7 @@
         <c:noMultiLvlLbl val="0"/>
       </c:catAx>
       <c:valAx>
-        <c:axId val="240726480"/>
+        <c:axId val="182883248"/>
         <c:scaling>
           <c:orientation val="minMax"/>
         </c:scaling>
@@ -682,7 +679,7 @@
             <a:endParaRPr lang="en-US"/>
           </a:p>
         </c:txPr>
-        <c:crossAx val="154608512"/>
+        <c:crossAx val="182882688"/>
         <c:crosses val="autoZero"/>
         <c:crossBetween val="between"/>
       </c:valAx>
@@ -696,7 +693,6 @@
     </c:plotArea>
     <c:legend>
       <c:legendPos val="b"/>
-      <c:layout/>
       <c:overlay val="0"/>
       <c:spPr>
         <a:noFill/>
@@ -798,7 +794,6 @@
           </a:p>
         </c:rich>
       </c:tx>
-      <c:layout/>
       <c:overlay val="0"/>
       <c:spPr>
         <a:noFill/>
@@ -1081,11 +1076,11 @@
           <c:showBubbleSize val="0"/>
         </c:dLbls>
         <c:smooth val="0"/>
-        <c:axId val="157647632"/>
-        <c:axId val="157648192"/>
+        <c:axId val="179016256"/>
+        <c:axId val="179016816"/>
       </c:lineChart>
       <c:catAx>
-        <c:axId val="157647632"/>
+        <c:axId val="179016256"/>
         <c:scaling>
           <c:orientation val="minMax"/>
         </c:scaling>
@@ -1128,7 +1123,7 @@
             <a:endParaRPr lang="en-US"/>
           </a:p>
         </c:txPr>
-        <c:crossAx val="157648192"/>
+        <c:crossAx val="179016816"/>
         <c:crosses val="autoZero"/>
         <c:auto val="1"/>
         <c:lblAlgn val="ctr"/>
@@ -1136,7 +1131,7 @@
         <c:noMultiLvlLbl val="0"/>
       </c:catAx>
       <c:valAx>
-        <c:axId val="157648192"/>
+        <c:axId val="179016816"/>
         <c:scaling>
           <c:orientation val="minMax"/>
         </c:scaling>
@@ -1187,7 +1182,7 @@
             <a:endParaRPr lang="en-US"/>
           </a:p>
         </c:txPr>
-        <c:crossAx val="157647632"/>
+        <c:crossAx val="179016256"/>
         <c:crosses val="autoZero"/>
         <c:crossBetween val="between"/>
       </c:valAx>
@@ -1201,7 +1196,6 @@
     </c:plotArea>
     <c:legend>
       <c:legendPos val="b"/>
-      <c:layout/>
       <c:overlay val="0"/>
       <c:spPr>
         <a:noFill/>
@@ -7274,11 +7268,7 @@
             </a:pPr>
             <a:r>
               <a:rPr lang="en-US" dirty="0" smtClean="0"/>
-              <a:t>Ex: </a:t>
-            </a:r>
-            <a:r>
-              <a:rPr lang="en-US" dirty="0" smtClean="0"/>
-              <a:t>100 “words” of a “skid” mean less when the words are 300ms segments as opposed to 50ms segments. </a:t>
+              <a:t>Ex: 100 “words” of a “skid” mean less when the words are 300ms segments as opposed to 50ms segments. </a:t>
             </a:r>
             <a:endParaRPr lang="en-US" dirty="0"/>
           </a:p>
@@ -8113,8 +8103,16 @@
           <a:lstStyle/>
           <a:p>
             <a:r>
-              <a:rPr lang="en-US" dirty="0" smtClean="0"/>
-              <a:t>Example clip</a:t>
+              <a:rPr lang="en-US" smtClean="0"/>
+              <a:t>Example </a:t>
+            </a:r>
+            <a:r>
+              <a:rPr lang="en-US" smtClean="0"/>
+              <a:t>Audio </a:t>
+            </a:r>
+            <a:r>
+              <a:rPr lang="en-US" smtClean="0"/>
+              <a:t>clip</a:t>
             </a:r>
             <a:endParaRPr lang="en-US" dirty="0"/>
           </a:p>
@@ -8339,11 +8337,7 @@
             </a:pPr>
             <a:r>
               <a:rPr lang="en-US" dirty="0" smtClean="0"/>
-              <a:t>Cut each clip into </a:t>
-            </a:r>
-            <a:r>
-              <a:rPr lang="en-US" dirty="0" smtClean="0"/>
-              <a:t>frames</a:t>
+              <a:t>Cut each clip into frames</a:t>
             </a:r>
           </a:p>
           <a:p>
@@ -8355,7 +8349,6 @@
               <a:rPr lang="en-US" dirty="0" smtClean="0"/>
               <a:t>Example clip of crash on the right</a:t>
             </a:r>
-            <a:endParaRPr lang="en-US" dirty="0" smtClean="0"/>
           </a:p>
           <a:p>
             <a:pPr>
@@ -8403,25 +8396,35 @@
           </a:p>
         </p:txBody>
       </p:sp>
-      <p:sp>
-        <p:nvSpPr>
-          <p:cNvPr id="6" name="Content Placeholder 5"/>
-          <p:cNvSpPr>
-            <a:spLocks noGrp="1"/>
-          </p:cNvSpPr>
+      <p:pic>
+        <p:nvPicPr>
+          <p:cNvPr id="7" name="Content Placeholder 6"/>
+          <p:cNvPicPr>
+            <a:picLocks noGrp="1" noChangeAspect="1"/>
+          </p:cNvPicPr>
           <p:nvPr>
             <p:ph sz="quarter" idx="4"/>
           </p:nvPr>
-        </p:nvSpPr>
-        <p:spPr/>
-        <p:txBody>
-          <a:bodyPr/>
-          <a:lstStyle/>
-          <a:p>
-            <a:endParaRPr lang="en-US" dirty="0"/>
-          </a:p>
-        </p:txBody>
-      </p:sp>
+        </p:nvPicPr>
+        <p:blipFill>
+          <a:blip r:embed="rId2">
+            <a:extLst>
+              <a:ext uri="{28A0092B-C50C-407E-A947-70E740481C1C}">
+                <a14:useLocalDpi xmlns:a14="http://schemas.microsoft.com/office/drawing/2010/main" val="0"/>
+              </a:ext>
+            </a:extLst>
+          </a:blip>
+          <a:stretch>
+            <a:fillRect/>
+          </a:stretch>
+        </p:blipFill>
+        <p:spPr>
+          <a:xfrm>
+            <a:off x="6218238" y="2691026"/>
+            <a:ext cx="4937125" cy="2568361"/>
+          </a:xfrm>
+        </p:spPr>
+      </p:pic>
     </p:spTree>
     <p:extLst>
       <p:ext uri="{BB962C8B-B14F-4D97-AF65-F5344CB8AC3E}">

--- a/AI_2_Presentation.pptx
+++ b/AI_2_Presentation.pptx
@@ -262,11 +262,11 @@
           <c:showBubbleSize val="0"/>
         </c:dLbls>
         <c:smooth val="0"/>
-        <c:axId val="182881008"/>
-        <c:axId val="182881568"/>
+        <c:axId val="150171616"/>
+        <c:axId val="150878176"/>
       </c:lineChart>
       <c:catAx>
-        <c:axId val="182881008"/>
+        <c:axId val="150171616"/>
         <c:scaling>
           <c:orientation val="minMax"/>
         </c:scaling>
@@ -309,7 +309,7 @@
             <a:endParaRPr lang="en-US"/>
           </a:p>
         </c:txPr>
-        <c:crossAx val="182881568"/>
+        <c:crossAx val="150878176"/>
         <c:crosses val="autoZero"/>
         <c:auto val="1"/>
         <c:lblAlgn val="ctr"/>
@@ -317,7 +317,7 @@
         <c:noMultiLvlLbl val="0"/>
       </c:catAx>
       <c:valAx>
-        <c:axId val="182881568"/>
+        <c:axId val="150878176"/>
         <c:scaling>
           <c:orientation val="minMax"/>
         </c:scaling>
@@ -368,7 +368,7 @@
             <a:endParaRPr lang="en-US"/>
           </a:p>
         </c:txPr>
-        <c:crossAx val="182881008"/>
+        <c:crossAx val="150171616"/>
         <c:crosses val="autoZero"/>
         <c:crossBetween val="between"/>
       </c:valAx>
@@ -573,11 +573,11 @@
           <c:showBubbleSize val="0"/>
         </c:dLbls>
         <c:smooth val="0"/>
-        <c:axId val="182882688"/>
-        <c:axId val="182883248"/>
+        <c:axId val="150880416"/>
+        <c:axId val="150880976"/>
       </c:lineChart>
       <c:catAx>
-        <c:axId val="182882688"/>
+        <c:axId val="150880416"/>
         <c:scaling>
           <c:orientation val="minMax"/>
         </c:scaling>
@@ -620,7 +620,7 @@
             <a:endParaRPr lang="en-US"/>
           </a:p>
         </c:txPr>
-        <c:crossAx val="182883248"/>
+        <c:crossAx val="150880976"/>
         <c:crosses val="autoZero"/>
         <c:auto val="1"/>
         <c:lblAlgn val="ctr"/>
@@ -628,7 +628,7 @@
         <c:noMultiLvlLbl val="0"/>
       </c:catAx>
       <c:valAx>
-        <c:axId val="182883248"/>
+        <c:axId val="150880976"/>
         <c:scaling>
           <c:orientation val="minMax"/>
         </c:scaling>
@@ -679,7 +679,7 @@
             <a:endParaRPr lang="en-US"/>
           </a:p>
         </c:txPr>
-        <c:crossAx val="182882688"/>
+        <c:crossAx val="150880416"/>
         <c:crosses val="autoZero"/>
         <c:crossBetween val="between"/>
       </c:valAx>
@@ -1076,11 +1076,11 @@
           <c:showBubbleSize val="0"/>
         </c:dLbls>
         <c:smooth val="0"/>
-        <c:axId val="179016256"/>
-        <c:axId val="179016816"/>
+        <c:axId val="148624400"/>
+        <c:axId val="148624960"/>
       </c:lineChart>
       <c:catAx>
-        <c:axId val="179016256"/>
+        <c:axId val="148624400"/>
         <c:scaling>
           <c:orientation val="minMax"/>
         </c:scaling>
@@ -1123,7 +1123,7 @@
             <a:endParaRPr lang="en-US"/>
           </a:p>
         </c:txPr>
-        <c:crossAx val="179016816"/>
+        <c:crossAx val="148624960"/>
         <c:crosses val="autoZero"/>
         <c:auto val="1"/>
         <c:lblAlgn val="ctr"/>
@@ -1131,7 +1131,7 @@
         <c:noMultiLvlLbl val="0"/>
       </c:catAx>
       <c:valAx>
-        <c:axId val="179016816"/>
+        <c:axId val="148624960"/>
         <c:scaling>
           <c:orientation val="minMax"/>
         </c:scaling>
@@ -1182,7 +1182,7 @@
             <a:endParaRPr lang="en-US"/>
           </a:p>
         </c:txPr>
-        <c:crossAx val="179016256"/>
+        <c:crossAx val="148624400"/>
         <c:crosses val="autoZero"/>
         <c:crossBetween val="between"/>
       </c:valAx>
@@ -7934,22 +7934,17 @@
             </a:pPr>
             <a:r>
               <a:rPr lang="en-US" dirty="0" smtClean="0"/>
-              <a:t> Audio sampled at 32 kHz and saved as .wav files</a:t>
-            </a:r>
-          </a:p>
-          <a:p>
-            <a:pPr>
-              <a:lnSpc>
-                <a:spcPct val="150000"/>
-              </a:lnSpc>
-              <a:buFont typeface="Wingdings" panose="05000000000000000000" pitchFamily="2" charset="2"/>
-              <a:buChar char="§"/>
-            </a:pPr>
-            <a:r>
-              <a:rPr lang="en-US" dirty="0" smtClean="0"/>
-              <a:t> Data pre-divided into four completely independent folds</a:t>
-            </a:r>
-            <a:endParaRPr lang="en-US" dirty="0"/>
+              <a:t> Audio sampled at 32 kHz and saved as .</a:t>
+            </a:r>
+            <a:r>
+              <a:rPr lang="en-US" smtClean="0"/>
+              <a:t>wav </a:t>
+            </a:r>
+            <a:r>
+              <a:rPr lang="en-US" smtClean="0"/>
+              <a:t>files</a:t>
+            </a:r>
+            <a:endParaRPr lang="en-US" dirty="0" smtClean="0"/>
           </a:p>
         </p:txBody>
       </p:sp>
@@ -8104,15 +8099,7 @@
           <a:p>
             <a:r>
               <a:rPr lang="en-US" smtClean="0"/>
-              <a:t>Example </a:t>
-            </a:r>
-            <a:r>
-              <a:rPr lang="en-US" smtClean="0"/>
-              <a:t>Audio </a:t>
-            </a:r>
-            <a:r>
-              <a:rPr lang="en-US" smtClean="0"/>
-              <a:t>clip</a:t>
+              <a:t>Example Audio clip</a:t>
             </a:r>
             <a:endParaRPr lang="en-US" dirty="0"/>
           </a:p>

--- a/AI_2_Presentation.pptx
+++ b/AI_2_Presentation.pptx
@@ -5,7 +5,7 @@
     <p:sldMasterId id="2147483660" r:id="rId1"/>
   </p:sldMasterIdLst>
   <p:notesMasterIdLst>
-    <p:notesMasterId r:id="rId15"/>
+    <p:notesMasterId r:id="rId14"/>
   </p:notesMasterIdLst>
   <p:sldIdLst>
     <p:sldId id="256" r:id="rId2"/>
@@ -15,12 +15,11 @@
     <p:sldId id="261" r:id="rId6"/>
     <p:sldId id="262" r:id="rId7"/>
     <p:sldId id="263" r:id="rId8"/>
-    <p:sldId id="264" r:id="rId9"/>
-    <p:sldId id="268" r:id="rId10"/>
-    <p:sldId id="265" r:id="rId11"/>
-    <p:sldId id="266" r:id="rId12"/>
-    <p:sldId id="267" r:id="rId13"/>
-    <p:sldId id="269" r:id="rId14"/>
+    <p:sldId id="268" r:id="rId9"/>
+    <p:sldId id="265" r:id="rId10"/>
+    <p:sldId id="266" r:id="rId11"/>
+    <p:sldId id="267" r:id="rId12"/>
+    <p:sldId id="269" r:id="rId13"/>
   </p:sldIdLst>
   <p:sldSz cx="12192000" cy="6858000"/>
   <p:notesSz cx="6858000" cy="9144000"/>
@@ -142,6 +141,7 @@
   </mc:AlternateContent>
   <c:chart>
     <c:title>
+      <c:layout/>
       <c:overlay val="0"/>
       <c:spPr>
         <a:noFill/>
@@ -262,11 +262,11 @@
           <c:showBubbleSize val="0"/>
         </c:dLbls>
         <c:smooth val="0"/>
-        <c:axId val="150171616"/>
-        <c:axId val="150878176"/>
+        <c:axId val="332079544"/>
+        <c:axId val="332072096"/>
       </c:lineChart>
       <c:catAx>
-        <c:axId val="150171616"/>
+        <c:axId val="332079544"/>
         <c:scaling>
           <c:orientation val="minMax"/>
         </c:scaling>
@@ -309,7 +309,7 @@
             <a:endParaRPr lang="en-US"/>
           </a:p>
         </c:txPr>
-        <c:crossAx val="150878176"/>
+        <c:crossAx val="332072096"/>
         <c:crosses val="autoZero"/>
         <c:auto val="1"/>
         <c:lblAlgn val="ctr"/>
@@ -317,7 +317,7 @@
         <c:noMultiLvlLbl val="0"/>
       </c:catAx>
       <c:valAx>
-        <c:axId val="150878176"/>
+        <c:axId val="332072096"/>
         <c:scaling>
           <c:orientation val="minMax"/>
         </c:scaling>
@@ -368,7 +368,7 @@
             <a:endParaRPr lang="en-US"/>
           </a:p>
         </c:txPr>
-        <c:crossAx val="150171616"/>
+        <c:crossAx val="332079544"/>
         <c:crosses val="autoZero"/>
         <c:crossBetween val="between"/>
       </c:valAx>
@@ -382,6 +382,7 @@
     </c:plotArea>
     <c:legend>
       <c:legendPos val="b"/>
+      <c:layout/>
       <c:overlay val="0"/>
       <c:spPr>
         <a:noFill/>
@@ -453,6 +454,7 @@
   </mc:AlternateContent>
   <c:chart>
     <c:title>
+      <c:layout/>
       <c:overlay val="0"/>
       <c:spPr>
         <a:noFill/>
@@ -573,11 +575,11 @@
           <c:showBubbleSize val="0"/>
         </c:dLbls>
         <c:smooth val="0"/>
-        <c:axId val="150880416"/>
-        <c:axId val="150880976"/>
+        <c:axId val="332077976"/>
+        <c:axId val="332076408"/>
       </c:lineChart>
       <c:catAx>
-        <c:axId val="150880416"/>
+        <c:axId val="332077976"/>
         <c:scaling>
           <c:orientation val="minMax"/>
         </c:scaling>
@@ -620,7 +622,7 @@
             <a:endParaRPr lang="en-US"/>
           </a:p>
         </c:txPr>
-        <c:crossAx val="150880976"/>
+        <c:crossAx val="332076408"/>
         <c:crosses val="autoZero"/>
         <c:auto val="1"/>
         <c:lblAlgn val="ctr"/>
@@ -628,7 +630,7 @@
         <c:noMultiLvlLbl val="0"/>
       </c:catAx>
       <c:valAx>
-        <c:axId val="150880976"/>
+        <c:axId val="332076408"/>
         <c:scaling>
           <c:orientation val="minMax"/>
         </c:scaling>
@@ -679,7 +681,7 @@
             <a:endParaRPr lang="en-US"/>
           </a:p>
         </c:txPr>
-        <c:crossAx val="150880416"/>
+        <c:crossAx val="332077976"/>
         <c:crosses val="autoZero"/>
         <c:crossBetween val="between"/>
       </c:valAx>
@@ -693,6 +695,7 @@
     </c:plotArea>
     <c:legend>
       <c:legendPos val="b"/>
+      <c:layout/>
       <c:overlay val="0"/>
       <c:spPr>
         <a:noFill/>
@@ -794,6 +797,7 @@
           </a:p>
         </c:rich>
       </c:tx>
+      <c:layout/>
       <c:overlay val="0"/>
       <c:spPr>
         <a:noFill/>
@@ -1076,11 +1080,11 @@
           <c:showBubbleSize val="0"/>
         </c:dLbls>
         <c:smooth val="0"/>
-        <c:axId val="148624400"/>
-        <c:axId val="148624960"/>
+        <c:axId val="332073272"/>
+        <c:axId val="332075624"/>
       </c:lineChart>
       <c:catAx>
-        <c:axId val="148624400"/>
+        <c:axId val="332073272"/>
         <c:scaling>
           <c:orientation val="minMax"/>
         </c:scaling>
@@ -1123,7 +1127,7 @@
             <a:endParaRPr lang="en-US"/>
           </a:p>
         </c:txPr>
-        <c:crossAx val="148624960"/>
+        <c:crossAx val="332075624"/>
         <c:crosses val="autoZero"/>
         <c:auto val="1"/>
         <c:lblAlgn val="ctr"/>
@@ -1131,7 +1135,7 @@
         <c:noMultiLvlLbl val="0"/>
       </c:catAx>
       <c:valAx>
-        <c:axId val="148624960"/>
+        <c:axId val="332075624"/>
         <c:scaling>
           <c:orientation val="minMax"/>
         </c:scaling>
@@ -1182,7 +1186,7 @@
             <a:endParaRPr lang="en-US"/>
           </a:p>
         </c:txPr>
-        <c:crossAx val="148624400"/>
+        <c:crossAx val="332073272"/>
         <c:crosses val="autoZero"/>
         <c:crossBetween val="between"/>
       </c:valAx>
@@ -1196,6 +1200,7 @@
     </c:plotArea>
     <c:legend>
       <c:legendPos val="b"/>
+      <c:layout/>
       <c:overlay val="0"/>
       <c:spPr>
         <a:noFill/>
@@ -3002,7 +3007,7 @@
           <a:p>
             <a:fld id="{B77760E8-B888-4325-827E-E7BC03E45511}" type="datetimeFigureOut">
               <a:rPr lang="en-US" smtClean="0"/>
-              <a:t>11/13/2018</a:t>
+              <a:t>11/14/2018</a:t>
             </a:fld>
             <a:endParaRPr lang="en-US"/>
           </a:p>
@@ -3584,7 +3589,7 @@
           <a:p>
             <a:fld id="{85958604-98FD-4109-8456-7D26F413644A}" type="datetimeFigureOut">
               <a:rPr lang="en-US" smtClean="0"/>
-              <a:t>11/13/2018</a:t>
+              <a:t>11/14/2018</a:t>
             </a:fld>
             <a:endParaRPr lang="en-US"/>
           </a:p>
@@ -3792,7 +3797,7 @@
           <a:p>
             <a:fld id="{85958604-98FD-4109-8456-7D26F413644A}" type="datetimeFigureOut">
               <a:rPr lang="en-US" smtClean="0"/>
-              <a:t>11/13/2018</a:t>
+              <a:t>11/14/2018</a:t>
             </a:fld>
             <a:endParaRPr lang="en-US"/>
           </a:p>
@@ -4048,7 +4053,7 @@
           <a:p>
             <a:fld id="{85958604-98FD-4109-8456-7D26F413644A}" type="datetimeFigureOut">
               <a:rPr lang="en-US" smtClean="0"/>
-              <a:t>11/13/2018</a:t>
+              <a:t>11/14/2018</a:t>
             </a:fld>
             <a:endParaRPr lang="en-US"/>
           </a:p>
@@ -4222,7 +4227,7 @@
           <a:p>
             <a:fld id="{85958604-98FD-4109-8456-7D26F413644A}" type="datetimeFigureOut">
               <a:rPr lang="en-US" smtClean="0"/>
-              <a:t>11/13/2018</a:t>
+              <a:t>11/14/2018</a:t>
             </a:fld>
             <a:endParaRPr lang="en-US"/>
           </a:p>
@@ -4565,7 +4570,7 @@
           <a:p>
             <a:fld id="{85958604-98FD-4109-8456-7D26F413644A}" type="datetimeFigureOut">
               <a:rPr lang="en-US" smtClean="0"/>
-              <a:t>11/13/2018</a:t>
+              <a:t>11/14/2018</a:t>
             </a:fld>
             <a:endParaRPr lang="en-US"/>
           </a:p>
@@ -4840,7 +4845,7 @@
           <a:p>
             <a:fld id="{85958604-98FD-4109-8456-7D26F413644A}" type="datetimeFigureOut">
               <a:rPr lang="en-US" smtClean="0"/>
-              <a:t>11/13/2018</a:t>
+              <a:t>11/14/2018</a:t>
             </a:fld>
             <a:endParaRPr lang="en-US"/>
           </a:p>
@@ -5219,7 +5224,7 @@
           <a:p>
             <a:fld id="{85958604-98FD-4109-8456-7D26F413644A}" type="datetimeFigureOut">
               <a:rPr lang="en-US" smtClean="0"/>
-              <a:t>11/13/2018</a:t>
+              <a:t>11/14/2018</a:t>
             </a:fld>
             <a:endParaRPr lang="en-US"/>
           </a:p>
@@ -5337,7 +5342,7 @@
           <a:p>
             <a:fld id="{85958604-98FD-4109-8456-7D26F413644A}" type="datetimeFigureOut">
               <a:rPr lang="en-US" smtClean="0"/>
-              <a:t>11/13/2018</a:t>
+              <a:t>11/14/2018</a:t>
             </a:fld>
             <a:endParaRPr lang="en-US"/>
           </a:p>
@@ -5508,7 +5513,7 @@
           <a:p>
             <a:fld id="{85958604-98FD-4109-8456-7D26F413644A}" type="datetimeFigureOut">
               <a:rPr lang="en-US" smtClean="0"/>
-              <a:t>11/13/2018</a:t>
+              <a:t>11/14/2018</a:t>
             </a:fld>
             <a:endParaRPr lang="en-US"/>
           </a:p>
@@ -5862,7 +5867,7 @@
           <a:p>
             <a:fld id="{85958604-98FD-4109-8456-7D26F413644A}" type="datetimeFigureOut">
               <a:rPr lang="en-US" smtClean="0"/>
-              <a:t>11/13/2018</a:t>
+              <a:t>11/14/2018</a:t>
             </a:fld>
             <a:endParaRPr lang="en-US"/>
           </a:p>
@@ -6244,7 +6249,7 @@
           <a:p>
             <a:fld id="{85958604-98FD-4109-8456-7D26F413644A}" type="datetimeFigureOut">
               <a:rPr lang="en-US" smtClean="0"/>
-              <a:t>11/13/2018</a:t>
+              <a:t>11/14/2018</a:t>
             </a:fld>
             <a:endParaRPr lang="en-US"/>
           </a:p>
@@ -6531,7 +6536,7 @@
           <a:p>
             <a:fld id="{85958604-98FD-4109-8456-7D26F413644A}" type="datetimeFigureOut">
               <a:rPr lang="en-US" smtClean="0"/>
-              <a:t>11/13/2018</a:t>
+              <a:t>11/14/2018</a:t>
             </a:fld>
             <a:endParaRPr lang="en-US"/>
           </a:p>
@@ -7163,196 +7168,6 @@
           <a:p>
             <a:r>
               <a:rPr lang="en-US" dirty="0" smtClean="0"/>
-              <a:t>Results</a:t>
-            </a:r>
-            <a:endParaRPr lang="en-US" dirty="0"/>
-          </a:p>
-        </p:txBody>
-      </p:sp>
-      <p:sp>
-        <p:nvSpPr>
-          <p:cNvPr id="3" name="Content Placeholder 2"/>
-          <p:cNvSpPr>
-            <a:spLocks noGrp="1"/>
-          </p:cNvSpPr>
-          <p:nvPr>
-            <p:ph sz="half" idx="1"/>
-          </p:nvPr>
-        </p:nvSpPr>
-        <p:spPr/>
-        <p:txBody>
-          <a:bodyPr/>
-          <a:lstStyle/>
-          <a:p>
-            <a:pPr>
-              <a:lnSpc>
-                <a:spcPct val="100000"/>
-              </a:lnSpc>
-              <a:spcAft>
-                <a:spcPts val="600"/>
-              </a:spcAft>
-              <a:buFont typeface="Wingdings" panose="05000000000000000000" pitchFamily="2" charset="2"/>
-              <a:buChar char="§"/>
-            </a:pPr>
-            <a:r>
-              <a:rPr lang="en-US" dirty="0" smtClean="0"/>
-              <a:t> After running our test set, we plotted the results of 50ms, 100ms, and 300ms chunked clips together. </a:t>
-            </a:r>
-          </a:p>
-          <a:p>
-            <a:pPr>
-              <a:lnSpc>
-                <a:spcPct val="100000"/>
-              </a:lnSpc>
-              <a:spcAft>
-                <a:spcPts val="600"/>
-              </a:spcAft>
-              <a:buFont typeface="Wingdings" panose="05000000000000000000" pitchFamily="2" charset="2"/>
-              <a:buChar char="§"/>
-            </a:pPr>
-            <a:r>
-              <a:rPr lang="en-US" dirty="0"/>
-              <a:t> </a:t>
-            </a:r>
-            <a:r>
-              <a:rPr lang="en-US" dirty="0" smtClean="0"/>
-              <a:t>The 50ms set did the best, followed by 100ms and then 300ms. </a:t>
-            </a:r>
-          </a:p>
-          <a:p>
-            <a:pPr>
-              <a:lnSpc>
-                <a:spcPct val="100000"/>
-              </a:lnSpc>
-              <a:spcAft>
-                <a:spcPts val="600"/>
-              </a:spcAft>
-              <a:buFont typeface="Wingdings" panose="05000000000000000000" pitchFamily="2" charset="2"/>
-              <a:buChar char="§"/>
-            </a:pPr>
-            <a:r>
-              <a:rPr lang="en-US" dirty="0"/>
-              <a:t> </a:t>
-            </a:r>
-            <a:r>
-              <a:rPr lang="en-US" dirty="0" smtClean="0"/>
-              <a:t>These results were to be expected: </a:t>
-            </a:r>
-          </a:p>
-          <a:p>
-            <a:pPr lvl="1">
-              <a:lnSpc>
-                <a:spcPct val="100000"/>
-              </a:lnSpc>
-              <a:spcAft>
-                <a:spcPts val="600"/>
-              </a:spcAft>
-              <a:buFont typeface="Wingdings" panose="05000000000000000000" pitchFamily="2" charset="2"/>
-              <a:buChar char="§"/>
-            </a:pPr>
-            <a:r>
-              <a:rPr lang="en-US" dirty="0" smtClean="0"/>
-              <a:t>Smaller chunked segments give a more accurate reading of clustering of “words”. </a:t>
-            </a:r>
-          </a:p>
-          <a:p>
-            <a:pPr lvl="1">
-              <a:lnSpc>
-                <a:spcPct val="100000"/>
-              </a:lnSpc>
-              <a:spcAft>
-                <a:spcPts val="600"/>
-              </a:spcAft>
-              <a:buFont typeface="Wingdings" panose="05000000000000000000" pitchFamily="2" charset="2"/>
-              <a:buChar char="§"/>
-            </a:pPr>
-            <a:r>
-              <a:rPr lang="en-US" dirty="0" smtClean="0"/>
-              <a:t>Ex: 100 “words” of a “skid” mean less when the words are 300ms segments as opposed to 50ms segments. </a:t>
-            </a:r>
-            <a:endParaRPr lang="en-US" dirty="0"/>
-          </a:p>
-        </p:txBody>
-      </p:sp>
-      <p:graphicFrame>
-        <p:nvGraphicFramePr>
-          <p:cNvPr id="5" name="Content Placeholder 4"/>
-          <p:cNvGraphicFramePr>
-            <a:graphicFrameLocks noGrp="1"/>
-          </p:cNvGraphicFramePr>
-          <p:nvPr>
-            <p:ph sz="half" idx="2"/>
-            <p:extLst>
-              <p:ext uri="{D42A27DB-BD31-4B8C-83A1-F6EECF244321}">
-                <p14:modId xmlns:p14="http://schemas.microsoft.com/office/powerpoint/2010/main" val="2341005674"/>
-              </p:ext>
-            </p:extLst>
-          </p:nvPr>
-        </p:nvGraphicFramePr>
-        <p:xfrm>
-          <a:off x="6291072" y="1956817"/>
-          <a:ext cx="5321491" cy="4232212"/>
-        </p:xfrm>
-        <a:graphic>
-          <a:graphicData uri="http://schemas.openxmlformats.org/drawingml/2006/chart">
-            <c:chart xmlns:c="http://schemas.openxmlformats.org/drawingml/2006/chart" xmlns:r="http://schemas.openxmlformats.org/officeDocument/2006/relationships" r:id="rId2"/>
-          </a:graphicData>
-        </a:graphic>
-      </p:graphicFrame>
-    </p:spTree>
-    <p:extLst>
-      <p:ext uri="{BB962C8B-B14F-4D97-AF65-F5344CB8AC3E}">
-        <p14:creationId xmlns:p14="http://schemas.microsoft.com/office/powerpoint/2010/main" val="1059128432"/>
-      </p:ext>
-    </p:extLst>
-  </p:cSld>
-  <p:clrMapOvr>
-    <a:masterClrMapping/>
-  </p:clrMapOvr>
-  <p:timing>
-    <p:tnLst>
-      <p:par>
-        <p:cTn id="1" dur="indefinite" restart="never" nodeType="tmRoot"/>
-      </p:par>
-    </p:tnLst>
-  </p:timing>
-</p:sld>
-</file>
-
-<file path=ppt/slides/slide11.xml><?xml version="1.0" encoding="utf-8"?>
-<p:sld xmlns:a="http://schemas.openxmlformats.org/drawingml/2006/main" xmlns:r="http://schemas.openxmlformats.org/officeDocument/2006/relationships" xmlns:p="http://schemas.openxmlformats.org/presentationml/2006/main">
-  <p:cSld>
-    <p:spTree>
-      <p:nvGrpSpPr>
-        <p:cNvPr id="1" name=""/>
-        <p:cNvGrpSpPr/>
-        <p:nvPr/>
-      </p:nvGrpSpPr>
-      <p:grpSpPr>
-        <a:xfrm>
-          <a:off x="0" y="0"/>
-          <a:ext cx="0" cy="0"/>
-          <a:chOff x="0" y="0"/>
-          <a:chExt cx="0" cy="0"/>
-        </a:xfrm>
-      </p:grpSpPr>
-      <p:sp>
-        <p:nvSpPr>
-          <p:cNvPr id="2" name="Title 1"/>
-          <p:cNvSpPr>
-            <a:spLocks noGrp="1"/>
-          </p:cNvSpPr>
-          <p:nvPr>
-            <p:ph type="title"/>
-          </p:nvPr>
-        </p:nvSpPr>
-        <p:spPr/>
-        <p:txBody>
-          <a:bodyPr/>
-          <a:lstStyle/>
-          <a:p>
-            <a:r>
-              <a:rPr lang="en-US" dirty="0" smtClean="0"/>
               <a:t>Future Work</a:t>
             </a:r>
             <a:endParaRPr lang="en-US" dirty="0"/>
@@ -7448,7 +7263,7 @@
 </p:sld>
 </file>
 
-<file path=ppt/slides/slide12.xml><?xml version="1.0" encoding="utf-8"?>
+<file path=ppt/slides/slide11.xml><?xml version="1.0" encoding="utf-8"?>
 <p:sld xmlns:a="http://schemas.openxmlformats.org/drawingml/2006/main" xmlns:r="http://schemas.openxmlformats.org/officeDocument/2006/relationships" xmlns:p="http://schemas.openxmlformats.org/presentationml/2006/main">
   <p:cSld>
     <p:spTree>
@@ -7695,7 +7510,7 @@
 </p:sld>
 </file>
 
-<file path=ppt/slides/slide13.xml><?xml version="1.0" encoding="utf-8"?>
+<file path=ppt/slides/slide12.xml><?xml version="1.0" encoding="utf-8"?>
 <p:sld xmlns:a="http://schemas.openxmlformats.org/drawingml/2006/main" xmlns:r="http://schemas.openxmlformats.org/officeDocument/2006/relationships" xmlns:p="http://schemas.openxmlformats.org/presentationml/2006/main">
   <p:cSld>
     <p:spTree>
@@ -7938,11 +7753,7 @@
             </a:r>
             <a:r>
               <a:rPr lang="en-US" smtClean="0"/>
-              <a:t>wav </a:t>
-            </a:r>
-            <a:r>
-              <a:rPr lang="en-US" smtClean="0"/>
-              <a:t>files</a:t>
+              <a:t>wav files</a:t>
             </a:r>
             <a:endParaRPr lang="en-US" dirty="0" smtClean="0"/>
           </a:p>
@@ -8777,11 +8588,19 @@
             </a:r>
             <a:r>
               <a:rPr lang="en-US" dirty="0" smtClean="0"/>
-              <a:t>-learn SVC used to classify histograms created from </a:t>
+              <a:t>-learn </a:t>
+            </a:r>
+            <a:r>
+              <a:rPr lang="en-US" dirty="0" smtClean="0"/>
+              <a:t>SVC used to classify histograms created from </a:t>
+            </a:r>
+            <a:r>
+              <a:rPr lang="en-US" dirty="0" err="1"/>
+              <a:t>K</a:t>
             </a:r>
             <a:r>
               <a:rPr lang="en-US" dirty="0" err="1" smtClean="0"/>
-              <a:t>kmeans</a:t>
+              <a:t>means</a:t>
             </a:r>
             <a:endParaRPr lang="en-US" dirty="0" smtClean="0"/>
           </a:p>
@@ -8792,17 +8611,11 @@
             </a:pPr>
             <a:r>
               <a:rPr lang="en-US" dirty="0" smtClean="0"/>
-              <a:t> Data already split into folds</a:t>
-            </a:r>
-          </a:p>
-          <a:p>
-            <a:pPr>
-              <a:buFont typeface="Wingdings" panose="05000000000000000000" pitchFamily="2" charset="2"/>
-              <a:buChar char="§"/>
-            </a:pPr>
+              <a:t> Used </a:t>
+            </a:r>
             <a:r>
               <a:rPr lang="en-US" dirty="0" smtClean="0"/>
-              <a:t> Used K-folds cross-validation using a </a:t>
+              <a:t>K-folds cross-validation using a </a:t>
             </a:r>
             <a:r>
               <a:rPr lang="en-US" dirty="0" err="1" smtClean="0"/>
@@ -8838,7 +8651,27 @@
             </a:pPr>
             <a:r>
               <a:rPr lang="en-US" dirty="0" smtClean="0"/>
-              <a:t>C is the penalty term</a:t>
+              <a:t>C trades off correct classification against maximization of the decision function‘s margin</a:t>
+            </a:r>
+          </a:p>
+          <a:p>
+            <a:pPr lvl="2">
+              <a:buFont typeface="Wingdings" panose="05000000000000000000" pitchFamily="2" charset="2"/>
+              <a:buChar char="§"/>
+            </a:pPr>
+            <a:r>
+              <a:rPr lang="en-US" dirty="0" smtClean="0"/>
+              <a:t>Low C makes decision surface smooth</a:t>
+            </a:r>
+          </a:p>
+          <a:p>
+            <a:pPr lvl="2">
+              <a:buFont typeface="Wingdings" panose="05000000000000000000" pitchFamily="2" charset="2"/>
+              <a:buChar char="§"/>
+            </a:pPr>
+            <a:r>
+              <a:rPr lang="en-US" dirty="0" smtClean="0"/>
+              <a:t>High C wants to classify all training examples correctly</a:t>
             </a:r>
           </a:p>
           <a:p>
@@ -8848,26 +8681,37 @@
             </a:pPr>
             <a:r>
               <a:rPr lang="en-US" dirty="0" smtClean="0"/>
-              <a:t>I forget what gamma is</a:t>
-            </a:r>
-          </a:p>
-          <a:p>
-            <a:pPr>
+              <a:t>Gamma defines how much influence a single training sample has.</a:t>
+            </a:r>
+          </a:p>
+          <a:p>
+            <a:pPr lvl="2">
               <a:buFont typeface="Wingdings" panose="05000000000000000000" pitchFamily="2" charset="2"/>
               <a:buChar char="§"/>
             </a:pPr>
             <a:r>
               <a:rPr lang="en-US" dirty="0" smtClean="0"/>
-              <a:t> Tuned parameters per frame length, per </a:t>
+              <a:t>The larger the gamma, the closer other examples must be to be affected</a:t>
+            </a:r>
+          </a:p>
+          <a:p>
+            <a:pPr lvl="1">
+              <a:buFont typeface="Wingdings" panose="05000000000000000000" pitchFamily="2" charset="2"/>
+              <a:buChar char="§"/>
+            </a:pPr>
+            <a:r>
+              <a:rPr lang="en-US" dirty="0" smtClean="0"/>
+              <a:t>We tuned our classification per frame chunk (50ms, 100ms, 300ms) and per </a:t>
             </a:r>
             <a:r>
               <a:rPr lang="en-US" dirty="0" err="1" smtClean="0"/>
-              <a:t>KMeans</a:t>
+              <a:t>Kmeans</a:t>
             </a:r>
             <a:r>
               <a:rPr lang="en-US" dirty="0" smtClean="0"/>
-              <a:t> cluster count</a:t>
-            </a:r>
+              <a:t> cluster (64, 128 … 1024). </a:t>
+            </a:r>
+            <a:endParaRPr lang="en-US" dirty="0" smtClean="0"/>
           </a:p>
         </p:txBody>
       </p:sp>
@@ -8910,89 +8754,6 @@
       </p:grpSpPr>
       <p:sp>
         <p:nvSpPr>
-          <p:cNvPr id="2" name="Title 1"/>
-          <p:cNvSpPr>
-            <a:spLocks noGrp="1"/>
-          </p:cNvSpPr>
-          <p:nvPr>
-            <p:ph type="title"/>
-          </p:nvPr>
-        </p:nvSpPr>
-        <p:spPr/>
-        <p:txBody>
-          <a:bodyPr/>
-          <a:lstStyle/>
-          <a:p>
-            <a:r>
-              <a:rPr lang="en-US" dirty="0" smtClean="0"/>
-              <a:t>Results</a:t>
-            </a:r>
-            <a:endParaRPr lang="en-US" dirty="0"/>
-          </a:p>
-        </p:txBody>
-      </p:sp>
-      <p:sp>
-        <p:nvSpPr>
-          <p:cNvPr id="3" name="Content Placeholder 2"/>
-          <p:cNvSpPr>
-            <a:spLocks noGrp="1"/>
-          </p:cNvSpPr>
-          <p:nvPr>
-            <p:ph idx="1"/>
-          </p:nvPr>
-        </p:nvSpPr>
-        <p:spPr/>
-        <p:txBody>
-          <a:bodyPr/>
-          <a:lstStyle/>
-          <a:p>
-            <a:r>
-              <a:rPr lang="en-US" dirty="0" smtClean="0"/>
-              <a:t>Results for tuning parameters?</a:t>
-            </a:r>
-            <a:endParaRPr lang="en-US" dirty="0"/>
-          </a:p>
-        </p:txBody>
-      </p:sp>
-    </p:spTree>
-    <p:extLst>
-      <p:ext uri="{BB962C8B-B14F-4D97-AF65-F5344CB8AC3E}">
-        <p14:creationId xmlns:p14="http://schemas.microsoft.com/office/powerpoint/2010/main" val="1347847371"/>
-      </p:ext>
-    </p:extLst>
-  </p:cSld>
-  <p:clrMapOvr>
-    <a:masterClrMapping/>
-  </p:clrMapOvr>
-  <p:timing>
-    <p:tnLst>
-      <p:par>
-        <p:cTn id="1" dur="indefinite" restart="never" nodeType="tmRoot"/>
-      </p:par>
-    </p:tnLst>
-  </p:timing>
-</p:sld>
-</file>
-
-<file path=ppt/slides/slide9.xml><?xml version="1.0" encoding="utf-8"?>
-<p:sld xmlns:a="http://schemas.openxmlformats.org/drawingml/2006/main" xmlns:r="http://schemas.openxmlformats.org/officeDocument/2006/relationships" xmlns:p="http://schemas.openxmlformats.org/presentationml/2006/main">
-  <p:cSld>
-    <p:spTree>
-      <p:nvGrpSpPr>
-        <p:cNvPr id="1" name=""/>
-        <p:cNvGrpSpPr/>
-        <p:nvPr/>
-      </p:nvGrpSpPr>
-      <p:grpSpPr>
-        <a:xfrm>
-          <a:off x="0" y="0"/>
-          <a:ext cx="0" cy="0"/>
-          <a:chOff x="0" y="0"/>
-          <a:chExt cx="0" cy="0"/>
-        </a:xfrm>
-      </p:grpSpPr>
-      <p:sp>
-        <p:nvSpPr>
           <p:cNvPr id="4" name="Title 3"/>
           <p:cNvSpPr>
             <a:spLocks noGrp="1"/>
@@ -9126,6 +8887,196 @@
   <p:clrMapOvr>
     <a:masterClrMapping/>
   </p:clrMapOvr>
+</p:sld>
+</file>
+
+<file path=ppt/slides/slide9.xml><?xml version="1.0" encoding="utf-8"?>
+<p:sld xmlns:a="http://schemas.openxmlformats.org/drawingml/2006/main" xmlns:r="http://schemas.openxmlformats.org/officeDocument/2006/relationships" xmlns:p="http://schemas.openxmlformats.org/presentationml/2006/main">
+  <p:cSld>
+    <p:spTree>
+      <p:nvGrpSpPr>
+        <p:cNvPr id="1" name=""/>
+        <p:cNvGrpSpPr/>
+        <p:nvPr/>
+      </p:nvGrpSpPr>
+      <p:grpSpPr>
+        <a:xfrm>
+          <a:off x="0" y="0"/>
+          <a:ext cx="0" cy="0"/>
+          <a:chOff x="0" y="0"/>
+          <a:chExt cx="0" cy="0"/>
+        </a:xfrm>
+      </p:grpSpPr>
+      <p:sp>
+        <p:nvSpPr>
+          <p:cNvPr id="2" name="Title 1"/>
+          <p:cNvSpPr>
+            <a:spLocks noGrp="1"/>
+          </p:cNvSpPr>
+          <p:nvPr>
+            <p:ph type="title"/>
+          </p:nvPr>
+        </p:nvSpPr>
+        <p:spPr/>
+        <p:txBody>
+          <a:bodyPr/>
+          <a:lstStyle/>
+          <a:p>
+            <a:r>
+              <a:rPr lang="en-US" dirty="0" smtClean="0"/>
+              <a:t>Results</a:t>
+            </a:r>
+            <a:endParaRPr lang="en-US" dirty="0"/>
+          </a:p>
+        </p:txBody>
+      </p:sp>
+      <p:sp>
+        <p:nvSpPr>
+          <p:cNvPr id="3" name="Content Placeholder 2"/>
+          <p:cNvSpPr>
+            <a:spLocks noGrp="1"/>
+          </p:cNvSpPr>
+          <p:nvPr>
+            <p:ph sz="half" idx="1"/>
+          </p:nvPr>
+        </p:nvSpPr>
+        <p:spPr/>
+        <p:txBody>
+          <a:bodyPr/>
+          <a:lstStyle/>
+          <a:p>
+            <a:pPr>
+              <a:lnSpc>
+                <a:spcPct val="100000"/>
+              </a:lnSpc>
+              <a:spcAft>
+                <a:spcPts val="600"/>
+              </a:spcAft>
+              <a:buFont typeface="Wingdings" panose="05000000000000000000" pitchFamily="2" charset="2"/>
+              <a:buChar char="§"/>
+            </a:pPr>
+            <a:r>
+              <a:rPr lang="en-US" dirty="0" smtClean="0"/>
+              <a:t> After running our test set, we plotted the results of 50ms, 100ms, and 300ms chunked clips together. </a:t>
+            </a:r>
+          </a:p>
+          <a:p>
+            <a:pPr>
+              <a:lnSpc>
+                <a:spcPct val="100000"/>
+              </a:lnSpc>
+              <a:spcAft>
+                <a:spcPts val="600"/>
+              </a:spcAft>
+              <a:buFont typeface="Wingdings" panose="05000000000000000000" pitchFamily="2" charset="2"/>
+              <a:buChar char="§"/>
+            </a:pPr>
+            <a:r>
+              <a:rPr lang="en-US" dirty="0"/>
+              <a:t> </a:t>
+            </a:r>
+            <a:r>
+              <a:rPr lang="en-US" dirty="0" smtClean="0"/>
+              <a:t>The 50ms set did the best, followed by 100ms and then 300ms. </a:t>
+            </a:r>
+          </a:p>
+          <a:p>
+            <a:pPr>
+              <a:lnSpc>
+                <a:spcPct val="100000"/>
+              </a:lnSpc>
+              <a:spcAft>
+                <a:spcPts val="600"/>
+              </a:spcAft>
+              <a:buFont typeface="Wingdings" panose="05000000000000000000" pitchFamily="2" charset="2"/>
+              <a:buChar char="§"/>
+            </a:pPr>
+            <a:r>
+              <a:rPr lang="en-US" dirty="0"/>
+              <a:t> </a:t>
+            </a:r>
+            <a:r>
+              <a:rPr lang="en-US" dirty="0" smtClean="0"/>
+              <a:t>These results were to be expected: </a:t>
+            </a:r>
+          </a:p>
+          <a:p>
+            <a:pPr lvl="1">
+              <a:lnSpc>
+                <a:spcPct val="100000"/>
+              </a:lnSpc>
+              <a:spcAft>
+                <a:spcPts val="600"/>
+              </a:spcAft>
+              <a:buFont typeface="Wingdings" panose="05000000000000000000" pitchFamily="2" charset="2"/>
+              <a:buChar char="§"/>
+            </a:pPr>
+            <a:r>
+              <a:rPr lang="en-US" dirty="0" smtClean="0"/>
+              <a:t>Smaller chunked segments give a more accurate reading of clustering of “words”. </a:t>
+            </a:r>
+          </a:p>
+          <a:p>
+            <a:pPr lvl="1">
+              <a:lnSpc>
+                <a:spcPct val="100000"/>
+              </a:lnSpc>
+              <a:spcAft>
+                <a:spcPts val="600"/>
+              </a:spcAft>
+              <a:buFont typeface="Wingdings" panose="05000000000000000000" pitchFamily="2" charset="2"/>
+              <a:buChar char="§"/>
+            </a:pPr>
+            <a:r>
+              <a:rPr lang="en-US" dirty="0" smtClean="0"/>
+              <a:t>Ex: 100 “words” of a “skid” mean less when the words are 300ms segments as opposed to 50ms segments. </a:t>
+            </a:r>
+            <a:endParaRPr lang="en-US" dirty="0"/>
+          </a:p>
+        </p:txBody>
+      </p:sp>
+      <p:graphicFrame>
+        <p:nvGraphicFramePr>
+          <p:cNvPr id="5" name="Content Placeholder 4"/>
+          <p:cNvGraphicFramePr>
+            <a:graphicFrameLocks noGrp="1"/>
+          </p:cNvGraphicFramePr>
+          <p:nvPr>
+            <p:ph sz="half" idx="2"/>
+            <p:extLst>
+              <p:ext uri="{D42A27DB-BD31-4B8C-83A1-F6EECF244321}">
+                <p14:modId xmlns:p14="http://schemas.microsoft.com/office/powerpoint/2010/main" val="2341005674"/>
+              </p:ext>
+            </p:extLst>
+          </p:nvPr>
+        </p:nvGraphicFramePr>
+        <p:xfrm>
+          <a:off x="6291072" y="1956817"/>
+          <a:ext cx="5321491" cy="4232212"/>
+        </p:xfrm>
+        <a:graphic>
+          <a:graphicData uri="http://schemas.openxmlformats.org/drawingml/2006/chart">
+            <c:chart xmlns:c="http://schemas.openxmlformats.org/drawingml/2006/chart" xmlns:r="http://schemas.openxmlformats.org/officeDocument/2006/relationships" r:id="rId2"/>
+          </a:graphicData>
+        </a:graphic>
+      </p:graphicFrame>
+    </p:spTree>
+    <p:extLst>
+      <p:ext uri="{BB962C8B-B14F-4D97-AF65-F5344CB8AC3E}">
+        <p14:creationId xmlns:p14="http://schemas.microsoft.com/office/powerpoint/2010/main" val="1059128432"/>
+      </p:ext>
+    </p:extLst>
+  </p:cSld>
+  <p:clrMapOvr>
+    <a:masterClrMapping/>
+  </p:clrMapOvr>
+  <p:timing>
+    <p:tnLst>
+      <p:par>
+        <p:cTn id="1" dur="indefinite" restart="never" nodeType="tmRoot"/>
+      </p:par>
+    </p:tnLst>
+  </p:timing>
 </p:sld>
 </file>
 

--- a/AI_2_Presentation.pptx
+++ b/AI_2_Presentation.pptx
@@ -17,8 +17,8 @@
     <p:sldId id="263" r:id="rId8"/>
     <p:sldId id="268" r:id="rId9"/>
     <p:sldId id="265" r:id="rId10"/>
-    <p:sldId id="266" r:id="rId11"/>
-    <p:sldId id="267" r:id="rId12"/>
+    <p:sldId id="267" r:id="rId11"/>
+    <p:sldId id="266" r:id="rId12"/>
     <p:sldId id="269" r:id="rId13"/>
   </p:sldIdLst>
   <p:sldSz cx="12192000" cy="6858000"/>
@@ -262,11 +262,11 @@
           <c:showBubbleSize val="0"/>
         </c:dLbls>
         <c:smooth val="0"/>
-        <c:axId val="332079544"/>
-        <c:axId val="332072096"/>
+        <c:axId val="418868056"/>
+        <c:axId val="418867664"/>
       </c:lineChart>
       <c:catAx>
-        <c:axId val="332079544"/>
+        <c:axId val="418868056"/>
         <c:scaling>
           <c:orientation val="minMax"/>
         </c:scaling>
@@ -309,7 +309,7 @@
             <a:endParaRPr lang="en-US"/>
           </a:p>
         </c:txPr>
-        <c:crossAx val="332072096"/>
+        <c:crossAx val="418867664"/>
         <c:crosses val="autoZero"/>
         <c:auto val="1"/>
         <c:lblAlgn val="ctr"/>
@@ -317,7 +317,7 @@
         <c:noMultiLvlLbl val="0"/>
       </c:catAx>
       <c:valAx>
-        <c:axId val="332072096"/>
+        <c:axId val="418867664"/>
         <c:scaling>
           <c:orientation val="minMax"/>
         </c:scaling>
@@ -368,7 +368,7 @@
             <a:endParaRPr lang="en-US"/>
           </a:p>
         </c:txPr>
-        <c:crossAx val="332079544"/>
+        <c:crossAx val="418868056"/>
         <c:crosses val="autoZero"/>
         <c:crossBetween val="between"/>
       </c:valAx>
@@ -575,11 +575,11 @@
           <c:showBubbleSize val="0"/>
         </c:dLbls>
         <c:smooth val="0"/>
-        <c:axId val="332077976"/>
-        <c:axId val="332076408"/>
+        <c:axId val="418868840"/>
+        <c:axId val="418869232"/>
       </c:lineChart>
       <c:catAx>
-        <c:axId val="332077976"/>
+        <c:axId val="418868840"/>
         <c:scaling>
           <c:orientation val="minMax"/>
         </c:scaling>
@@ -622,7 +622,7 @@
             <a:endParaRPr lang="en-US"/>
           </a:p>
         </c:txPr>
-        <c:crossAx val="332076408"/>
+        <c:crossAx val="418869232"/>
         <c:crosses val="autoZero"/>
         <c:auto val="1"/>
         <c:lblAlgn val="ctr"/>
@@ -630,7 +630,7 @@
         <c:noMultiLvlLbl val="0"/>
       </c:catAx>
       <c:valAx>
-        <c:axId val="332076408"/>
+        <c:axId val="418869232"/>
         <c:scaling>
           <c:orientation val="minMax"/>
         </c:scaling>
@@ -681,7 +681,7 @@
             <a:endParaRPr lang="en-US"/>
           </a:p>
         </c:txPr>
-        <c:crossAx val="332077976"/>
+        <c:crossAx val="418868840"/>
         <c:crosses val="autoZero"/>
         <c:crossBetween val="between"/>
       </c:valAx>
@@ -1080,11 +1080,11 @@
           <c:showBubbleSize val="0"/>
         </c:dLbls>
         <c:smooth val="0"/>
-        <c:axId val="332073272"/>
-        <c:axId val="332075624"/>
+        <c:axId val="418870016"/>
+        <c:axId val="418870408"/>
       </c:lineChart>
       <c:catAx>
-        <c:axId val="332073272"/>
+        <c:axId val="418870016"/>
         <c:scaling>
           <c:orientation val="minMax"/>
         </c:scaling>
@@ -1127,7 +1127,7 @@
             <a:endParaRPr lang="en-US"/>
           </a:p>
         </c:txPr>
-        <c:crossAx val="332075624"/>
+        <c:crossAx val="418870408"/>
         <c:crosses val="autoZero"/>
         <c:auto val="1"/>
         <c:lblAlgn val="ctr"/>
@@ -1135,7 +1135,7 @@
         <c:noMultiLvlLbl val="0"/>
       </c:catAx>
       <c:valAx>
-        <c:axId val="332075624"/>
+        <c:axId val="418870408"/>
         <c:scaling>
           <c:orientation val="minMax"/>
         </c:scaling>
@@ -1186,7 +1186,7 @@
             <a:endParaRPr lang="en-US"/>
           </a:p>
         </c:txPr>
-        <c:crossAx val="332073272"/>
+        <c:crossAx val="418870016"/>
         <c:crosses val="autoZero"/>
         <c:crossBetween val="between"/>
       </c:valAx>
@@ -3007,7 +3007,7 @@
           <a:p>
             <a:fld id="{B77760E8-B888-4325-827E-E7BC03E45511}" type="datetimeFigureOut">
               <a:rPr lang="en-US" smtClean="0"/>
-              <a:t>11/14/2018</a:t>
+              <a:t>11/15/2018</a:t>
             </a:fld>
             <a:endParaRPr lang="en-US"/>
           </a:p>
@@ -3589,7 +3589,7 @@
           <a:p>
             <a:fld id="{85958604-98FD-4109-8456-7D26F413644A}" type="datetimeFigureOut">
               <a:rPr lang="en-US" smtClean="0"/>
-              <a:t>11/14/2018</a:t>
+              <a:t>11/15/2018</a:t>
             </a:fld>
             <a:endParaRPr lang="en-US"/>
           </a:p>
@@ -3797,7 +3797,7 @@
           <a:p>
             <a:fld id="{85958604-98FD-4109-8456-7D26F413644A}" type="datetimeFigureOut">
               <a:rPr lang="en-US" smtClean="0"/>
-              <a:t>11/14/2018</a:t>
+              <a:t>11/15/2018</a:t>
             </a:fld>
             <a:endParaRPr lang="en-US"/>
           </a:p>
@@ -4053,7 +4053,7 @@
           <a:p>
             <a:fld id="{85958604-98FD-4109-8456-7D26F413644A}" type="datetimeFigureOut">
               <a:rPr lang="en-US" smtClean="0"/>
-              <a:t>11/14/2018</a:t>
+              <a:t>11/15/2018</a:t>
             </a:fld>
             <a:endParaRPr lang="en-US"/>
           </a:p>
@@ -4227,7 +4227,7 @@
           <a:p>
             <a:fld id="{85958604-98FD-4109-8456-7D26F413644A}" type="datetimeFigureOut">
               <a:rPr lang="en-US" smtClean="0"/>
-              <a:t>11/14/2018</a:t>
+              <a:t>11/15/2018</a:t>
             </a:fld>
             <a:endParaRPr lang="en-US"/>
           </a:p>
@@ -4570,7 +4570,7 @@
           <a:p>
             <a:fld id="{85958604-98FD-4109-8456-7D26F413644A}" type="datetimeFigureOut">
               <a:rPr lang="en-US" smtClean="0"/>
-              <a:t>11/14/2018</a:t>
+              <a:t>11/15/2018</a:t>
             </a:fld>
             <a:endParaRPr lang="en-US"/>
           </a:p>
@@ -4845,7 +4845,7 @@
           <a:p>
             <a:fld id="{85958604-98FD-4109-8456-7D26F413644A}" type="datetimeFigureOut">
               <a:rPr lang="en-US" smtClean="0"/>
-              <a:t>11/14/2018</a:t>
+              <a:t>11/15/2018</a:t>
             </a:fld>
             <a:endParaRPr lang="en-US"/>
           </a:p>
@@ -5224,7 +5224,7 @@
           <a:p>
             <a:fld id="{85958604-98FD-4109-8456-7D26F413644A}" type="datetimeFigureOut">
               <a:rPr lang="en-US" smtClean="0"/>
-              <a:t>11/14/2018</a:t>
+              <a:t>11/15/2018</a:t>
             </a:fld>
             <a:endParaRPr lang="en-US"/>
           </a:p>
@@ -5342,7 +5342,7 @@
           <a:p>
             <a:fld id="{85958604-98FD-4109-8456-7D26F413644A}" type="datetimeFigureOut">
               <a:rPr lang="en-US" smtClean="0"/>
-              <a:t>11/14/2018</a:t>
+              <a:t>11/15/2018</a:t>
             </a:fld>
             <a:endParaRPr lang="en-US"/>
           </a:p>
@@ -5513,7 +5513,7 @@
           <a:p>
             <a:fld id="{85958604-98FD-4109-8456-7D26F413644A}" type="datetimeFigureOut">
               <a:rPr lang="en-US" smtClean="0"/>
-              <a:t>11/14/2018</a:t>
+              <a:t>11/15/2018</a:t>
             </a:fld>
             <a:endParaRPr lang="en-US"/>
           </a:p>
@@ -5867,7 +5867,7 @@
           <a:p>
             <a:fld id="{85958604-98FD-4109-8456-7D26F413644A}" type="datetimeFigureOut">
               <a:rPr lang="en-US" smtClean="0"/>
-              <a:t>11/14/2018</a:t>
+              <a:t>11/15/2018</a:t>
             </a:fld>
             <a:endParaRPr lang="en-US"/>
           </a:p>
@@ -6249,7 +6249,7 @@
           <a:p>
             <a:fld id="{85958604-98FD-4109-8456-7D26F413644A}" type="datetimeFigureOut">
               <a:rPr lang="en-US" smtClean="0"/>
-              <a:t>11/14/2018</a:t>
+              <a:t>11/15/2018</a:t>
             </a:fld>
             <a:endParaRPr lang="en-US"/>
           </a:p>
@@ -6536,7 +6536,7 @@
           <a:p>
             <a:fld id="{85958604-98FD-4109-8456-7D26F413644A}" type="datetimeFigureOut">
               <a:rPr lang="en-US" smtClean="0"/>
-              <a:t>11/14/2018</a:t>
+              <a:t>11/15/2018</a:t>
             </a:fld>
             <a:endParaRPr lang="en-US"/>
           </a:p>
@@ -7168,7 +7168,7 @@
           <a:p>
             <a:r>
               <a:rPr lang="en-US" dirty="0" smtClean="0"/>
-              <a:t>Future Work</a:t>
+              <a:t>Comparison to Existing Work</a:t>
             </a:r>
             <a:endParaRPr lang="en-US" dirty="0"/>
           </a:p>
@@ -7181,72 +7181,190 @@
             <a:spLocks noGrp="1"/>
           </p:cNvSpPr>
           <p:nvPr>
-            <p:ph idx="1"/>
+            <p:ph sz="half" idx="1"/>
           </p:nvPr>
         </p:nvSpPr>
         <p:spPr/>
         <p:txBody>
-          <a:bodyPr anchor="ctr"/>
+          <a:bodyPr>
+            <a:normAutofit lnSpcReduction="10000"/>
+          </a:bodyPr>
           <a:lstStyle/>
           <a:p>
             <a:pPr>
-              <a:lnSpc>
-                <a:spcPct val="150000"/>
-              </a:lnSpc>
+              <a:spcAft>
+                <a:spcPts val="600"/>
+              </a:spcAft>
               <a:buFont typeface="Wingdings" panose="05000000000000000000" pitchFamily="2" charset="2"/>
               <a:buChar char="§"/>
             </a:pPr>
             <a:r>
               <a:rPr lang="en-US" dirty="0" smtClean="0"/>
-              <a:t> Timing the various methods to see if the accuracy tradeoff is worth having to process less audio</a:t>
+              <a:t> Our work was mostly an experiment to replicate an already existing study [1]. </a:t>
             </a:r>
           </a:p>
           <a:p>
             <a:pPr>
-              <a:lnSpc>
-                <a:spcPct val="150000"/>
-              </a:lnSpc>
+              <a:spcAft>
+                <a:spcPts val="600"/>
+              </a:spcAft>
               <a:buFont typeface="Wingdings" panose="05000000000000000000" pitchFamily="2" charset="2"/>
               <a:buChar char="§"/>
             </a:pPr>
             <a:r>
               <a:rPr lang="en-US" dirty="0" smtClean="0"/>
-              <a:t> Use of other audio features (such as Bark Sub-bands)</a:t>
-            </a:r>
-          </a:p>
-          <a:p>
-            <a:pPr>
-              <a:lnSpc>
-                <a:spcPct val="150000"/>
-              </a:lnSpc>
+              <a:t> Existing work focused more on the implications of a real world set up</a:t>
+            </a:r>
+          </a:p>
+          <a:p>
+            <a:pPr lvl="1">
+              <a:spcAft>
+                <a:spcPts val="600"/>
+              </a:spcAft>
               <a:buFont typeface="Wingdings" panose="05000000000000000000" pitchFamily="2" charset="2"/>
               <a:buChar char="§"/>
             </a:pPr>
             <a:r>
               <a:rPr lang="en-US" dirty="0" smtClean="0"/>
-              <a:t> Attempt to classify audio via visual classifications on spectrograms. </a:t>
-            </a:r>
-          </a:p>
-          <a:p>
-            <a:pPr>
-              <a:lnSpc>
-                <a:spcPct val="150000"/>
-              </a:lnSpc>
+              <a:t>Reducing the decibels of the .wav file to make it harder to recognize</a:t>
+            </a:r>
+          </a:p>
+          <a:p>
+            <a:pPr lvl="1">
+              <a:spcAft>
+                <a:spcPts val="600"/>
+              </a:spcAft>
               <a:buFont typeface="Wingdings" panose="05000000000000000000" pitchFamily="2" charset="2"/>
               <a:buChar char="§"/>
             </a:pPr>
             <a:r>
               <a:rPr lang="en-US" dirty="0" smtClean="0"/>
-              <a:t> Extending this framework to other noises/events (explosion, gunshot, “crime” sounds).</a:t>
-            </a:r>
-            <a:endParaRPr lang="en-US" dirty="0"/>
-          </a:p>
-        </p:txBody>
-      </p:sp>
+              <a:t>Analyzing microphone placement</a:t>
+            </a:r>
+          </a:p>
+          <a:p>
+            <a:pPr>
+              <a:spcAft>
+                <a:spcPts val="600"/>
+              </a:spcAft>
+              <a:buFont typeface="Wingdings" panose="05000000000000000000" pitchFamily="2" charset="2"/>
+              <a:buChar char="§"/>
+            </a:pPr>
+            <a:r>
+              <a:rPr lang="en-US" dirty="0" smtClean="0"/>
+              <a:t> Our SVM actually outperformed theirs, even with their 0dB loss classification.</a:t>
+            </a:r>
+          </a:p>
+          <a:p>
+            <a:pPr lvl="1">
+              <a:spcAft>
+                <a:spcPts val="600"/>
+              </a:spcAft>
+              <a:buFont typeface="Wingdings" panose="05000000000000000000" pitchFamily="2" charset="2"/>
+              <a:buChar char="§"/>
+            </a:pPr>
+            <a:r>
+              <a:rPr lang="en-US" dirty="0" smtClean="0"/>
+              <a:t>We possibly did better parameter tuning. </a:t>
+            </a:r>
+          </a:p>
+          <a:p>
+            <a:pPr lvl="1">
+              <a:spcAft>
+                <a:spcPts val="600"/>
+              </a:spcAft>
+              <a:buFont typeface="Wingdings" panose="05000000000000000000" pitchFamily="2" charset="2"/>
+              <a:buChar char="§"/>
+            </a:pPr>
+            <a:r>
+              <a:rPr lang="en-US" dirty="0" smtClean="0"/>
+              <a:t>They used n = 4 folds for cross-validation</a:t>
+            </a:r>
+          </a:p>
+          <a:p>
+            <a:pPr lvl="1">
+              <a:spcAft>
+                <a:spcPts val="600"/>
+              </a:spcAft>
+              <a:buFont typeface="Wingdings" panose="05000000000000000000" pitchFamily="2" charset="2"/>
+              <a:buChar char="§"/>
+            </a:pPr>
+            <a:r>
+              <a:rPr lang="en-US" dirty="0" smtClean="0"/>
+              <a:t>We used n = 10 folds</a:t>
+            </a:r>
+          </a:p>
+        </p:txBody>
+      </p:sp>
+      <p:sp>
+        <p:nvSpPr>
+          <p:cNvPr id="6" name="TextBox 5"/>
+          <p:cNvSpPr txBox="1"/>
+          <p:nvPr/>
+        </p:nvSpPr>
+        <p:spPr>
+          <a:xfrm>
+            <a:off x="7022592" y="5477256"/>
+            <a:ext cx="3904488" cy="523220"/>
+          </a:xfrm>
+          <a:prstGeom prst="rect">
+            <a:avLst/>
+          </a:prstGeom>
+          <a:noFill/>
+        </p:spPr>
+        <p:txBody>
+          <a:bodyPr wrap="square" rtlCol="0">
+            <a:spAutoFit/>
+          </a:bodyPr>
+          <a:lstStyle/>
+          <a:p>
+            <a:pPr algn="ctr"/>
+            <a:r>
+              <a:rPr lang="en-US" sz="1400" dirty="0" smtClean="0"/>
+              <a:t>[1]: Recognition rate vs </a:t>
+            </a:r>
+            <a:r>
+              <a:rPr lang="en-US" sz="1400" dirty="0" err="1" smtClean="0"/>
+              <a:t>kmeans</a:t>
+            </a:r>
+            <a:r>
+              <a:rPr lang="en-US" sz="1400" dirty="0" smtClean="0"/>
+              <a:t> clusters in the source paper. The red line is 0dB loss. </a:t>
+            </a:r>
+            <a:endParaRPr lang="en-US" sz="1400" dirty="0"/>
+          </a:p>
+        </p:txBody>
+      </p:sp>
+      <p:pic>
+        <p:nvPicPr>
+          <p:cNvPr id="8" name="Content Placeholder 7"/>
+          <p:cNvPicPr>
+            <a:picLocks noGrp="1" noChangeAspect="1"/>
+          </p:cNvPicPr>
+          <p:nvPr>
+            <p:ph sz="half" idx="2"/>
+          </p:nvPr>
+        </p:nvPicPr>
+        <p:blipFill>
+          <a:blip r:embed="rId2"/>
+          <a:stretch>
+            <a:fillRect/>
+          </a:stretch>
+        </p:blipFill>
+        <p:spPr>
+          <a:xfrm>
+            <a:off x="6204228" y="2103120"/>
+            <a:ext cx="5207168" cy="3214301"/>
+          </a:xfrm>
+          <a:prstGeom prst="rect">
+            <a:avLst/>
+          </a:prstGeom>
+        </p:spPr>
+      </p:pic>
     </p:spTree>
     <p:extLst>
       <p:ext uri="{BB962C8B-B14F-4D97-AF65-F5344CB8AC3E}">
-        <p14:creationId xmlns:p14="http://schemas.microsoft.com/office/powerpoint/2010/main" val="643501472"/>
+        <p14:creationId xmlns:p14="http://schemas.microsoft.com/office/powerpoint/2010/main" val="520753889"/>
       </p:ext>
     </p:extLst>
   </p:cSld>
@@ -7297,7 +7415,7 @@
           <a:p>
             <a:r>
               <a:rPr lang="en-US" dirty="0" smtClean="0"/>
-              <a:t>Comparison to Existing Work</a:t>
+              <a:t>Future Work</a:t>
             </a:r>
             <a:endParaRPr lang="en-US" dirty="0"/>
           </a:p>
@@ -7310,190 +7428,72 @@
             <a:spLocks noGrp="1"/>
           </p:cNvSpPr>
           <p:nvPr>
-            <p:ph sz="half" idx="1"/>
+            <p:ph idx="1"/>
           </p:nvPr>
         </p:nvSpPr>
         <p:spPr/>
         <p:txBody>
-          <a:bodyPr>
-            <a:normAutofit lnSpcReduction="10000"/>
-          </a:bodyPr>
+          <a:bodyPr anchor="ctr"/>
           <a:lstStyle/>
           <a:p>
             <a:pPr>
-              <a:spcAft>
-                <a:spcPts val="600"/>
-              </a:spcAft>
+              <a:lnSpc>
+                <a:spcPct val="150000"/>
+              </a:lnSpc>
               <a:buFont typeface="Wingdings" panose="05000000000000000000" pitchFamily="2" charset="2"/>
               <a:buChar char="§"/>
             </a:pPr>
             <a:r>
               <a:rPr lang="en-US" dirty="0" smtClean="0"/>
-              <a:t> Our work was mostly an experiment to replicate an already existing study [1]. </a:t>
+              <a:t> Timing the various methods to see if the accuracy tradeoff is worth having to process less audio</a:t>
             </a:r>
           </a:p>
           <a:p>
             <a:pPr>
-              <a:spcAft>
-                <a:spcPts val="600"/>
-              </a:spcAft>
+              <a:lnSpc>
+                <a:spcPct val="150000"/>
+              </a:lnSpc>
               <a:buFont typeface="Wingdings" panose="05000000000000000000" pitchFamily="2" charset="2"/>
               <a:buChar char="§"/>
             </a:pPr>
             <a:r>
               <a:rPr lang="en-US" dirty="0" smtClean="0"/>
-              <a:t> Existing work focused more on the implications of a real world set up</a:t>
-            </a:r>
-          </a:p>
-          <a:p>
-            <a:pPr lvl="1">
-              <a:spcAft>
-                <a:spcPts val="600"/>
-              </a:spcAft>
+              <a:t> Use of other audio features (such as Bark Sub-bands)</a:t>
+            </a:r>
+          </a:p>
+          <a:p>
+            <a:pPr>
+              <a:lnSpc>
+                <a:spcPct val="150000"/>
+              </a:lnSpc>
               <a:buFont typeface="Wingdings" panose="05000000000000000000" pitchFamily="2" charset="2"/>
               <a:buChar char="§"/>
             </a:pPr>
             <a:r>
               <a:rPr lang="en-US" dirty="0" smtClean="0"/>
-              <a:t>Reducing the decibels of the .wav file to make it harder to recognize</a:t>
-            </a:r>
-          </a:p>
-          <a:p>
-            <a:pPr lvl="1">
-              <a:spcAft>
-                <a:spcPts val="600"/>
-              </a:spcAft>
+              <a:t> Attempt to classify audio via visual classifications on spectrograms. </a:t>
+            </a:r>
+          </a:p>
+          <a:p>
+            <a:pPr>
+              <a:lnSpc>
+                <a:spcPct val="150000"/>
+              </a:lnSpc>
               <a:buFont typeface="Wingdings" panose="05000000000000000000" pitchFamily="2" charset="2"/>
               <a:buChar char="§"/>
             </a:pPr>
             <a:r>
               <a:rPr lang="en-US" dirty="0" smtClean="0"/>
-              <a:t>Analyzing microphone placement</a:t>
-            </a:r>
-          </a:p>
-          <a:p>
-            <a:pPr>
-              <a:spcAft>
-                <a:spcPts val="600"/>
-              </a:spcAft>
-              <a:buFont typeface="Wingdings" panose="05000000000000000000" pitchFamily="2" charset="2"/>
-              <a:buChar char="§"/>
-            </a:pPr>
-            <a:r>
-              <a:rPr lang="en-US" dirty="0" smtClean="0"/>
-              <a:t> Our SVM actually outperformed theirs, even with their 0dB loss classification.</a:t>
-            </a:r>
-          </a:p>
-          <a:p>
-            <a:pPr lvl="1">
-              <a:spcAft>
-                <a:spcPts val="600"/>
-              </a:spcAft>
-              <a:buFont typeface="Wingdings" panose="05000000000000000000" pitchFamily="2" charset="2"/>
-              <a:buChar char="§"/>
-            </a:pPr>
-            <a:r>
-              <a:rPr lang="en-US" dirty="0" smtClean="0"/>
-              <a:t>We possibly did better parameter tuning. </a:t>
-            </a:r>
-          </a:p>
-          <a:p>
-            <a:pPr lvl="1">
-              <a:spcAft>
-                <a:spcPts val="600"/>
-              </a:spcAft>
-              <a:buFont typeface="Wingdings" panose="05000000000000000000" pitchFamily="2" charset="2"/>
-              <a:buChar char="§"/>
-            </a:pPr>
-            <a:r>
-              <a:rPr lang="en-US" dirty="0" smtClean="0"/>
-              <a:t>They used n = 4 folds for cross-validation</a:t>
-            </a:r>
-          </a:p>
-          <a:p>
-            <a:pPr lvl="1">
-              <a:spcAft>
-                <a:spcPts val="600"/>
-              </a:spcAft>
-              <a:buFont typeface="Wingdings" panose="05000000000000000000" pitchFamily="2" charset="2"/>
-              <a:buChar char="§"/>
-            </a:pPr>
-            <a:r>
-              <a:rPr lang="en-US" dirty="0" smtClean="0"/>
-              <a:t>We used n = 10 folds</a:t>
-            </a:r>
-          </a:p>
-        </p:txBody>
-      </p:sp>
-      <p:sp>
-        <p:nvSpPr>
-          <p:cNvPr id="6" name="TextBox 5"/>
-          <p:cNvSpPr txBox="1"/>
-          <p:nvPr/>
-        </p:nvSpPr>
-        <p:spPr>
-          <a:xfrm>
-            <a:off x="7022592" y="5477256"/>
-            <a:ext cx="3904488" cy="523220"/>
-          </a:xfrm>
-          <a:prstGeom prst="rect">
-            <a:avLst/>
-          </a:prstGeom>
-          <a:noFill/>
-        </p:spPr>
-        <p:txBody>
-          <a:bodyPr wrap="square" rtlCol="0">
-            <a:spAutoFit/>
-          </a:bodyPr>
-          <a:lstStyle/>
-          <a:p>
-            <a:pPr algn="ctr"/>
-            <a:r>
-              <a:rPr lang="en-US" sz="1400" dirty="0" smtClean="0"/>
-              <a:t>[1]: Recognition rate vs </a:t>
-            </a:r>
-            <a:r>
-              <a:rPr lang="en-US" sz="1400" dirty="0" err="1" smtClean="0"/>
-              <a:t>kmeans</a:t>
-            </a:r>
-            <a:r>
-              <a:rPr lang="en-US" sz="1400" dirty="0" smtClean="0"/>
-              <a:t> clusters in the source paper. The red line is 0dB loss. </a:t>
-            </a:r>
-            <a:endParaRPr lang="en-US" sz="1400" dirty="0"/>
-          </a:p>
-        </p:txBody>
-      </p:sp>
-      <p:pic>
-        <p:nvPicPr>
-          <p:cNvPr id="8" name="Content Placeholder 7"/>
-          <p:cNvPicPr>
-            <a:picLocks noGrp="1" noChangeAspect="1"/>
-          </p:cNvPicPr>
-          <p:nvPr>
-            <p:ph sz="half" idx="2"/>
-          </p:nvPr>
-        </p:nvPicPr>
-        <p:blipFill>
-          <a:blip r:embed="rId2"/>
-          <a:stretch>
-            <a:fillRect/>
-          </a:stretch>
-        </p:blipFill>
-        <p:spPr>
-          <a:xfrm>
-            <a:off x="6204228" y="2103120"/>
-            <a:ext cx="5207168" cy="3214301"/>
-          </a:xfrm>
-          <a:prstGeom prst="rect">
-            <a:avLst/>
-          </a:prstGeom>
-        </p:spPr>
-      </p:pic>
+              <a:t> Extending this framework to other noises/events (explosion, gunshot, “crime” sounds).</a:t>
+            </a:r>
+            <a:endParaRPr lang="en-US" dirty="0"/>
+          </a:p>
+        </p:txBody>
+      </p:sp>
     </p:spTree>
     <p:extLst>
       <p:ext uri="{BB962C8B-B14F-4D97-AF65-F5344CB8AC3E}">
-        <p14:creationId xmlns:p14="http://schemas.microsoft.com/office/powerpoint/2010/main" val="520753889"/>
+        <p14:creationId xmlns:p14="http://schemas.microsoft.com/office/powerpoint/2010/main" val="643501472"/>
       </p:ext>
     </p:extLst>
   </p:cSld>
@@ -8588,11 +8588,7 @@
             </a:r>
             <a:r>
               <a:rPr lang="en-US" dirty="0" smtClean="0"/>
-              <a:t>-learn </a:t>
-            </a:r>
-            <a:r>
-              <a:rPr lang="en-US" dirty="0" smtClean="0"/>
-              <a:t>SVC used to classify histograms created from </a:t>
+              <a:t>-learn SVC used to classify histograms created from </a:t>
             </a:r>
             <a:r>
               <a:rPr lang="en-US" dirty="0" err="1"/>
@@ -8611,11 +8607,7 @@
             </a:pPr>
             <a:r>
               <a:rPr lang="en-US" dirty="0" smtClean="0"/>
-              <a:t> Used </a:t>
-            </a:r>
-            <a:r>
-              <a:rPr lang="en-US" dirty="0" smtClean="0"/>
-              <a:t>K-folds cross-validation using a </a:t>
+              <a:t> Used K-folds cross-validation using a </a:t>
             </a:r>
             <a:r>
               <a:rPr lang="en-US" dirty="0" err="1" smtClean="0"/>
@@ -8701,7 +8693,15 @@
             </a:pPr>
             <a:r>
               <a:rPr lang="en-US" dirty="0" smtClean="0"/>
-              <a:t>We tuned our classification per frame chunk (50ms, 100ms, 300ms) and per </a:t>
+              <a:t>We tuned our </a:t>
+            </a:r>
+            <a:r>
+              <a:rPr lang="en-US" smtClean="0"/>
+              <a:t>classification </a:t>
+            </a:r>
+            <a:r>
+              <a:rPr lang="en-US" smtClean="0"/>
+              <a:t>per </a:t>
             </a:r>
             <a:r>
               <a:rPr lang="en-US" dirty="0" err="1" smtClean="0"/>
@@ -8711,7 +8711,6 @@
               <a:rPr lang="en-US" dirty="0" smtClean="0"/>
               <a:t> cluster (64, 128 … 1024). </a:t>
             </a:r>
-            <a:endParaRPr lang="en-US" dirty="0" smtClean="0"/>
           </a:p>
         </p:txBody>
       </p:sp>

--- a/AI_2_Presentation.pptx
+++ b/AI_2_Presentation.pptx
@@ -262,11 +262,11 @@
           <c:showBubbleSize val="0"/>
         </c:dLbls>
         <c:smooth val="0"/>
-        <c:axId val="418868056"/>
-        <c:axId val="418867664"/>
+        <c:axId val="224877008"/>
+        <c:axId val="224880368"/>
       </c:lineChart>
       <c:catAx>
-        <c:axId val="418868056"/>
+        <c:axId val="224877008"/>
         <c:scaling>
           <c:orientation val="minMax"/>
         </c:scaling>
@@ -309,7 +309,7 @@
             <a:endParaRPr lang="en-US"/>
           </a:p>
         </c:txPr>
-        <c:crossAx val="418867664"/>
+        <c:crossAx val="224880368"/>
         <c:crosses val="autoZero"/>
         <c:auto val="1"/>
         <c:lblAlgn val="ctr"/>
@@ -317,7 +317,7 @@
         <c:noMultiLvlLbl val="0"/>
       </c:catAx>
       <c:valAx>
-        <c:axId val="418867664"/>
+        <c:axId val="224880368"/>
         <c:scaling>
           <c:orientation val="minMax"/>
         </c:scaling>
@@ -368,7 +368,7 @@
             <a:endParaRPr lang="en-US"/>
           </a:p>
         </c:txPr>
-        <c:crossAx val="418868056"/>
+        <c:crossAx val="224877008"/>
         <c:crosses val="autoZero"/>
         <c:crossBetween val="between"/>
       </c:valAx>
@@ -575,11 +575,11 @@
           <c:showBubbleSize val="0"/>
         </c:dLbls>
         <c:smooth val="0"/>
-        <c:axId val="418868840"/>
-        <c:axId val="418869232"/>
+        <c:axId val="223761584"/>
+        <c:axId val="171063472"/>
       </c:lineChart>
       <c:catAx>
-        <c:axId val="418868840"/>
+        <c:axId val="223761584"/>
         <c:scaling>
           <c:orientation val="minMax"/>
         </c:scaling>
@@ -622,7 +622,7 @@
             <a:endParaRPr lang="en-US"/>
           </a:p>
         </c:txPr>
-        <c:crossAx val="418869232"/>
+        <c:crossAx val="171063472"/>
         <c:crosses val="autoZero"/>
         <c:auto val="1"/>
         <c:lblAlgn val="ctr"/>
@@ -630,7 +630,7 @@
         <c:noMultiLvlLbl val="0"/>
       </c:catAx>
       <c:valAx>
-        <c:axId val="418869232"/>
+        <c:axId val="171063472"/>
         <c:scaling>
           <c:orientation val="minMax"/>
         </c:scaling>
@@ -681,7 +681,7 @@
             <a:endParaRPr lang="en-US"/>
           </a:p>
         </c:txPr>
-        <c:crossAx val="418868840"/>
+        <c:crossAx val="223761584"/>
         <c:crosses val="autoZero"/>
         <c:crossBetween val="between"/>
       </c:valAx>
@@ -1080,11 +1080,11 @@
           <c:showBubbleSize val="0"/>
         </c:dLbls>
         <c:smooth val="0"/>
-        <c:axId val="418870016"/>
-        <c:axId val="418870408"/>
+        <c:axId val="171066832"/>
+        <c:axId val="171067392"/>
       </c:lineChart>
       <c:catAx>
-        <c:axId val="418870016"/>
+        <c:axId val="171066832"/>
         <c:scaling>
           <c:orientation val="minMax"/>
         </c:scaling>
@@ -1127,7 +1127,7 @@
             <a:endParaRPr lang="en-US"/>
           </a:p>
         </c:txPr>
-        <c:crossAx val="418870408"/>
+        <c:crossAx val="171067392"/>
         <c:crosses val="autoZero"/>
         <c:auto val="1"/>
         <c:lblAlgn val="ctr"/>
@@ -1135,7 +1135,7 @@
         <c:noMultiLvlLbl val="0"/>
       </c:catAx>
       <c:valAx>
-        <c:axId val="418870408"/>
+        <c:axId val="171067392"/>
         <c:scaling>
           <c:orientation val="minMax"/>
         </c:scaling>
@@ -1186,7 +1186,7 @@
             <a:endParaRPr lang="en-US"/>
           </a:p>
         </c:txPr>
-        <c:crossAx val="418870016"/>
+        <c:crossAx val="171066832"/>
         <c:crosses val="autoZero"/>
         <c:crossBetween val="between"/>
       </c:valAx>
@@ -8165,7 +8165,47 @@
             </a:pPr>
             <a:r>
               <a:rPr lang="en-US" dirty="0" smtClean="0"/>
-              <a:t>Extracted the 13 lowest Mel-Cepstral Frequency Coefficients for each frame</a:t>
+              <a:t>Extracted the 13 lowest </a:t>
+            </a:r>
+            <a:r>
+              <a:rPr lang="en-US" dirty="0" smtClean="0"/>
+              <a:t>Mel-Frequency </a:t>
+            </a:r>
+            <a:r>
+              <a:rPr lang="en-US" dirty="0"/>
+              <a:t>Cepstral </a:t>
+            </a:r>
+            <a:r>
+              <a:rPr lang="en-US" dirty="0" smtClean="0"/>
+              <a:t>Coefficients </a:t>
+            </a:r>
+            <a:r>
+              <a:rPr lang="en-US" dirty="0" smtClean="0"/>
+              <a:t>for each </a:t>
+            </a:r>
+            <a:r>
+              <a:rPr lang="en-US" dirty="0" smtClean="0"/>
+              <a:t>frame</a:t>
+            </a:r>
+          </a:p>
+          <a:p>
+            <a:pPr lvl="1">
+              <a:buFont typeface="Arial" panose="020B0604020202020204" pitchFamily="34" charset="0"/>
+              <a:buChar char="•"/>
+            </a:pPr>
+            <a:r>
+              <a:rPr lang="en-US" dirty="0" smtClean="0"/>
+              <a:t>FFT -&gt; Filter into Frequency Ranges -&gt; Log -&gt; DCT</a:t>
+            </a:r>
+          </a:p>
+          <a:p>
+            <a:pPr lvl="1">
+              <a:buFont typeface="Arial" panose="020B0604020202020204" pitchFamily="34" charset="0"/>
+              <a:buChar char="•"/>
+            </a:pPr>
+            <a:r>
+              <a:rPr lang="en-US" dirty="0" smtClean="0"/>
+              <a:t>Get frequencies -&gt; Get ranges of frequencies -&gt; non-linear scaling to match human hearing -&gt; simplify features</a:t>
             </a:r>
             <a:endParaRPr lang="en-US" dirty="0"/>
           </a:p>
@@ -8697,11 +8737,7 @@
             </a:r>
             <a:r>
               <a:rPr lang="en-US" smtClean="0"/>
-              <a:t>classification </a:t>
-            </a:r>
-            <a:r>
-              <a:rPr lang="en-US" smtClean="0"/>
-              <a:t>per </a:t>
+              <a:t>classification per </a:t>
             </a:r>
             <a:r>
               <a:rPr lang="en-US" dirty="0" err="1" smtClean="0"/>

--- a/AI_2_Presentation.pptx
+++ b/AI_2_Presentation.pptx
@@ -262,11 +262,11 @@
           <c:showBubbleSize val="0"/>
         </c:dLbls>
         <c:smooth val="0"/>
-        <c:axId val="224877008"/>
-        <c:axId val="224880368"/>
+        <c:axId val="404011656"/>
+        <c:axId val="340770472"/>
       </c:lineChart>
       <c:catAx>
-        <c:axId val="224877008"/>
+        <c:axId val="404011656"/>
         <c:scaling>
           <c:orientation val="minMax"/>
         </c:scaling>
@@ -309,7 +309,7 @@
             <a:endParaRPr lang="en-US"/>
           </a:p>
         </c:txPr>
-        <c:crossAx val="224880368"/>
+        <c:crossAx val="340770472"/>
         <c:crosses val="autoZero"/>
         <c:auto val="1"/>
         <c:lblAlgn val="ctr"/>
@@ -317,7 +317,7 @@
         <c:noMultiLvlLbl val="0"/>
       </c:catAx>
       <c:valAx>
-        <c:axId val="224880368"/>
+        <c:axId val="340770472"/>
         <c:scaling>
           <c:orientation val="minMax"/>
         </c:scaling>
@@ -368,7 +368,7 @@
             <a:endParaRPr lang="en-US"/>
           </a:p>
         </c:txPr>
-        <c:crossAx val="224877008"/>
+        <c:crossAx val="404011656"/>
         <c:crosses val="autoZero"/>
         <c:crossBetween val="between"/>
       </c:valAx>
@@ -575,11 +575,11 @@
           <c:showBubbleSize val="0"/>
         </c:dLbls>
         <c:smooth val="0"/>
-        <c:axId val="223761584"/>
-        <c:axId val="171063472"/>
+        <c:axId val="749655688"/>
+        <c:axId val="749661176"/>
       </c:lineChart>
       <c:catAx>
-        <c:axId val="223761584"/>
+        <c:axId val="749655688"/>
         <c:scaling>
           <c:orientation val="minMax"/>
         </c:scaling>
@@ -622,7 +622,7 @@
             <a:endParaRPr lang="en-US"/>
           </a:p>
         </c:txPr>
-        <c:crossAx val="171063472"/>
+        <c:crossAx val="749661176"/>
         <c:crosses val="autoZero"/>
         <c:auto val="1"/>
         <c:lblAlgn val="ctr"/>
@@ -630,7 +630,7 @@
         <c:noMultiLvlLbl val="0"/>
       </c:catAx>
       <c:valAx>
-        <c:axId val="171063472"/>
+        <c:axId val="749661176"/>
         <c:scaling>
           <c:orientation val="minMax"/>
         </c:scaling>
@@ -681,7 +681,7 @@
             <a:endParaRPr lang="en-US"/>
           </a:p>
         </c:txPr>
-        <c:crossAx val="223761584"/>
+        <c:crossAx val="749655688"/>
         <c:crosses val="autoZero"/>
         <c:crossBetween val="between"/>
       </c:valAx>
@@ -1080,11 +1080,11 @@
           <c:showBubbleSize val="0"/>
         </c:dLbls>
         <c:smooth val="0"/>
-        <c:axId val="171066832"/>
-        <c:axId val="171067392"/>
+        <c:axId val="749659216"/>
+        <c:axId val="749659608"/>
       </c:lineChart>
       <c:catAx>
-        <c:axId val="171066832"/>
+        <c:axId val="749659216"/>
         <c:scaling>
           <c:orientation val="minMax"/>
         </c:scaling>
@@ -1127,7 +1127,7 @@
             <a:endParaRPr lang="en-US"/>
           </a:p>
         </c:txPr>
-        <c:crossAx val="171067392"/>
+        <c:crossAx val="749659608"/>
         <c:crosses val="autoZero"/>
         <c:auto val="1"/>
         <c:lblAlgn val="ctr"/>
@@ -1135,7 +1135,7 @@
         <c:noMultiLvlLbl val="0"/>
       </c:catAx>
       <c:valAx>
-        <c:axId val="171067392"/>
+        <c:axId val="749659608"/>
         <c:scaling>
           <c:orientation val="minMax"/>
         </c:scaling>
@@ -1186,7 +1186,7 @@
             <a:endParaRPr lang="en-US"/>
           </a:p>
         </c:txPr>
-        <c:crossAx val="171066832"/>
+        <c:crossAx val="749659216"/>
         <c:crosses val="autoZero"/>
         <c:crossBetween val="between"/>
       </c:valAx>
@@ -7566,8 +7566,35 @@
           <a:lstStyle/>
           <a:p>
             <a:r>
+              <a:rPr lang="en-US"/>
+              <a:t>[1]: http://</a:t>
+            </a:r>
+            <a:r>
+              <a:rPr lang="en-US"/>
+              <a:t>mivia.unisa.it/datasets/audio-analysis/mivia-road-audio-events-data-set</a:t>
+            </a:r>
+            <a:r>
+              <a:rPr lang="en-US" smtClean="0"/>
+              <a:t>/ (Data sets)</a:t>
+            </a:r>
+            <a:endParaRPr lang="en-US" smtClean="0"/>
+          </a:p>
+          <a:p>
+            <a:r>
               <a:rPr lang="en-US" dirty="0" smtClean="0"/>
-              <a:t>[1]: Foggia</a:t>
+              <a:t>[</a:t>
+            </a:r>
+            <a:r>
+              <a:rPr lang="en-US" dirty="0" smtClean="0"/>
+              <a:t>2]</a:t>
+            </a:r>
+            <a:r>
+              <a:rPr lang="en-US" dirty="0" smtClean="0"/>
+              <a:t>: </a:t>
+            </a:r>
+            <a:r>
+              <a:rPr lang="en-US" dirty="0" smtClean="0"/>
+              <a:t>Foggia</a:t>
             </a:r>
             <a:r>
               <a:rPr lang="en-US" dirty="0"/>
@@ -8165,11 +8192,7 @@
             </a:pPr>
             <a:r>
               <a:rPr lang="en-US" dirty="0" smtClean="0"/>
-              <a:t>Extracted the 13 lowest </a:t>
-            </a:r>
-            <a:r>
-              <a:rPr lang="en-US" dirty="0" smtClean="0"/>
-              <a:t>Mel-Frequency </a:t>
+              <a:t>Extracted the 13 lowest Mel-Frequency </a:t>
             </a:r>
             <a:r>
               <a:rPr lang="en-US" dirty="0"/>
@@ -8177,15 +8200,7 @@
             </a:r>
             <a:r>
               <a:rPr lang="en-US" dirty="0" smtClean="0"/>
-              <a:t>Coefficients </a:t>
-            </a:r>
-            <a:r>
-              <a:rPr lang="en-US" dirty="0" smtClean="0"/>
-              <a:t>for each </a:t>
-            </a:r>
-            <a:r>
-              <a:rPr lang="en-US" dirty="0" smtClean="0"/>
-              <a:t>frame</a:t>
+              <a:t>Coefficients for each frame</a:t>
             </a:r>
           </a:p>
           <a:p>

--- a/AI_2_Presentation.pptx
+++ b/AI_2_Presentation.pptx
@@ -265,11 +265,11 @@
           <c:showBubbleSize val="0"/>
         </c:dLbls>
         <c:smooth val="0"/>
-        <c:axId val="749660392"/>
-        <c:axId val="749654904"/>
+        <c:axId val="415983520"/>
+        <c:axId val="415979208"/>
       </c:lineChart>
       <c:catAx>
-        <c:axId val="749660392"/>
+        <c:axId val="415983520"/>
         <c:scaling>
           <c:orientation val="minMax"/>
         </c:scaling>
@@ -312,7 +312,7 @@
             <a:endParaRPr lang="en-US"/>
           </a:p>
         </c:txPr>
-        <c:crossAx val="749654904"/>
+        <c:crossAx val="415979208"/>
         <c:crosses val="autoZero"/>
         <c:auto val="1"/>
         <c:lblAlgn val="ctr"/>
@@ -320,7 +320,7 @@
         <c:noMultiLvlLbl val="0"/>
       </c:catAx>
       <c:valAx>
-        <c:axId val="749654904"/>
+        <c:axId val="415979208"/>
         <c:scaling>
           <c:orientation val="minMax"/>
         </c:scaling>
@@ -371,7 +371,7 @@
             <a:endParaRPr lang="en-US"/>
           </a:p>
         </c:txPr>
-        <c:crossAx val="749660392"/>
+        <c:crossAx val="415983520"/>
         <c:crosses val="autoZero"/>
         <c:crossBetween val="between"/>
       </c:valAx>
@@ -578,11 +578,11 @@
           <c:showBubbleSize val="0"/>
         </c:dLbls>
         <c:smooth val="0"/>
-        <c:axId val="749655296"/>
-        <c:axId val="749657256"/>
+        <c:axId val="415984304"/>
+        <c:axId val="415976856"/>
       </c:lineChart>
       <c:catAx>
-        <c:axId val="749655296"/>
+        <c:axId val="415984304"/>
         <c:scaling>
           <c:orientation val="minMax"/>
         </c:scaling>
@@ -625,7 +625,7 @@
             <a:endParaRPr lang="en-US"/>
           </a:p>
         </c:txPr>
-        <c:crossAx val="749657256"/>
+        <c:crossAx val="415976856"/>
         <c:crosses val="autoZero"/>
         <c:auto val="1"/>
         <c:lblAlgn val="ctr"/>
@@ -633,7 +633,7 @@
         <c:noMultiLvlLbl val="0"/>
       </c:catAx>
       <c:valAx>
-        <c:axId val="749657256"/>
+        <c:axId val="415976856"/>
         <c:scaling>
           <c:orientation val="minMax"/>
         </c:scaling>
@@ -684,7 +684,7 @@
             <a:endParaRPr lang="en-US"/>
           </a:p>
         </c:txPr>
-        <c:crossAx val="749655296"/>
+        <c:crossAx val="415984304"/>
         <c:crosses val="autoZero"/>
         <c:crossBetween val="between"/>
       </c:valAx>
@@ -1083,11 +1083,11 @@
           <c:showBubbleSize val="0"/>
         </c:dLbls>
         <c:smooth val="0"/>
-        <c:axId val="749657648"/>
-        <c:axId val="749658432"/>
+        <c:axId val="415978424"/>
+        <c:axId val="418323680"/>
       </c:lineChart>
       <c:catAx>
-        <c:axId val="749657648"/>
+        <c:axId val="415978424"/>
         <c:scaling>
           <c:orientation val="minMax"/>
         </c:scaling>
@@ -1130,7 +1130,7 @@
             <a:endParaRPr lang="en-US"/>
           </a:p>
         </c:txPr>
-        <c:crossAx val="749658432"/>
+        <c:crossAx val="418323680"/>
         <c:crosses val="autoZero"/>
         <c:auto val="1"/>
         <c:lblAlgn val="ctr"/>
@@ -1138,7 +1138,7 @@
         <c:noMultiLvlLbl val="0"/>
       </c:catAx>
       <c:valAx>
-        <c:axId val="749658432"/>
+        <c:axId val="418323680"/>
         <c:scaling>
           <c:orientation val="minMax"/>
         </c:scaling>
@@ -1189,7 +1189,7 @@
             <a:endParaRPr lang="en-US"/>
           </a:p>
         </c:txPr>
-        <c:crossAx val="749657648"/>
+        <c:crossAx val="415978424"/>
         <c:crosses val="autoZero"/>
         <c:crossBetween val="between"/>
       </c:valAx>
@@ -19746,8 +19746,13 @@
             </a:pPr>
             <a:r>
               <a:rPr lang="en-US" dirty="0" smtClean="0"/>
-              <a:t> Our work was mostly an experiment to replicate an already existing study [1]. </a:t>
+              <a:t> Our work was mostly an experiment to replicate an already existing study </a:t>
             </a:r>
+            <a:r>
+              <a:rPr lang="en-US" dirty="0" smtClean="0"/>
+              <a:t>[2]. </a:t>
+            </a:r>
+            <a:endParaRPr lang="en-US" dirty="0" smtClean="0"/>
           </a:p>
           <a:p>
             <a:pPr>
@@ -19866,8 +19871,12 @@
           <a:p>
             <a:pPr algn="ctr"/>
             <a:r>
+              <a:rPr lang="en-US" sz="1400" smtClean="0"/>
+              <a:t>[2]: </a:t>
+            </a:r>
+            <a:r>
               <a:rPr lang="en-US" sz="1400" dirty="0" smtClean="0"/>
-              <a:t>[1]: Recognition rate vs </a:t>
+              <a:t>Recognition rate vs </a:t>
             </a:r>
             <a:r>
               <a:rPr lang="en-US" sz="1400" dirty="0" err="1" smtClean="0"/>
